--- a/CaseStudy.pptx
+++ b/CaseStudy.pptx
@@ -5,17 +5,23 @@
     <p:sldMasterId id="2147483840" r:id="rId1"/>
   </p:sldMasterIdLst>
   <p:notesMasterIdLst>
-    <p:notesMasterId r:id="rId10"/>
+    <p:notesMasterId r:id="rId16"/>
   </p:notesMasterIdLst>
   <p:sldIdLst>
     <p:sldId id="256" r:id="rId2"/>
-    <p:sldId id="257" r:id="rId3"/>
-    <p:sldId id="258" r:id="rId4"/>
-    <p:sldId id="265" r:id="rId5"/>
-    <p:sldId id="263" r:id="rId6"/>
-    <p:sldId id="262" r:id="rId7"/>
-    <p:sldId id="267" r:id="rId8"/>
-    <p:sldId id="266" r:id="rId9"/>
+    <p:sldId id="275" r:id="rId3"/>
+    <p:sldId id="257" r:id="rId4"/>
+    <p:sldId id="258" r:id="rId5"/>
+    <p:sldId id="268" r:id="rId6"/>
+    <p:sldId id="269" r:id="rId7"/>
+    <p:sldId id="270" r:id="rId8"/>
+    <p:sldId id="271" r:id="rId9"/>
+    <p:sldId id="274" r:id="rId10"/>
+    <p:sldId id="272" r:id="rId11"/>
+    <p:sldId id="273" r:id="rId12"/>
+    <p:sldId id="263" r:id="rId13"/>
+    <p:sldId id="267" r:id="rId14"/>
+    <p:sldId id="266" r:id="rId15"/>
   </p:sldIdLst>
   <p:sldSz cx="12192000" cy="6858000"/>
   <p:notesSz cx="6858000" cy="9144000"/>
@@ -114,6 +120,11 @@
       </a:defRPr>
     </a:lvl9pPr>
   </p:defaultTextStyle>
+  <p:extLst>
+    <p:ext uri="{EFAFB233-063F-42B5-8137-9DF3F51BA10A}">
+      <p15:sldGuideLst xmlns:p15="http://schemas.microsoft.com/office/powerpoint/2012/main"/>
+    </p:ext>
+  </p:extLst>
 </p:presentation>
 </file>
 
@@ -10480,7 +10491,7 @@
           <a:p>
             <a:fld id="{53FB1B4B-88D5-4883-A6D1-C05A7FCA6138}" type="datetimeFigureOut">
               <a:rPr lang="en-US" smtClean="0"/>
-              <a:t>2/24/2019</a:t>
+              <a:t>2/25/2019</a:t>
             </a:fld>
             <a:endParaRPr lang="en-US"/>
           </a:p>
@@ -10972,7 +10983,7 @@
             <a:fld id="{5586B75A-687E-405C-8A0B-8D00578BA2C3}" type="datetimeFigureOut">
               <a:rPr lang="en-US" dirty="0"/>
               <a:pPr/>
-              <a:t>2/24/2019</a:t>
+              <a:t>2/25/2019</a:t>
             </a:fld>
             <a:endParaRPr lang="en-US" dirty="0"/>
           </a:p>
@@ -11139,7 +11150,7 @@
             <a:fld id="{5586B75A-687E-405C-8A0B-8D00578BA2C3}" type="datetimeFigureOut">
               <a:rPr lang="en-US" dirty="0"/>
               <a:pPr/>
-              <a:t>2/24/2019</a:t>
+              <a:t>2/25/2019</a:t>
             </a:fld>
             <a:endParaRPr lang="en-US" dirty="0"/>
           </a:p>
@@ -11316,7 +11327,7 @@
             <a:fld id="{5586B75A-687E-405C-8A0B-8D00578BA2C3}" type="datetimeFigureOut">
               <a:rPr lang="en-US" dirty="0"/>
               <a:pPr/>
-              <a:t>2/24/2019</a:t>
+              <a:t>2/25/2019</a:t>
             </a:fld>
             <a:endParaRPr lang="en-US" dirty="0"/>
           </a:p>
@@ -11483,7 +11494,7 @@
             <a:fld id="{5586B75A-687E-405C-8A0B-8D00578BA2C3}" type="datetimeFigureOut">
               <a:rPr lang="en-US" dirty="0"/>
               <a:pPr/>
-              <a:t>2/24/2019</a:t>
+              <a:t>2/25/2019</a:t>
             </a:fld>
             <a:endParaRPr lang="en-US" dirty="0"/>
           </a:p>
@@ -11738,7 +11749,7 @@
             <a:fld id="{5586B75A-687E-405C-8A0B-8D00578BA2C3}" type="datetimeFigureOut">
               <a:rPr lang="en-US" dirty="0"/>
               <a:pPr/>
-              <a:t>2/24/2019</a:t>
+              <a:t>2/25/2019</a:t>
             </a:fld>
             <a:endParaRPr lang="en-US" dirty="0"/>
           </a:p>
@@ -12023,7 +12034,7 @@
             <a:fld id="{5586B75A-687E-405C-8A0B-8D00578BA2C3}" type="datetimeFigureOut">
               <a:rPr lang="en-US" dirty="0"/>
               <a:pPr/>
-              <a:t>2/24/2019</a:t>
+              <a:t>2/25/2019</a:t>
             </a:fld>
             <a:endParaRPr lang="en-US" dirty="0"/>
           </a:p>
@@ -12462,7 +12473,7 @@
             <a:fld id="{5586B75A-687E-405C-8A0B-8D00578BA2C3}" type="datetimeFigureOut">
               <a:rPr lang="en-US" dirty="0"/>
               <a:pPr/>
-              <a:t>2/24/2019</a:t>
+              <a:t>2/25/2019</a:t>
             </a:fld>
             <a:endParaRPr lang="en-US" dirty="0"/>
           </a:p>
@@ -12577,7 +12588,7 @@
             <a:fld id="{5586B75A-687E-405C-8A0B-8D00578BA2C3}" type="datetimeFigureOut">
               <a:rPr lang="en-US" dirty="0"/>
               <a:pPr/>
-              <a:t>2/24/2019</a:t>
+              <a:t>2/25/2019</a:t>
             </a:fld>
             <a:endParaRPr lang="en-US" dirty="0"/>
           </a:p>
@@ -12669,7 +12680,7 @@
             <a:fld id="{5586B75A-687E-405C-8A0B-8D00578BA2C3}" type="datetimeFigureOut">
               <a:rPr lang="en-US" dirty="0"/>
               <a:pPr/>
-              <a:t>2/24/2019</a:t>
+              <a:t>2/25/2019</a:t>
             </a:fld>
             <a:endParaRPr lang="en-US" dirty="0"/>
           </a:p>
@@ -12954,7 +12965,7 @@
             <a:fld id="{5586B75A-687E-405C-8A0B-8D00578BA2C3}" type="datetimeFigureOut">
               <a:rPr lang="en-US" dirty="0"/>
               <a:pPr/>
-              <a:t>2/24/2019</a:t>
+              <a:t>2/25/2019</a:t>
             </a:fld>
             <a:endParaRPr lang="en-US" dirty="0"/>
           </a:p>
@@ -13224,7 +13235,7 @@
             <a:fld id="{5586B75A-687E-405C-8A0B-8D00578BA2C3}" type="datetimeFigureOut">
               <a:rPr lang="en-US" dirty="0"/>
               <a:pPr/>
-              <a:t>2/24/2019</a:t>
+              <a:t>2/25/2019</a:t>
             </a:fld>
             <a:endParaRPr lang="en-US" dirty="0"/>
           </a:p>
@@ -13518,7 +13529,7 @@
             <a:fld id="{5586B75A-687E-405C-8A0B-8D00578BA2C3}" type="datetimeFigureOut">
               <a:rPr lang="en-US" dirty="0"/>
               <a:pPr/>
-              <a:t>2/24/2019</a:t>
+              <a:t>2/25/2019</a:t>
             </a:fld>
             <a:endParaRPr lang="en-US" dirty="0"/>
           </a:p>
@@ -14290,7 +14301,1580 @@
 </p:sld>
 </file>
 
+<file path=ppt/slides/slide10.xml><?xml version="1.0" encoding="utf-8"?>
+<p:sld xmlns:a="http://schemas.openxmlformats.org/drawingml/2006/main" xmlns:r="http://schemas.openxmlformats.org/officeDocument/2006/relationships" xmlns:p="http://schemas.openxmlformats.org/presentationml/2006/main">
+  <p:cSld>
+    <p:spTree>
+      <p:nvGrpSpPr>
+        <p:cNvPr id="1" name=""/>
+        <p:cNvGrpSpPr/>
+        <p:nvPr/>
+      </p:nvGrpSpPr>
+      <p:grpSpPr>
+        <a:xfrm>
+          <a:off x="0" y="0"/>
+          <a:ext cx="0" cy="0"/>
+          <a:chOff x="0" y="0"/>
+          <a:chExt cx="0" cy="0"/>
+        </a:xfrm>
+      </p:grpSpPr>
+      <p:sp>
+        <p:nvSpPr>
+          <p:cNvPr id="2" name="Rectangle 1">
+            <a:extLst>
+              <a:ext uri="{FF2B5EF4-FFF2-40B4-BE49-F238E27FC236}">
+                <a16:creationId xmlns:a16="http://schemas.microsoft.com/office/drawing/2014/main" id="{F09B23A9-24AC-49CB-BE42-15F9CB6BF24A}"/>
+              </a:ext>
+            </a:extLst>
+          </p:cNvPr>
+          <p:cNvSpPr/>
+          <p:nvPr/>
+        </p:nvSpPr>
+        <p:spPr>
+          <a:xfrm>
+            <a:off x="1893073" y="381646"/>
+            <a:ext cx="10648469" cy="830997"/>
+          </a:xfrm>
+          <a:prstGeom prst="rect">
+            <a:avLst/>
+          </a:prstGeom>
+        </p:spPr>
+        <p:txBody>
+          <a:bodyPr wrap="square">
+            <a:spAutoFit/>
+          </a:bodyPr>
+          <a:lstStyle/>
+          <a:p>
+            <a:r>
+              <a:rPr lang="en-US" sz="2400" b="1" dirty="0"/>
+              <a:t>Sate with most alcoholic (ABV) beer and most bitter beer</a:t>
+            </a:r>
+          </a:p>
+          <a:p>
+            <a:endParaRPr lang="en-US" sz="2400" b="1" dirty="0"/>
+          </a:p>
+        </p:txBody>
+      </p:sp>
+      <p:sp>
+        <p:nvSpPr>
+          <p:cNvPr id="4" name="Rectangle 3">
+            <a:extLst>
+              <a:ext uri="{FF2B5EF4-FFF2-40B4-BE49-F238E27FC236}">
+                <a16:creationId xmlns:a16="http://schemas.microsoft.com/office/drawing/2014/main" id="{7F0145AF-82FD-46DF-B49F-F97CC76FB5C5}"/>
+              </a:ext>
+            </a:extLst>
+          </p:cNvPr>
+          <p:cNvSpPr/>
+          <p:nvPr/>
+        </p:nvSpPr>
+        <p:spPr>
+          <a:xfrm>
+            <a:off x="718657" y="1056323"/>
+            <a:ext cx="10396756" cy="655031"/>
+          </a:xfrm>
+          <a:prstGeom prst="rect">
+            <a:avLst/>
+          </a:prstGeom>
+        </p:spPr>
+        <p:txBody>
+          <a:bodyPr wrap="square">
+            <a:spAutoFit/>
+          </a:bodyPr>
+          <a:lstStyle/>
+          <a:p>
+            <a:r>
+              <a:rPr lang="en-US" dirty="0"/>
+              <a:t>Based on observation, we can see Oregon has the most bitter beer and Colorado has the strongest beer. West Coast beers tend to be more bitter than East Coast beers. </a:t>
+            </a:r>
+          </a:p>
+        </p:txBody>
+      </p:sp>
+      <p:pic>
+        <p:nvPicPr>
+          <p:cNvPr id="6" name="Picture 5">
+            <a:extLst>
+              <a:ext uri="{FF2B5EF4-FFF2-40B4-BE49-F238E27FC236}">
+                <a16:creationId xmlns:a16="http://schemas.microsoft.com/office/drawing/2014/main" id="{922763BB-5697-4596-B807-778DD3AF510E}"/>
+              </a:ext>
+            </a:extLst>
+          </p:cNvPr>
+          <p:cNvPicPr>
+            <a:picLocks noChangeAspect="1"/>
+          </p:cNvPicPr>
+          <p:nvPr/>
+        </p:nvPicPr>
+        <p:blipFill>
+          <a:blip r:embed="rId2"/>
+          <a:stretch>
+            <a:fillRect/>
+          </a:stretch>
+        </p:blipFill>
+        <p:spPr>
+          <a:xfrm>
+            <a:off x="718657" y="1825770"/>
+            <a:ext cx="6655703" cy="4437135"/>
+          </a:xfrm>
+          <a:prstGeom prst="rect">
+            <a:avLst/>
+          </a:prstGeom>
+        </p:spPr>
+      </p:pic>
+    </p:spTree>
+    <p:extLst>
+      <p:ext uri="{BB962C8B-B14F-4D97-AF65-F5344CB8AC3E}">
+        <p14:creationId xmlns:p14="http://schemas.microsoft.com/office/powerpoint/2010/main" val="201585170"/>
+      </p:ext>
+    </p:extLst>
+  </p:cSld>
+  <p:clrMapOvr>
+    <a:masterClrMapping/>
+  </p:clrMapOvr>
+</p:sld>
+</file>
+
+<file path=ppt/slides/slide11.xml><?xml version="1.0" encoding="utf-8"?>
+<p:sld xmlns:a="http://schemas.openxmlformats.org/drawingml/2006/main" xmlns:r="http://schemas.openxmlformats.org/officeDocument/2006/relationships" xmlns:p="http://schemas.openxmlformats.org/presentationml/2006/main">
+  <p:cSld>
+    <p:spTree>
+      <p:nvGrpSpPr>
+        <p:cNvPr id="1" name=""/>
+        <p:cNvGrpSpPr/>
+        <p:nvPr/>
+      </p:nvGrpSpPr>
+      <p:grpSpPr>
+        <a:xfrm>
+          <a:off x="0" y="0"/>
+          <a:ext cx="0" cy="0"/>
+          <a:chOff x="0" y="0"/>
+          <a:chExt cx="0" cy="0"/>
+        </a:xfrm>
+      </p:grpSpPr>
+      <p:sp>
+        <p:nvSpPr>
+          <p:cNvPr id="2" name="Rectangle 1">
+            <a:extLst>
+              <a:ext uri="{FF2B5EF4-FFF2-40B4-BE49-F238E27FC236}">
+                <a16:creationId xmlns:a16="http://schemas.microsoft.com/office/drawing/2014/main" id="{CD99C855-CD31-4284-AF84-4BC8D55EA0E0}"/>
+              </a:ext>
+            </a:extLst>
+          </p:cNvPr>
+          <p:cNvSpPr/>
+          <p:nvPr/>
+        </p:nvSpPr>
+        <p:spPr>
+          <a:xfrm>
+            <a:off x="1259277" y="324966"/>
+            <a:ext cx="9174178" cy="707886"/>
+          </a:xfrm>
+          <a:prstGeom prst="rect">
+            <a:avLst/>
+          </a:prstGeom>
+        </p:spPr>
+        <p:txBody>
+          <a:bodyPr wrap="none">
+            <a:spAutoFit/>
+          </a:bodyPr>
+          <a:lstStyle/>
+          <a:p>
+            <a:r>
+              <a:rPr lang="en-US" sz="4000" b="1" dirty="0"/>
+              <a:t>Summary statistics for the ABV variables</a:t>
+            </a:r>
+          </a:p>
+        </p:txBody>
+      </p:sp>
+      <p:sp>
+        <p:nvSpPr>
+          <p:cNvPr id="5" name="Rectangle 4">
+            <a:extLst>
+              <a:ext uri="{FF2B5EF4-FFF2-40B4-BE49-F238E27FC236}">
+                <a16:creationId xmlns:a16="http://schemas.microsoft.com/office/drawing/2014/main" id="{BCB572D1-5AAF-468B-8B5E-55E881830385}"/>
+              </a:ext>
+            </a:extLst>
+          </p:cNvPr>
+          <p:cNvSpPr/>
+          <p:nvPr/>
+        </p:nvSpPr>
+        <p:spPr>
+          <a:xfrm>
+            <a:off x="2039454" y="1427135"/>
+            <a:ext cx="7884723" cy="646331"/>
+          </a:xfrm>
+          <a:prstGeom prst="rect">
+            <a:avLst/>
+          </a:prstGeom>
+        </p:spPr>
+        <p:txBody>
+          <a:bodyPr wrap="square">
+            <a:spAutoFit/>
+          </a:bodyPr>
+          <a:lstStyle/>
+          <a:p>
+            <a:r>
+              <a:rPr lang="en-US" dirty="0"/>
+              <a:t>Here’s the nationwide summary statistics that provides the data of beer strengths.</a:t>
+            </a:r>
+          </a:p>
+        </p:txBody>
+      </p:sp>
+      <p:pic>
+        <p:nvPicPr>
+          <p:cNvPr id="7" name="Picture 6">
+            <a:extLst>
+              <a:ext uri="{FF2B5EF4-FFF2-40B4-BE49-F238E27FC236}">
+                <a16:creationId xmlns:a16="http://schemas.microsoft.com/office/drawing/2014/main" id="{1E7F94AE-305B-47A8-9270-09CF4916BEA4}"/>
+              </a:ext>
+            </a:extLst>
+          </p:cNvPr>
+          <p:cNvPicPr>
+            <a:picLocks noChangeAspect="1"/>
+          </p:cNvPicPr>
+          <p:nvPr/>
+        </p:nvPicPr>
+        <p:blipFill>
+          <a:blip r:embed="rId2"/>
+          <a:stretch>
+            <a:fillRect/>
+          </a:stretch>
+        </p:blipFill>
+        <p:spPr>
+          <a:xfrm>
+            <a:off x="1824037" y="2190750"/>
+            <a:ext cx="8543925" cy="2476500"/>
+          </a:xfrm>
+          <a:prstGeom prst="rect">
+            <a:avLst/>
+          </a:prstGeom>
+        </p:spPr>
+      </p:pic>
+    </p:spTree>
+    <p:extLst>
+      <p:ext uri="{BB962C8B-B14F-4D97-AF65-F5344CB8AC3E}">
+        <p14:creationId xmlns:p14="http://schemas.microsoft.com/office/powerpoint/2010/main" val="3557963784"/>
+      </p:ext>
+    </p:extLst>
+  </p:cSld>
+  <p:clrMapOvr>
+    <a:masterClrMapping/>
+  </p:clrMapOvr>
+</p:sld>
+</file>
+
+<file path=ppt/slides/slide12.xml><?xml version="1.0" encoding="utf-8"?>
+<p:sld xmlns:a="http://schemas.openxmlformats.org/drawingml/2006/main" xmlns:r="http://schemas.openxmlformats.org/officeDocument/2006/relationships" xmlns:p="http://schemas.openxmlformats.org/presentationml/2006/main">
+  <p:cSld>
+    <p:bg>
+      <p:bgPr>
+        <a:solidFill>
+          <a:schemeClr val="bg1"/>
+        </a:solidFill>
+        <a:effectLst/>
+      </p:bgPr>
+    </p:bg>
+    <p:spTree>
+      <p:nvGrpSpPr>
+        <p:cNvPr id="1" name=""/>
+        <p:cNvGrpSpPr/>
+        <p:nvPr/>
+      </p:nvGrpSpPr>
+      <p:grpSpPr>
+        <a:xfrm>
+          <a:off x="0" y="0"/>
+          <a:ext cx="0" cy="0"/>
+          <a:chOff x="0" y="0"/>
+          <a:chExt cx="0" cy="0"/>
+        </a:xfrm>
+      </p:grpSpPr>
+      <p:pic>
+        <p:nvPicPr>
+          <p:cNvPr id="29" name="Content Placeholder 2">
+            <a:extLst>
+              <a:ext uri="{FF2B5EF4-FFF2-40B4-BE49-F238E27FC236}">
+                <a16:creationId xmlns:a16="http://schemas.microsoft.com/office/drawing/2014/main" id="{CB04E99E-3021-4DDC-8A7A-68237AD01FFF}"/>
+              </a:ext>
+            </a:extLst>
+          </p:cNvPr>
+          <p:cNvPicPr>
+            <a:picLocks noGrp="1" noChangeAspect="1"/>
+          </p:cNvPicPr>
+          <p:nvPr>
+            <p:ph idx="4294967295"/>
+          </p:nvPr>
+        </p:nvPicPr>
+        <p:blipFill>
+          <a:blip r:embed="rId2"/>
+          <a:stretch>
+            <a:fillRect/>
+          </a:stretch>
+        </p:blipFill>
+        <p:spPr>
+          <a:xfrm>
+            <a:off x="4765165" y="1744402"/>
+            <a:ext cx="6365875" cy="4568825"/>
+          </a:xfrm>
+          <a:prstGeom prst="rect">
+            <a:avLst/>
+          </a:prstGeom>
+        </p:spPr>
+      </p:pic>
+      <p:sp>
+        <p:nvSpPr>
+          <p:cNvPr id="2" name="Rectangle 1">
+            <a:extLst>
+              <a:ext uri="{FF2B5EF4-FFF2-40B4-BE49-F238E27FC236}">
+                <a16:creationId xmlns:a16="http://schemas.microsoft.com/office/drawing/2014/main" id="{684C49FC-9013-4C04-B9C3-3AB0198BA40A}"/>
+              </a:ext>
+            </a:extLst>
+          </p:cNvPr>
+          <p:cNvSpPr/>
+          <p:nvPr/>
+        </p:nvSpPr>
+        <p:spPr>
+          <a:xfrm>
+            <a:off x="377505" y="212614"/>
+            <a:ext cx="11727809" cy="1200329"/>
+          </a:xfrm>
+          <a:prstGeom prst="rect">
+            <a:avLst/>
+          </a:prstGeom>
+        </p:spPr>
+        <p:txBody>
+          <a:bodyPr wrap="square">
+            <a:spAutoFit/>
+          </a:bodyPr>
+          <a:lstStyle/>
+          <a:p>
+            <a:pPr algn="ctr"/>
+            <a:r>
+              <a:rPr lang="en-US" sz="3600" dirty="0"/>
+              <a:t> </a:t>
+            </a:r>
+            <a:r>
+              <a:rPr lang="en-US" sz="3600" b="1" dirty="0"/>
+              <a:t>Apparent relationship between the bitterness of the beer and its alcoholic content</a:t>
+            </a:r>
+          </a:p>
+        </p:txBody>
+      </p:sp>
+      <p:graphicFrame>
+        <p:nvGraphicFramePr>
+          <p:cNvPr id="3" name="Table 2">
+            <a:extLst>
+              <a:ext uri="{FF2B5EF4-FFF2-40B4-BE49-F238E27FC236}">
+                <a16:creationId xmlns:a16="http://schemas.microsoft.com/office/drawing/2014/main" id="{811102F7-A9A1-413D-A993-FCFB99413027}"/>
+              </a:ext>
+            </a:extLst>
+          </p:cNvPr>
+          <p:cNvGraphicFramePr>
+            <a:graphicFrameLocks noGrp="1"/>
+          </p:cNvGraphicFramePr>
+          <p:nvPr>
+            <p:extLst>
+              <p:ext uri="{D42A27DB-BD31-4B8C-83A1-F6EECF244321}">
+                <p14:modId xmlns:p14="http://schemas.microsoft.com/office/powerpoint/2010/main" val="4138267520"/>
+              </p:ext>
+            </p:extLst>
+          </p:nvPr>
+        </p:nvGraphicFramePr>
+        <p:xfrm>
+          <a:off x="696287" y="1744402"/>
+          <a:ext cx="3523376" cy="1200329"/>
+        </p:xfrm>
+        <a:graphic>
+          <a:graphicData uri="http://schemas.openxmlformats.org/drawingml/2006/table">
+            <a:tbl>
+              <a:tblPr firstRow="1" bandRow="1">
+                <a:tableStyleId>{5C22544A-7EE6-4342-B048-85BDC9FD1C3A}</a:tableStyleId>
+              </a:tblPr>
+              <a:tblGrid>
+                <a:gridCol w="3523376">
+                  <a:extLst>
+                    <a:ext uri="{9D8B030D-6E8A-4147-A177-3AD203B41FA5}">
+                      <a16:colId xmlns:a16="http://schemas.microsoft.com/office/drawing/2014/main" val="3565454082"/>
+                    </a:ext>
+                  </a:extLst>
+                </a:gridCol>
+              </a:tblGrid>
+              <a:tr h="1200329">
+                <a:tc>
+                  <a:txBody>
+                    <a:bodyPr/>
+                    <a:lstStyle/>
+                    <a:p>
+                      <a:r>
+                        <a:rPr lang="en-US" sz="1200" b="0" dirty="0" err="1">
+                          <a:solidFill>
+                            <a:schemeClr val="accent5">
+                              <a:lumMod val="50000"/>
+                            </a:schemeClr>
+                          </a:solidFill>
+                        </a:rPr>
+                        <a:t>ggplot</a:t>
+                      </a:r>
+                      <a:r>
+                        <a:rPr lang="en-US" sz="1200" b="0" dirty="0">
+                          <a:solidFill>
+                            <a:schemeClr val="accent5">
+                              <a:lumMod val="50000"/>
+                            </a:schemeClr>
+                          </a:solidFill>
+                        </a:rPr>
+                        <a:t>(</a:t>
+                      </a:r>
+                      <a:r>
+                        <a:rPr lang="en-US" sz="1200" b="0" kern="1200" dirty="0">
+                          <a:solidFill>
+                            <a:schemeClr val="accent5">
+                              <a:lumMod val="50000"/>
+                            </a:schemeClr>
+                          </a:solidFill>
+                          <a:effectLst/>
+                          <a:latin typeface="+mn-lt"/>
+                          <a:ea typeface="+mn-ea"/>
+                          <a:cs typeface="+mn-cs"/>
+                        </a:rPr>
+                        <a:t>merged</a:t>
+                      </a:r>
+                      <a:r>
+                        <a:rPr lang="en-US" sz="1200" b="0" dirty="0">
+                          <a:solidFill>
+                            <a:schemeClr val="accent5">
+                              <a:lumMod val="50000"/>
+                            </a:schemeClr>
+                          </a:solidFill>
+                        </a:rPr>
+                        <a:t>, </a:t>
+                      </a:r>
+                      <a:r>
+                        <a:rPr lang="en-US" sz="1200" b="0" dirty="0" err="1">
+                          <a:solidFill>
+                            <a:schemeClr val="accent5">
+                              <a:lumMod val="50000"/>
+                            </a:schemeClr>
+                          </a:solidFill>
+                        </a:rPr>
+                        <a:t>aes</a:t>
+                      </a:r>
+                      <a:r>
+                        <a:rPr lang="en-US" sz="1200" b="0" dirty="0">
+                          <a:solidFill>
+                            <a:schemeClr val="accent5">
+                              <a:lumMod val="50000"/>
+                            </a:schemeClr>
+                          </a:solidFill>
+                        </a:rPr>
+                        <a:t>(</a:t>
+                      </a:r>
+                      <a:r>
+                        <a:rPr lang="en-US" sz="1200" b="0" kern="1200" dirty="0">
+                          <a:solidFill>
+                            <a:schemeClr val="accent5">
+                              <a:lumMod val="50000"/>
+                            </a:schemeClr>
+                          </a:solidFill>
+                          <a:effectLst/>
+                          <a:latin typeface="+mn-lt"/>
+                          <a:ea typeface="+mn-ea"/>
+                          <a:cs typeface="+mn-cs"/>
+                        </a:rPr>
+                        <a:t>x=ABV</a:t>
+                      </a:r>
+                      <a:r>
+                        <a:rPr lang="en-US" sz="1200" b="0" dirty="0">
+                          <a:solidFill>
+                            <a:schemeClr val="accent5">
+                              <a:lumMod val="50000"/>
+                            </a:schemeClr>
+                          </a:solidFill>
+                        </a:rPr>
+                        <a:t>, </a:t>
+                      </a:r>
+                      <a:r>
+                        <a:rPr lang="en-US" sz="1200" b="0" kern="1200" dirty="0">
+                          <a:solidFill>
+                            <a:schemeClr val="accent5">
+                              <a:lumMod val="50000"/>
+                            </a:schemeClr>
+                          </a:solidFill>
+                          <a:effectLst/>
+                          <a:latin typeface="+mn-lt"/>
+                          <a:ea typeface="+mn-ea"/>
+                          <a:cs typeface="+mn-cs"/>
+                        </a:rPr>
+                        <a:t>y=IBU</a:t>
+                      </a:r>
+                      <a:r>
+                        <a:rPr lang="en-US" sz="1200" b="0" dirty="0">
+                          <a:solidFill>
+                            <a:schemeClr val="accent5">
+                              <a:lumMod val="50000"/>
+                            </a:schemeClr>
+                          </a:solidFill>
+                        </a:rPr>
+                        <a:t>)) </a:t>
+                      </a:r>
+                      <a:r>
+                        <a:rPr lang="en-US" sz="1200" b="0" kern="1200" dirty="0">
+                          <a:solidFill>
+                            <a:schemeClr val="accent5">
+                              <a:lumMod val="50000"/>
+                            </a:schemeClr>
+                          </a:solidFill>
+                          <a:effectLst/>
+                          <a:latin typeface="+mn-lt"/>
+                          <a:ea typeface="+mn-ea"/>
+                          <a:cs typeface="+mn-cs"/>
+                        </a:rPr>
+                        <a:t>+</a:t>
+                      </a:r>
+                      <a:r>
+                        <a:rPr lang="en-US" sz="1200" b="0" dirty="0">
+                          <a:solidFill>
+                            <a:schemeClr val="accent5">
+                              <a:lumMod val="50000"/>
+                            </a:schemeClr>
+                          </a:solidFill>
+                        </a:rPr>
+                        <a:t> </a:t>
+                      </a:r>
+                      <a:r>
+                        <a:rPr lang="en-US" sz="1200" b="0" dirty="0" err="1">
+                          <a:solidFill>
+                            <a:schemeClr val="accent5">
+                              <a:lumMod val="50000"/>
+                            </a:schemeClr>
+                          </a:solidFill>
+                        </a:rPr>
+                        <a:t>geom_point</a:t>
+                      </a:r>
+                      <a:r>
+                        <a:rPr lang="en-US" sz="1200" b="0" dirty="0">
+                          <a:solidFill>
+                            <a:schemeClr val="accent5">
+                              <a:lumMod val="50000"/>
+                            </a:schemeClr>
+                          </a:solidFill>
+                        </a:rPr>
+                        <a:t>(</a:t>
+                      </a:r>
+                      <a:r>
+                        <a:rPr lang="en-US" sz="1200" b="0" kern="1200" dirty="0" err="1">
+                          <a:solidFill>
+                            <a:schemeClr val="accent5">
+                              <a:lumMod val="50000"/>
+                            </a:schemeClr>
+                          </a:solidFill>
+                          <a:effectLst/>
+                          <a:latin typeface="+mn-lt"/>
+                          <a:ea typeface="+mn-ea"/>
+                          <a:cs typeface="+mn-cs"/>
+                        </a:rPr>
+                        <a:t>colour</a:t>
+                      </a:r>
+                      <a:r>
+                        <a:rPr lang="en-US" sz="1200" b="0" dirty="0">
+                          <a:solidFill>
+                            <a:schemeClr val="accent5">
+                              <a:lumMod val="50000"/>
+                            </a:schemeClr>
+                          </a:solidFill>
+                        </a:rPr>
+                        <a:t> </a:t>
+                      </a:r>
+                      <a:r>
+                        <a:rPr lang="en-US" sz="1200" b="0" kern="1200" dirty="0">
+                          <a:solidFill>
+                            <a:schemeClr val="accent5">
+                              <a:lumMod val="50000"/>
+                            </a:schemeClr>
+                          </a:solidFill>
+                          <a:effectLst/>
+                          <a:latin typeface="+mn-lt"/>
+                          <a:ea typeface="+mn-ea"/>
+                          <a:cs typeface="+mn-cs"/>
+                        </a:rPr>
+                        <a:t>=</a:t>
+                      </a:r>
+                      <a:r>
+                        <a:rPr lang="en-US" sz="1200" b="0" dirty="0">
+                          <a:solidFill>
+                            <a:schemeClr val="accent5">
+                              <a:lumMod val="50000"/>
+                            </a:schemeClr>
+                          </a:solidFill>
+                        </a:rPr>
+                        <a:t> </a:t>
+                      </a:r>
+                      <a:r>
+                        <a:rPr lang="en-US" sz="1200" b="0" kern="1200" dirty="0">
+                          <a:solidFill>
+                            <a:schemeClr val="accent5">
+                              <a:lumMod val="50000"/>
+                            </a:schemeClr>
+                          </a:solidFill>
+                          <a:effectLst/>
+                          <a:latin typeface="+mn-lt"/>
+                          <a:ea typeface="+mn-ea"/>
+                          <a:cs typeface="+mn-cs"/>
+                        </a:rPr>
+                        <a:t>"blue"</a:t>
+                      </a:r>
+                      <a:r>
+                        <a:rPr lang="en-US" sz="1200" b="0" dirty="0">
+                          <a:solidFill>
+                            <a:schemeClr val="accent5">
+                              <a:lumMod val="50000"/>
+                            </a:schemeClr>
+                          </a:solidFill>
+                        </a:rPr>
+                        <a:t>, </a:t>
+                      </a:r>
+                      <a:r>
+                        <a:rPr lang="en-US" sz="1200" b="0" kern="1200" dirty="0">
+                          <a:solidFill>
+                            <a:schemeClr val="accent5">
+                              <a:lumMod val="50000"/>
+                            </a:schemeClr>
+                          </a:solidFill>
+                          <a:effectLst/>
+                          <a:latin typeface="+mn-lt"/>
+                          <a:ea typeface="+mn-ea"/>
+                          <a:cs typeface="+mn-cs"/>
+                        </a:rPr>
+                        <a:t>size</a:t>
+                      </a:r>
+                      <a:r>
+                        <a:rPr lang="en-US" sz="1200" b="0" dirty="0">
+                          <a:solidFill>
+                            <a:schemeClr val="accent5">
+                              <a:lumMod val="50000"/>
+                            </a:schemeClr>
+                          </a:solidFill>
+                        </a:rPr>
+                        <a:t> </a:t>
+                      </a:r>
+                      <a:r>
+                        <a:rPr lang="en-US" sz="1200" b="0" kern="1200" dirty="0">
+                          <a:solidFill>
+                            <a:schemeClr val="accent5">
+                              <a:lumMod val="50000"/>
+                            </a:schemeClr>
+                          </a:solidFill>
+                          <a:effectLst/>
+                          <a:latin typeface="+mn-lt"/>
+                          <a:ea typeface="+mn-ea"/>
+                          <a:cs typeface="+mn-cs"/>
+                        </a:rPr>
+                        <a:t>=</a:t>
+                      </a:r>
+                      <a:r>
+                        <a:rPr lang="en-US" sz="1200" b="0" dirty="0">
+                          <a:solidFill>
+                            <a:schemeClr val="accent5">
+                              <a:lumMod val="50000"/>
+                            </a:schemeClr>
+                          </a:solidFill>
+                        </a:rPr>
+                        <a:t> </a:t>
+                      </a:r>
+                      <a:r>
+                        <a:rPr lang="en-US" sz="1200" b="0" kern="1200" dirty="0">
+                          <a:solidFill>
+                            <a:schemeClr val="accent5">
+                              <a:lumMod val="50000"/>
+                            </a:schemeClr>
+                          </a:solidFill>
+                          <a:effectLst/>
+                          <a:latin typeface="+mn-lt"/>
+                          <a:ea typeface="+mn-ea"/>
+                          <a:cs typeface="+mn-cs"/>
+                        </a:rPr>
+                        <a:t>0.8</a:t>
+                      </a:r>
+                      <a:r>
+                        <a:rPr lang="en-US" sz="1200" b="0" dirty="0">
+                          <a:solidFill>
+                            <a:schemeClr val="accent5">
+                              <a:lumMod val="50000"/>
+                            </a:schemeClr>
+                          </a:solidFill>
+                        </a:rPr>
+                        <a:t>, </a:t>
+                      </a:r>
+                      <a:r>
+                        <a:rPr lang="en-US" sz="1200" b="0" kern="1200" dirty="0">
+                          <a:solidFill>
+                            <a:schemeClr val="accent5">
+                              <a:lumMod val="50000"/>
+                            </a:schemeClr>
+                          </a:solidFill>
+                          <a:effectLst/>
+                          <a:latin typeface="+mn-lt"/>
+                          <a:ea typeface="+mn-ea"/>
+                          <a:cs typeface="+mn-cs"/>
+                        </a:rPr>
+                        <a:t>na.rm</a:t>
+                      </a:r>
+                      <a:r>
+                        <a:rPr lang="en-US" sz="1200" b="0" dirty="0">
+                          <a:solidFill>
+                            <a:schemeClr val="accent5">
+                              <a:lumMod val="50000"/>
+                            </a:schemeClr>
+                          </a:solidFill>
+                        </a:rPr>
+                        <a:t> </a:t>
+                      </a:r>
+                      <a:r>
+                        <a:rPr lang="en-US" sz="1200" b="0" kern="1200" dirty="0">
+                          <a:solidFill>
+                            <a:schemeClr val="accent5">
+                              <a:lumMod val="50000"/>
+                            </a:schemeClr>
+                          </a:solidFill>
+                          <a:effectLst/>
+                          <a:latin typeface="+mn-lt"/>
+                          <a:ea typeface="+mn-ea"/>
+                          <a:cs typeface="+mn-cs"/>
+                        </a:rPr>
+                        <a:t>=</a:t>
+                      </a:r>
+                      <a:r>
+                        <a:rPr lang="en-US" sz="1200" b="0" dirty="0">
+                          <a:solidFill>
+                            <a:schemeClr val="accent5">
+                              <a:lumMod val="50000"/>
+                            </a:schemeClr>
+                          </a:solidFill>
+                        </a:rPr>
+                        <a:t> </a:t>
+                      </a:r>
+                      <a:r>
+                        <a:rPr lang="en-US" sz="1200" b="0" kern="1200" dirty="0">
+                          <a:solidFill>
+                            <a:schemeClr val="accent5">
+                              <a:lumMod val="50000"/>
+                            </a:schemeClr>
+                          </a:solidFill>
+                          <a:effectLst/>
+                          <a:latin typeface="+mn-lt"/>
+                          <a:ea typeface="+mn-ea"/>
+                          <a:cs typeface="+mn-cs"/>
+                        </a:rPr>
+                        <a:t>TRUE</a:t>
+                      </a:r>
+                      <a:r>
+                        <a:rPr lang="en-US" sz="1200" b="0" dirty="0">
+                          <a:solidFill>
+                            <a:schemeClr val="accent5">
+                              <a:lumMod val="50000"/>
+                            </a:schemeClr>
+                          </a:solidFill>
+                        </a:rPr>
+                        <a:t>) </a:t>
+                      </a:r>
+                      <a:r>
+                        <a:rPr lang="en-US" sz="1200" b="0" kern="1200" dirty="0">
+                          <a:solidFill>
+                            <a:schemeClr val="accent5">
+                              <a:lumMod val="50000"/>
+                            </a:schemeClr>
+                          </a:solidFill>
+                          <a:effectLst/>
+                          <a:latin typeface="+mn-lt"/>
+                          <a:ea typeface="+mn-ea"/>
+                          <a:cs typeface="+mn-cs"/>
+                        </a:rPr>
+                        <a:t>+</a:t>
+                      </a:r>
+                      <a:r>
+                        <a:rPr lang="en-US" sz="1200" b="0" dirty="0">
+                          <a:solidFill>
+                            <a:schemeClr val="accent5">
+                              <a:lumMod val="50000"/>
+                            </a:schemeClr>
+                          </a:solidFill>
+                        </a:rPr>
+                        <a:t> labs(</a:t>
+                      </a:r>
+                      <a:r>
+                        <a:rPr lang="en-US" sz="1200" b="0" kern="1200" dirty="0">
+                          <a:solidFill>
+                            <a:schemeClr val="accent5">
+                              <a:lumMod val="50000"/>
+                            </a:schemeClr>
+                          </a:solidFill>
+                          <a:effectLst/>
+                          <a:latin typeface="+mn-lt"/>
+                          <a:ea typeface="+mn-ea"/>
+                          <a:cs typeface="+mn-cs"/>
+                        </a:rPr>
+                        <a:t>title='Alcohol Content vs Bitterness'</a:t>
+                      </a:r>
+                      <a:r>
+                        <a:rPr lang="en-US" sz="1200" b="0" dirty="0">
+                          <a:solidFill>
+                            <a:schemeClr val="accent5">
+                              <a:lumMod val="50000"/>
+                            </a:schemeClr>
+                          </a:solidFill>
+                        </a:rPr>
+                        <a:t>) </a:t>
+                      </a:r>
+                      <a:r>
+                        <a:rPr lang="en-US" sz="1200" b="0" kern="1200" dirty="0">
+                          <a:solidFill>
+                            <a:schemeClr val="accent5">
+                              <a:lumMod val="50000"/>
+                            </a:schemeClr>
+                          </a:solidFill>
+                          <a:effectLst/>
+                          <a:latin typeface="+mn-lt"/>
+                          <a:ea typeface="+mn-ea"/>
+                          <a:cs typeface="+mn-cs"/>
+                        </a:rPr>
+                        <a:t>+</a:t>
+                      </a:r>
+                      <a:r>
+                        <a:rPr lang="en-US" sz="1200" b="0" dirty="0">
+                          <a:solidFill>
+                            <a:schemeClr val="accent5">
+                              <a:lumMod val="50000"/>
+                            </a:schemeClr>
+                          </a:solidFill>
+                        </a:rPr>
+                        <a:t> theme(</a:t>
+                      </a:r>
+                      <a:r>
+                        <a:rPr lang="en-US" sz="1200" b="0" kern="1200" dirty="0" err="1">
+                          <a:solidFill>
+                            <a:schemeClr val="accent5">
+                              <a:lumMod val="50000"/>
+                            </a:schemeClr>
+                          </a:solidFill>
+                          <a:effectLst/>
+                          <a:latin typeface="+mn-lt"/>
+                          <a:ea typeface="+mn-ea"/>
+                          <a:cs typeface="+mn-cs"/>
+                        </a:rPr>
+                        <a:t>plot.title</a:t>
+                      </a:r>
+                      <a:r>
+                        <a:rPr lang="en-US" sz="1200" b="0" dirty="0">
+                          <a:solidFill>
+                            <a:schemeClr val="accent5">
+                              <a:lumMod val="50000"/>
+                            </a:schemeClr>
+                          </a:solidFill>
+                        </a:rPr>
+                        <a:t> </a:t>
+                      </a:r>
+                      <a:r>
+                        <a:rPr lang="en-US" sz="1200" b="0" kern="1200" dirty="0">
+                          <a:solidFill>
+                            <a:schemeClr val="accent5">
+                              <a:lumMod val="50000"/>
+                            </a:schemeClr>
+                          </a:solidFill>
+                          <a:effectLst/>
+                          <a:latin typeface="+mn-lt"/>
+                          <a:ea typeface="+mn-ea"/>
+                          <a:cs typeface="+mn-cs"/>
+                        </a:rPr>
+                        <a:t>=</a:t>
+                      </a:r>
+                      <a:r>
+                        <a:rPr lang="en-US" sz="1200" b="0" dirty="0">
+                          <a:solidFill>
+                            <a:schemeClr val="accent5">
+                              <a:lumMod val="50000"/>
+                            </a:schemeClr>
+                          </a:solidFill>
+                        </a:rPr>
+                        <a:t> </a:t>
+                      </a:r>
+                      <a:r>
+                        <a:rPr lang="en-US" sz="1200" b="0" dirty="0" err="1">
+                          <a:solidFill>
+                            <a:schemeClr val="accent5">
+                              <a:lumMod val="50000"/>
+                            </a:schemeClr>
+                          </a:solidFill>
+                        </a:rPr>
+                        <a:t>element_text</a:t>
+                      </a:r>
+                      <a:r>
+                        <a:rPr lang="en-US" sz="1200" b="0" dirty="0">
+                          <a:solidFill>
+                            <a:schemeClr val="accent5">
+                              <a:lumMod val="50000"/>
+                            </a:schemeClr>
+                          </a:solidFill>
+                        </a:rPr>
+                        <a:t>(</a:t>
+                      </a:r>
+                      <a:r>
+                        <a:rPr lang="en-US" sz="1200" b="0" kern="1200" dirty="0" err="1">
+                          <a:solidFill>
+                            <a:schemeClr val="accent5">
+                              <a:lumMod val="50000"/>
+                            </a:schemeClr>
+                          </a:solidFill>
+                          <a:effectLst/>
+                          <a:latin typeface="+mn-lt"/>
+                          <a:ea typeface="+mn-ea"/>
+                          <a:cs typeface="+mn-cs"/>
+                        </a:rPr>
+                        <a:t>hjust</a:t>
+                      </a:r>
+                      <a:r>
+                        <a:rPr lang="en-US" sz="1200" b="0" dirty="0">
+                          <a:solidFill>
+                            <a:schemeClr val="accent5">
+                              <a:lumMod val="50000"/>
+                            </a:schemeClr>
+                          </a:solidFill>
+                        </a:rPr>
+                        <a:t> </a:t>
+                      </a:r>
+                      <a:r>
+                        <a:rPr lang="en-US" sz="1200" b="0" kern="1200" dirty="0">
+                          <a:solidFill>
+                            <a:schemeClr val="accent5">
+                              <a:lumMod val="50000"/>
+                            </a:schemeClr>
+                          </a:solidFill>
+                          <a:effectLst/>
+                          <a:latin typeface="+mn-lt"/>
+                          <a:ea typeface="+mn-ea"/>
+                          <a:cs typeface="+mn-cs"/>
+                        </a:rPr>
+                        <a:t>=</a:t>
+                      </a:r>
+                      <a:r>
+                        <a:rPr lang="en-US" sz="1200" b="0" dirty="0">
+                          <a:solidFill>
+                            <a:schemeClr val="accent5">
+                              <a:lumMod val="50000"/>
+                            </a:schemeClr>
+                          </a:solidFill>
+                        </a:rPr>
+                        <a:t> </a:t>
+                      </a:r>
+                      <a:r>
+                        <a:rPr lang="en-US" sz="1200" b="0" kern="1200" dirty="0">
+                          <a:solidFill>
+                            <a:schemeClr val="accent5">
+                              <a:lumMod val="50000"/>
+                            </a:schemeClr>
+                          </a:solidFill>
+                          <a:effectLst/>
+                          <a:latin typeface="+mn-lt"/>
+                          <a:ea typeface="+mn-ea"/>
+                          <a:cs typeface="+mn-cs"/>
+                        </a:rPr>
+                        <a:t>0.5</a:t>
+                      </a:r>
+                      <a:r>
+                        <a:rPr lang="en-US" sz="1200" b="0" dirty="0">
+                          <a:solidFill>
+                            <a:schemeClr val="accent5">
+                              <a:lumMod val="50000"/>
+                            </a:schemeClr>
+                          </a:solidFill>
+                        </a:rPr>
+                        <a:t>))</a:t>
+                      </a:r>
+                    </a:p>
+                  </a:txBody>
+                  <a:tcPr>
+                    <a:lnL w="12700" cap="flat" cmpd="sng" algn="ctr">
+                      <a:solidFill>
+                        <a:schemeClr val="tx1"/>
+                      </a:solidFill>
+                      <a:prstDash val="solid"/>
+                      <a:round/>
+                      <a:headEnd type="none" w="med" len="med"/>
+                      <a:tailEnd type="none" w="med" len="med"/>
+                    </a:lnL>
+                    <a:lnR w="12700" cap="flat" cmpd="sng" algn="ctr">
+                      <a:solidFill>
+                        <a:schemeClr val="tx1"/>
+                      </a:solidFill>
+                      <a:prstDash val="solid"/>
+                      <a:round/>
+                      <a:headEnd type="none" w="med" len="med"/>
+                      <a:tailEnd type="none" w="med" len="med"/>
+                    </a:lnR>
+                    <a:lnT w="12700" cap="flat" cmpd="sng" algn="ctr">
+                      <a:solidFill>
+                        <a:schemeClr val="tx1"/>
+                      </a:solidFill>
+                      <a:prstDash val="solid"/>
+                      <a:round/>
+                      <a:headEnd type="none" w="med" len="med"/>
+                      <a:tailEnd type="none" w="med" len="med"/>
+                    </a:lnT>
+                    <a:lnB w="12700" cap="flat" cmpd="sng" algn="ctr">
+                      <a:solidFill>
+                        <a:schemeClr val="tx1"/>
+                      </a:solidFill>
+                      <a:prstDash val="solid"/>
+                      <a:round/>
+                      <a:headEnd type="none" w="med" len="med"/>
+                      <a:tailEnd type="none" w="med" len="med"/>
+                    </a:lnB>
+                    <a:solidFill>
+                      <a:schemeClr val="bg1"/>
+                    </a:solidFill>
+                  </a:tcPr>
+                </a:tc>
+                <a:extLst>
+                  <a:ext uri="{0D108BD9-81ED-4DB2-BD59-A6C34878D82A}">
+                    <a16:rowId xmlns:a16="http://schemas.microsoft.com/office/drawing/2014/main" val="240694126"/>
+                  </a:ext>
+                </a:extLst>
+              </a:tr>
+            </a:tbl>
+          </a:graphicData>
+        </a:graphic>
+      </p:graphicFrame>
+      <p:sp>
+        <p:nvSpPr>
+          <p:cNvPr id="4" name="Rectangle 3">
+            <a:extLst>
+              <a:ext uri="{FF2B5EF4-FFF2-40B4-BE49-F238E27FC236}">
+                <a16:creationId xmlns:a16="http://schemas.microsoft.com/office/drawing/2014/main" id="{FAB7B991-18B4-4B7A-B766-50C3872F22B0}"/>
+              </a:ext>
+            </a:extLst>
+          </p:cNvPr>
+          <p:cNvSpPr/>
+          <p:nvPr/>
+        </p:nvSpPr>
+        <p:spPr>
+          <a:xfrm>
+            <a:off x="550878" y="3276190"/>
+            <a:ext cx="3814194" cy="1754326"/>
+          </a:xfrm>
+          <a:prstGeom prst="rect">
+            <a:avLst/>
+          </a:prstGeom>
+        </p:spPr>
+        <p:txBody>
+          <a:bodyPr wrap="square">
+            <a:spAutoFit/>
+          </a:bodyPr>
+          <a:lstStyle/>
+          <a:p>
+            <a:r>
+              <a:rPr lang="en-US" dirty="0"/>
+              <a:t>There is evidence to suggest a positive correlation IBU and ABV, meaning increasing the alcohol content results in more bitter beer. Using this data would help the company to create custom beer flavor for the customers. </a:t>
+            </a:r>
+          </a:p>
+        </p:txBody>
+      </p:sp>
+    </p:spTree>
+    <p:extLst>
+      <p:ext uri="{BB962C8B-B14F-4D97-AF65-F5344CB8AC3E}">
+        <p14:creationId xmlns:p14="http://schemas.microsoft.com/office/powerpoint/2010/main" val="1976507218"/>
+      </p:ext>
+    </p:extLst>
+  </p:cSld>
+  <p:clrMapOvr>
+    <a:masterClrMapping/>
+  </p:clrMapOvr>
+</p:sld>
+</file>
+
+<file path=ppt/slides/slide13.xml><?xml version="1.0" encoding="utf-8"?>
+<p:sld xmlns:a="http://schemas.openxmlformats.org/drawingml/2006/main" xmlns:r="http://schemas.openxmlformats.org/officeDocument/2006/relationships" xmlns:p="http://schemas.openxmlformats.org/presentationml/2006/main">
+  <p:cSld>
+    <p:spTree>
+      <p:nvGrpSpPr>
+        <p:cNvPr id="1" name=""/>
+        <p:cNvGrpSpPr/>
+        <p:nvPr/>
+      </p:nvGrpSpPr>
+      <p:grpSpPr>
+        <a:xfrm>
+          <a:off x="0" y="0"/>
+          <a:ext cx="0" cy="0"/>
+          <a:chOff x="0" y="0"/>
+          <a:chExt cx="0" cy="0"/>
+        </a:xfrm>
+      </p:grpSpPr>
+      <p:sp>
+        <p:nvSpPr>
+          <p:cNvPr id="4" name="Rectangle 3">
+            <a:extLst>
+              <a:ext uri="{FF2B5EF4-FFF2-40B4-BE49-F238E27FC236}">
+                <a16:creationId xmlns:a16="http://schemas.microsoft.com/office/drawing/2014/main" id="{0DE3D890-6FA2-4AAD-8FBA-4FF468E4147D}"/>
+              </a:ext>
+            </a:extLst>
+          </p:cNvPr>
+          <p:cNvSpPr/>
+          <p:nvPr/>
+        </p:nvSpPr>
+        <p:spPr>
+          <a:xfrm>
+            <a:off x="537969" y="523376"/>
+            <a:ext cx="11116061" cy="707886"/>
+          </a:xfrm>
+          <a:prstGeom prst="rect">
+            <a:avLst/>
+          </a:prstGeom>
+        </p:spPr>
+        <p:txBody>
+          <a:bodyPr wrap="square">
+            <a:spAutoFit/>
+          </a:bodyPr>
+          <a:lstStyle/>
+          <a:p>
+            <a:pPr algn="ctr"/>
+            <a:r>
+              <a:rPr lang="en-US" sz="4000" b="1" spc="-100" dirty="0"/>
+              <a:t>Overall Findings and Business suggestions</a:t>
+            </a:r>
+            <a:endParaRPr lang="en-US" sz="4000" dirty="0"/>
+          </a:p>
+        </p:txBody>
+      </p:sp>
+      <p:graphicFrame>
+        <p:nvGraphicFramePr>
+          <p:cNvPr id="7" name="Diagram 6">
+            <a:extLst>
+              <a:ext uri="{FF2B5EF4-FFF2-40B4-BE49-F238E27FC236}">
+                <a16:creationId xmlns:a16="http://schemas.microsoft.com/office/drawing/2014/main" id="{15213EA4-7955-47CA-9B75-703040A84C5E}"/>
+              </a:ext>
+            </a:extLst>
+          </p:cNvPr>
+          <p:cNvGraphicFramePr/>
+          <p:nvPr>
+            <p:extLst>
+              <p:ext uri="{D42A27DB-BD31-4B8C-83A1-F6EECF244321}">
+                <p14:modId xmlns:p14="http://schemas.microsoft.com/office/powerpoint/2010/main" val="310823584"/>
+              </p:ext>
+            </p:extLst>
+          </p:nvPr>
+        </p:nvGraphicFramePr>
+        <p:xfrm>
+          <a:off x="560124" y="1934943"/>
+          <a:ext cx="11402008" cy="5018659"/>
+        </p:xfrm>
+        <a:graphic>
+          <a:graphicData uri="http://schemas.openxmlformats.org/drawingml/2006/diagram">
+            <dgm:relIds xmlns:dgm="http://schemas.openxmlformats.org/drawingml/2006/diagram" xmlns:r="http://schemas.openxmlformats.org/officeDocument/2006/relationships" r:dm="rId2" r:lo="rId3" r:qs="rId4" r:cs="rId5"/>
+          </a:graphicData>
+        </a:graphic>
+      </p:graphicFrame>
+    </p:spTree>
+    <p:extLst>
+      <p:ext uri="{BB962C8B-B14F-4D97-AF65-F5344CB8AC3E}">
+        <p14:creationId xmlns:p14="http://schemas.microsoft.com/office/powerpoint/2010/main" val="3223297015"/>
+      </p:ext>
+    </p:extLst>
+  </p:cSld>
+  <p:clrMapOvr>
+    <a:masterClrMapping/>
+  </p:clrMapOvr>
+</p:sld>
+</file>
+
+<file path=ppt/slides/slide14.xml><?xml version="1.0" encoding="utf-8"?>
+<p:sld xmlns:a="http://schemas.openxmlformats.org/drawingml/2006/main" xmlns:r="http://schemas.openxmlformats.org/officeDocument/2006/relationships" xmlns:p="http://schemas.openxmlformats.org/presentationml/2006/main">
+  <p:cSld>
+    <p:bg>
+      <p:bgPr>
+        <a:solidFill>
+          <a:schemeClr val="bg1"/>
+        </a:solidFill>
+        <a:effectLst/>
+      </p:bgPr>
+    </p:bg>
+    <p:spTree>
+      <p:nvGrpSpPr>
+        <p:cNvPr id="1" name=""/>
+        <p:cNvGrpSpPr/>
+        <p:nvPr/>
+      </p:nvGrpSpPr>
+      <p:grpSpPr>
+        <a:xfrm>
+          <a:off x="0" y="0"/>
+          <a:ext cx="0" cy="0"/>
+          <a:chOff x="0" y="0"/>
+          <a:chExt cx="0" cy="0"/>
+        </a:xfrm>
+      </p:grpSpPr>
+      <p:sp>
+        <p:nvSpPr>
+          <p:cNvPr id="10" name="Rectangle 9">
+            <a:extLst>
+              <a:ext uri="{FF2B5EF4-FFF2-40B4-BE49-F238E27FC236}">
+                <a16:creationId xmlns:a16="http://schemas.microsoft.com/office/drawing/2014/main" id="{82FB26DF-1058-4FF2-A7D8-CC9D04982CF2}"/>
+              </a:ext>
+              <a:ext uri="{C183D7F6-B498-43B3-948B-1728B52AA6E4}">
+                <adec:decorative xmlns:adec="http://schemas.microsoft.com/office/drawing/2017/decorative" val="1"/>
+              </a:ext>
+            </a:extLst>
+          </p:cNvPr>
+          <p:cNvSpPr>
+            <a:spLocks noGrp="1" noRot="1" noChangeAspect="1" noMove="1" noResize="1" noEditPoints="1" noAdjustHandles="1" noChangeArrowheads="1" noChangeShapeType="1" noTextEdit="1"/>
+          </p:cNvSpPr>
+          <p:nvPr>
+            <p:extLst>
+              <p:ext uri="{386F3935-93C4-4BCD-93E2-E3B085C9AB24}">
+                <p16:designElem xmlns:p16="http://schemas.microsoft.com/office/powerpoint/2015/main" val="1"/>
+              </p:ext>
+            </p:extLst>
+          </p:nvPr>
+        </p:nvSpPr>
+        <p:spPr>
+          <a:xfrm>
+            <a:off x="1" y="758952"/>
+            <a:ext cx="3443590" cy="5330952"/>
+          </a:xfrm>
+          <a:prstGeom prst="rect">
+            <a:avLst/>
+          </a:prstGeom>
+          <a:solidFill>
+            <a:schemeClr val="accent1"/>
+          </a:solidFill>
+          <a:ln>
+            <a:noFill/>
+          </a:ln>
+        </p:spPr>
+        <p:style>
+          <a:lnRef idx="2">
+            <a:schemeClr val="accent1">
+              <a:shade val="50000"/>
+            </a:schemeClr>
+          </a:lnRef>
+          <a:fillRef idx="1">
+            <a:schemeClr val="accent1"/>
+          </a:fillRef>
+          <a:effectRef idx="0">
+            <a:schemeClr val="accent1"/>
+          </a:effectRef>
+          <a:fontRef idx="minor">
+            <a:schemeClr val="lt1"/>
+          </a:fontRef>
+        </p:style>
+      </p:sp>
+      <p:pic>
+        <p:nvPicPr>
+          <p:cNvPr id="5" name="Graphic 4" descr="Robot">
+            <a:extLst>
+              <a:ext uri="{FF2B5EF4-FFF2-40B4-BE49-F238E27FC236}">
+                <a16:creationId xmlns:a16="http://schemas.microsoft.com/office/drawing/2014/main" id="{660F522F-95F4-4EDF-AC1A-FC396F5E83D2}"/>
+              </a:ext>
+            </a:extLst>
+          </p:cNvPr>
+          <p:cNvPicPr>
+            <a:picLocks noChangeAspect="1"/>
+          </p:cNvPicPr>
+          <p:nvPr/>
+        </p:nvPicPr>
+        <p:blipFill>
+          <a:blip r:embed="rId2">
+            <a:extLst>
+              <a:ext uri="{96DAC541-7B7A-43D3-8B79-37D633B846F1}">
+                <asvg:svgBlip xmlns:asvg="http://schemas.microsoft.com/office/drawing/2016/SVG/main" r:embed="rId3"/>
+              </a:ext>
+            </a:extLst>
+          </a:blip>
+          <a:stretch>
+            <a:fillRect/>
+          </a:stretch>
+        </p:blipFill>
+        <p:spPr>
+          <a:xfrm>
+            <a:off x="8375113" y="2329460"/>
+            <a:ext cx="4020087" cy="4020087"/>
+          </a:xfrm>
+          <a:prstGeom prst="rect">
+            <a:avLst/>
+          </a:prstGeom>
+        </p:spPr>
+      </p:pic>
+      <p:sp>
+        <p:nvSpPr>
+          <p:cNvPr id="12" name="Rectangle 11">
+            <a:extLst>
+              <a:ext uri="{FF2B5EF4-FFF2-40B4-BE49-F238E27FC236}">
+                <a16:creationId xmlns:a16="http://schemas.microsoft.com/office/drawing/2014/main" id="{DF663E57-5EFE-40CA-99A5-7BDB95908FDF}"/>
+              </a:ext>
+              <a:ext uri="{C183D7F6-B498-43B3-948B-1728B52AA6E4}">
+                <adec:decorative xmlns:adec="http://schemas.microsoft.com/office/drawing/2017/decorative" val="1"/>
+              </a:ext>
+            </a:extLst>
+          </p:cNvPr>
+          <p:cNvSpPr>
+            <a:spLocks noGrp="1" noRot="1" noChangeAspect="1" noMove="1" noResize="1" noEditPoints="1" noAdjustHandles="1" noChangeArrowheads="1" noChangeShapeType="1" noTextEdit="1"/>
+          </p:cNvSpPr>
+          <p:nvPr>
+            <p:extLst>
+              <p:ext uri="{386F3935-93C4-4BCD-93E2-E3B085C9AB24}">
+                <p16:designElem xmlns:p16="http://schemas.microsoft.com/office/powerpoint/2015/main" val="1"/>
+              </p:ext>
+            </p:extLst>
+          </p:nvPr>
+        </p:nvSpPr>
+        <p:spPr>
+          <a:xfrm>
+            <a:off x="11815864" y="758952"/>
+            <a:ext cx="384048" cy="5330952"/>
+          </a:xfrm>
+          <a:prstGeom prst="rect">
+            <a:avLst/>
+          </a:prstGeom>
+          <a:solidFill>
+            <a:srgbClr val="C8C8C8">
+              <a:alpha val="49804"/>
+            </a:srgbClr>
+          </a:solidFill>
+          <a:ln>
+            <a:noFill/>
+          </a:ln>
+        </p:spPr>
+        <p:style>
+          <a:lnRef idx="2">
+            <a:schemeClr val="accent1">
+              <a:shade val="50000"/>
+            </a:schemeClr>
+          </a:lnRef>
+          <a:fillRef idx="1">
+            <a:schemeClr val="accent1"/>
+          </a:fillRef>
+          <a:effectRef idx="0">
+            <a:schemeClr val="accent1"/>
+          </a:effectRef>
+          <a:fontRef idx="minor">
+            <a:schemeClr val="lt1"/>
+          </a:fontRef>
+        </p:style>
+      </p:sp>
+      <p:sp>
+        <p:nvSpPr>
+          <p:cNvPr id="6" name="Rectangle 5">
+            <a:extLst>
+              <a:ext uri="{FF2B5EF4-FFF2-40B4-BE49-F238E27FC236}">
+                <a16:creationId xmlns:a16="http://schemas.microsoft.com/office/drawing/2014/main" id="{CD97D264-01FC-431F-B26A-160153ABB169}"/>
+              </a:ext>
+            </a:extLst>
+          </p:cNvPr>
+          <p:cNvSpPr/>
+          <p:nvPr/>
+        </p:nvSpPr>
+        <p:spPr>
+          <a:xfrm>
+            <a:off x="4158075" y="1867795"/>
+            <a:ext cx="5452533" cy="923330"/>
+          </a:xfrm>
+          <a:prstGeom prst="rect">
+            <a:avLst/>
+          </a:prstGeom>
+        </p:spPr>
+        <p:txBody>
+          <a:bodyPr wrap="square">
+            <a:spAutoFit/>
+          </a:bodyPr>
+          <a:lstStyle/>
+          <a:p>
+            <a:r>
+              <a:rPr lang="en-US" sz="5400" b="1" dirty="0"/>
+              <a:t>Questions??</a:t>
+            </a:r>
+          </a:p>
+        </p:txBody>
+      </p:sp>
+    </p:spTree>
+    <p:extLst>
+      <p:ext uri="{BB962C8B-B14F-4D97-AF65-F5344CB8AC3E}">
+        <p14:creationId xmlns:p14="http://schemas.microsoft.com/office/powerpoint/2010/main" val="944196401"/>
+      </p:ext>
+    </p:extLst>
+  </p:cSld>
+  <p:clrMapOvr>
+    <a:masterClrMapping/>
+  </p:clrMapOvr>
+</p:sld>
+</file>
+
 <file path=ppt/slides/slide2.xml><?xml version="1.0" encoding="utf-8"?>
+<p:sld xmlns:a="http://schemas.openxmlformats.org/drawingml/2006/main" xmlns:r="http://schemas.openxmlformats.org/officeDocument/2006/relationships" xmlns:p="http://schemas.openxmlformats.org/presentationml/2006/main">
+  <p:cSld>
+    <p:spTree>
+      <p:nvGrpSpPr>
+        <p:cNvPr id="1" name=""/>
+        <p:cNvGrpSpPr/>
+        <p:nvPr/>
+      </p:nvGrpSpPr>
+      <p:grpSpPr>
+        <a:xfrm>
+          <a:off x="0" y="0"/>
+          <a:ext cx="0" cy="0"/>
+          <a:chOff x="0" y="0"/>
+          <a:chExt cx="0" cy="0"/>
+        </a:xfrm>
+      </p:grpSpPr>
+      <p:sp>
+        <p:nvSpPr>
+          <p:cNvPr id="2" name="Title 1">
+            <a:extLst>
+              <a:ext uri="{FF2B5EF4-FFF2-40B4-BE49-F238E27FC236}">
+                <a16:creationId xmlns:a16="http://schemas.microsoft.com/office/drawing/2014/main" id="{216E6A27-4498-4375-9EC5-2C53B8AD8534}"/>
+              </a:ext>
+            </a:extLst>
+          </p:cNvPr>
+          <p:cNvSpPr>
+            <a:spLocks noGrp="1"/>
+          </p:cNvSpPr>
+          <p:nvPr>
+            <p:ph type="title"/>
+          </p:nvPr>
+        </p:nvSpPr>
+        <p:spPr/>
+        <p:txBody>
+          <a:bodyPr/>
+          <a:lstStyle/>
+          <a:p>
+            <a:pPr algn="ctr"/>
+            <a:r>
+              <a:rPr lang="en-US" b="1" dirty="0"/>
+              <a:t>Agenda</a:t>
+            </a:r>
+          </a:p>
+        </p:txBody>
+      </p:sp>
+      <p:sp>
+        <p:nvSpPr>
+          <p:cNvPr id="3" name="Content Placeholder 2">
+            <a:extLst>
+              <a:ext uri="{FF2B5EF4-FFF2-40B4-BE49-F238E27FC236}">
+                <a16:creationId xmlns:a16="http://schemas.microsoft.com/office/drawing/2014/main" id="{40537BF2-BF1F-4425-BF3C-0BD522CC341E}"/>
+              </a:ext>
+            </a:extLst>
+          </p:cNvPr>
+          <p:cNvSpPr>
+            <a:spLocks noGrp="1"/>
+          </p:cNvSpPr>
+          <p:nvPr>
+            <p:ph idx="1"/>
+          </p:nvPr>
+        </p:nvSpPr>
+        <p:spPr>
+          <a:xfrm>
+            <a:off x="3869268" y="3805311"/>
+            <a:ext cx="7315200" cy="2179436"/>
+          </a:xfrm>
+        </p:spPr>
+        <p:txBody>
+          <a:bodyPr>
+            <a:noAutofit/>
+          </a:bodyPr>
+          <a:lstStyle/>
+          <a:p>
+            <a:r>
+              <a:rPr lang="en-US" dirty="0"/>
+              <a:t>Challenge/Solution/Benefits</a:t>
+            </a:r>
+          </a:p>
+          <a:p>
+            <a:r>
+              <a:rPr lang="en-US" dirty="0"/>
+              <a:t>Solution approach </a:t>
+            </a:r>
+          </a:p>
+          <a:p>
+            <a:r>
+              <a:rPr lang="en-US" dirty="0"/>
+              <a:t>Breweries present in each state</a:t>
+            </a:r>
+          </a:p>
+          <a:p>
+            <a:r>
+              <a:rPr lang="en-US" dirty="0"/>
+              <a:t>Observation on Beer and Breweries merged data</a:t>
+            </a:r>
+          </a:p>
+          <a:p>
+            <a:r>
+              <a:rPr lang="en-US" dirty="0"/>
+              <a:t>Number of NA’s in each column</a:t>
+            </a:r>
+          </a:p>
+          <a:p>
+            <a:r>
+              <a:rPr lang="en-US" dirty="0"/>
+              <a:t>Median alcohol content and international bitterness unit for each state</a:t>
+            </a:r>
+          </a:p>
+          <a:p>
+            <a:r>
+              <a:rPr lang="en-US" dirty="0"/>
+              <a:t>Sate with most alcoholic (ABV) beer and most bitter beer</a:t>
+            </a:r>
+          </a:p>
+          <a:p>
+            <a:r>
+              <a:rPr lang="en-US" dirty="0"/>
+              <a:t>Summary statistics for the ABV variables</a:t>
+            </a:r>
+          </a:p>
+          <a:p>
+            <a:r>
+              <a:rPr lang="en-US" spc="-100" dirty="0">
+                <a:cs typeface="Aldhabi" panose="020B0604020202020204" pitchFamily="2" charset="-78"/>
+              </a:rPr>
+              <a:t>Overall Findings and Business suggestions</a:t>
+            </a:r>
+            <a:endParaRPr lang="en-US" dirty="0">
+              <a:cs typeface="Aldhabi" panose="020B0604020202020204" pitchFamily="2" charset="-78"/>
+            </a:endParaRPr>
+          </a:p>
+          <a:p>
+            <a:endParaRPr lang="en-US" b="1" dirty="0"/>
+          </a:p>
+          <a:p>
+            <a:endParaRPr lang="en-US" b="1" dirty="0"/>
+          </a:p>
+          <a:p>
+            <a:endParaRPr lang="en-US" dirty="0"/>
+          </a:p>
+          <a:p>
+            <a:endParaRPr lang="en-US" dirty="0"/>
+          </a:p>
+          <a:p>
+            <a:endParaRPr lang="en-US" dirty="0"/>
+          </a:p>
+          <a:p>
+            <a:endParaRPr lang="en-US" dirty="0"/>
+          </a:p>
+          <a:p>
+            <a:endParaRPr lang="en-US" dirty="0"/>
+          </a:p>
+          <a:p>
+            <a:endParaRPr lang="en-US" dirty="0"/>
+          </a:p>
+          <a:p>
+            <a:endParaRPr lang="en-US" dirty="0"/>
+          </a:p>
+        </p:txBody>
+      </p:sp>
+    </p:spTree>
+    <p:extLst>
+      <p:ext uri="{BB962C8B-B14F-4D97-AF65-F5344CB8AC3E}">
+        <p14:creationId xmlns:p14="http://schemas.microsoft.com/office/powerpoint/2010/main" val="4281920669"/>
+      </p:ext>
+    </p:extLst>
+  </p:cSld>
+  <p:clrMapOvr>
+    <a:masterClrMapping/>
+  </p:clrMapOvr>
+</p:sld>
+</file>
+
+<file path=ppt/slides/slide3.xml><?xml version="1.0" encoding="utf-8"?>
 <p:sld xmlns:a="http://schemas.openxmlformats.org/drawingml/2006/main" xmlns:r="http://schemas.openxmlformats.org/officeDocument/2006/relationships" xmlns:p="http://schemas.openxmlformats.org/presentationml/2006/main">
   <p:cSld>
     <p:bg>
@@ -14809,7 +16393,7 @@
 </p:sld>
 </file>
 
-<file path=ppt/slides/slide3.xml><?xml version="1.0" encoding="utf-8"?>
+<file path=ppt/slides/slide4.xml><?xml version="1.0" encoding="utf-8"?>
 <p:sld xmlns:a="http://schemas.openxmlformats.org/drawingml/2006/main" xmlns:r="http://schemas.openxmlformats.org/officeDocument/2006/relationships" xmlns:p="http://schemas.openxmlformats.org/presentationml/2006/main">
   <p:cSld>
     <p:bg>
@@ -15234,17 +16818,9 @@
 </p:sld>
 </file>
 
-<file path=ppt/slides/slide4.xml><?xml version="1.0" encoding="utf-8"?>
+<file path=ppt/slides/slide5.xml><?xml version="1.0" encoding="utf-8"?>
 <p:sld xmlns:a="http://schemas.openxmlformats.org/drawingml/2006/main" xmlns:r="http://schemas.openxmlformats.org/officeDocument/2006/relationships" xmlns:p="http://schemas.openxmlformats.org/presentationml/2006/main">
   <p:cSld>
-    <p:bg>
-      <p:bgPr>
-        <a:solidFill>
-          <a:schemeClr val="bg1"/>
-        </a:solidFill>
-        <a:effectLst/>
-      </p:bgPr>
-    </p:bg>
     <p:spTree>
       <p:nvGrpSpPr>
         <p:cNvPr id="1" name=""/>
@@ -15261,374 +16837,79 @@
       </p:grpSpPr>
       <p:sp>
         <p:nvSpPr>
-          <p:cNvPr id="18" name="Rectangle 17">
+          <p:cNvPr id="4" name="Rectangle 3">
             <a:extLst>
               <a:ext uri="{FF2B5EF4-FFF2-40B4-BE49-F238E27FC236}">
-                <a16:creationId xmlns:a16="http://schemas.microsoft.com/office/drawing/2014/main" id="{17115F77-2FAE-4CA7-9A7F-10D5F2C8F831}"/>
-              </a:ext>
-              <a:ext uri="{C183D7F6-B498-43B3-948B-1728B52AA6E4}">
-                <adec:decorative xmlns:adec="http://schemas.microsoft.com/office/drawing/2017/decorative" val="1"/>
+                <a16:creationId xmlns:a16="http://schemas.microsoft.com/office/drawing/2014/main" id="{8671A92D-00EB-4DA6-A2A1-FB012EE453F1}"/>
               </a:ext>
             </a:extLst>
           </p:cNvPr>
-          <p:cNvSpPr>
-            <a:spLocks noGrp="1" noRot="1" noChangeAspect="1" noMove="1" noResize="1" noEditPoints="1" noAdjustHandles="1" noChangeArrowheads="1" noChangeShapeType="1" noTextEdit="1"/>
-          </p:cNvSpPr>
-          <p:nvPr>
-            <p:extLst>
-              <p:ext uri="{386F3935-93C4-4BCD-93E2-E3B085C9AB24}">
-                <p16:designElem xmlns:p16="http://schemas.microsoft.com/office/powerpoint/2015/main" val="1"/>
-              </p:ext>
-            </p:extLst>
-          </p:nvPr>
+          <p:cNvSpPr/>
+          <p:nvPr/>
         </p:nvSpPr>
         <p:spPr>
           <a:xfrm>
-            <a:off x="0" y="761999"/>
-            <a:ext cx="9141619" cy="5334001"/>
+            <a:off x="2525594" y="404694"/>
+            <a:ext cx="6386684" cy="646331"/>
           </a:xfrm>
           <a:prstGeom prst="rect">
             <a:avLst/>
           </a:prstGeom>
-          <a:solidFill>
-            <a:schemeClr val="accent1"/>
-          </a:solidFill>
-          <a:ln>
-            <a:noFill/>
-          </a:ln>
         </p:spPr>
-        <p:style>
-          <a:lnRef idx="2">
-            <a:schemeClr val="accent1">
-              <a:shade val="50000"/>
-            </a:schemeClr>
-          </a:lnRef>
-          <a:fillRef idx="1">
-            <a:schemeClr val="accent1"/>
-          </a:fillRef>
-          <a:effectRef idx="0">
-            <a:schemeClr val="accent1"/>
-          </a:effectRef>
-          <a:fontRef idx="minor">
-            <a:schemeClr val="lt1"/>
-          </a:fontRef>
-        </p:style>
-      </p:sp>
-      <p:sp>
-        <p:nvSpPr>
-          <p:cNvPr id="23" name="Rectangle 19">
-            <a:extLst>
-              <a:ext uri="{FF2B5EF4-FFF2-40B4-BE49-F238E27FC236}">
-                <a16:creationId xmlns:a16="http://schemas.microsoft.com/office/drawing/2014/main" id="{5CD4C046-A04C-46CC-AFA3-6B0621F628C8}"/>
-              </a:ext>
-              <a:ext uri="{C183D7F6-B498-43B3-948B-1728B52AA6E4}">
-                <adec:decorative xmlns:adec="http://schemas.microsoft.com/office/drawing/2017/decorative" val="1"/>
-              </a:ext>
-            </a:extLst>
-          </p:cNvPr>
-          <p:cNvSpPr>
-            <a:spLocks noGrp="1" noRot="1" noChangeAspect="1" noMove="1" noResize="1" noEditPoints="1" noAdjustHandles="1" noChangeArrowheads="1" noChangeShapeType="1" noTextEdit="1"/>
-          </p:cNvSpPr>
-          <p:nvPr>
-            <p:extLst>
-              <p:ext uri="{386F3935-93C4-4BCD-93E2-E3B085C9AB24}">
-                <p16:designElem xmlns:p16="http://schemas.microsoft.com/office/powerpoint/2015/main" val="1"/>
-              </p:ext>
-            </p:extLst>
-          </p:nvPr>
-        </p:nvSpPr>
-        <p:spPr>
-          <a:xfrm>
-            <a:off x="9270263" y="761999"/>
-            <a:ext cx="2925318" cy="5334001"/>
-          </a:xfrm>
-          <a:prstGeom prst="rect">
-            <a:avLst/>
-          </a:prstGeom>
-          <a:solidFill>
-            <a:srgbClr val="C8C8C8">
-              <a:alpha val="49804"/>
-            </a:srgbClr>
-          </a:solidFill>
-          <a:ln>
-            <a:noFill/>
-          </a:ln>
-        </p:spPr>
-        <p:style>
-          <a:lnRef idx="2">
-            <a:schemeClr val="accent1">
-              <a:shade val="50000"/>
-            </a:schemeClr>
-          </a:lnRef>
-          <a:fillRef idx="1">
-            <a:schemeClr val="accent1"/>
-          </a:fillRef>
-          <a:effectRef idx="0">
-            <a:schemeClr val="accent1"/>
-          </a:effectRef>
-          <a:fontRef idx="minor">
-            <a:schemeClr val="lt1"/>
-          </a:fontRef>
-        </p:style>
-      </p:sp>
-      <p:sp useBgFill="1">
-        <p:nvSpPr>
-          <p:cNvPr id="22" name="Rectangle 21">
-            <a:extLst>
-              <a:ext uri="{FF2B5EF4-FFF2-40B4-BE49-F238E27FC236}">
-                <a16:creationId xmlns:a16="http://schemas.microsoft.com/office/drawing/2014/main" id="{66C7A97A-A7DE-4DFB-8542-1E4BF24C7D31}"/>
-              </a:ext>
-              <a:ext uri="{C183D7F6-B498-43B3-948B-1728B52AA6E4}">
-                <adec:decorative xmlns:adec="http://schemas.microsoft.com/office/drawing/2017/decorative" val="1"/>
-              </a:ext>
-            </a:extLst>
-          </p:cNvPr>
-          <p:cNvSpPr>
-            <a:spLocks noGrp="1" noRot="1" noChangeAspect="1" noMove="1" noResize="1" noEditPoints="1" noAdjustHandles="1" noChangeArrowheads="1" noChangeShapeType="1" noTextEdit="1"/>
-          </p:cNvSpPr>
-          <p:nvPr>
-            <p:extLst>
-              <p:ext uri="{386F3935-93C4-4BCD-93E2-E3B085C9AB24}">
-                <p16:designElem xmlns:p16="http://schemas.microsoft.com/office/powerpoint/2015/main" val="1"/>
-              </p:ext>
-            </p:extLst>
-          </p:nvPr>
-        </p:nvSpPr>
-        <p:spPr>
-          <a:xfrm>
-            <a:off x="0" y="0"/>
-            <a:ext cx="12191999" cy="6858000"/>
-          </a:xfrm>
-          <a:prstGeom prst="rect">
-            <a:avLst/>
-          </a:prstGeom>
-          <a:ln>
-            <a:noFill/>
-          </a:ln>
-        </p:spPr>
-        <p:style>
-          <a:lnRef idx="2">
-            <a:schemeClr val="accent1">
-              <a:shade val="50000"/>
-            </a:schemeClr>
-          </a:lnRef>
-          <a:fillRef idx="1">
-            <a:schemeClr val="accent1"/>
-          </a:fillRef>
-          <a:effectRef idx="0">
-            <a:schemeClr val="accent1"/>
-          </a:effectRef>
-          <a:fontRef idx="minor">
-            <a:schemeClr val="lt1"/>
-          </a:fontRef>
-        </p:style>
         <p:txBody>
-          <a:bodyPr rtlCol="0" anchor="ctr"/>
+          <a:bodyPr wrap="none">
+            <a:spAutoFit/>
+          </a:bodyPr>
           <a:lstStyle/>
           <a:p>
             <a:pPr algn="ctr"/>
-            <a:endParaRPr lang="en-US"/>
+            <a:r>
+              <a:rPr lang="en-US" sz="3600" b="1" dirty="0"/>
+              <a:t>Breweries present in each state</a:t>
+            </a:r>
           </a:p>
         </p:txBody>
       </p:sp>
       <p:sp>
         <p:nvSpPr>
-          <p:cNvPr id="24" name="Rectangle 23">
+          <p:cNvPr id="5" name="Rectangle 4">
             <a:extLst>
               <a:ext uri="{FF2B5EF4-FFF2-40B4-BE49-F238E27FC236}">
-                <a16:creationId xmlns:a16="http://schemas.microsoft.com/office/drawing/2014/main" id="{BE111DB0-3D73-4D20-9D57-CEF5A0D865B9}"/>
-              </a:ext>
-              <a:ext uri="{C183D7F6-B498-43B3-948B-1728B52AA6E4}">
-                <adec:decorative xmlns:adec="http://schemas.microsoft.com/office/drawing/2017/decorative" val="1"/>
+                <a16:creationId xmlns:a16="http://schemas.microsoft.com/office/drawing/2014/main" id="{854B01C2-4D00-4B30-825F-939C632F27EB}"/>
               </a:ext>
             </a:extLst>
           </p:cNvPr>
-          <p:cNvSpPr>
-            <a:spLocks noGrp="1" noRot="1" noChangeAspect="1" noMove="1" noResize="1" noEditPoints="1" noAdjustHandles="1" noChangeArrowheads="1" noChangeShapeType="1" noTextEdit="1"/>
-          </p:cNvSpPr>
-          <p:nvPr>
-            <p:extLst>
-              <p:ext uri="{386F3935-93C4-4BCD-93E2-E3B085C9AB24}">
-                <p16:designElem xmlns:p16="http://schemas.microsoft.com/office/powerpoint/2015/main" val="1"/>
-              </p:ext>
-            </p:extLst>
-          </p:nvPr>
+          <p:cNvSpPr/>
+          <p:nvPr/>
         </p:nvSpPr>
         <p:spPr>
           <a:xfrm>
-            <a:off x="1" y="761999"/>
-            <a:ext cx="4642228" cy="5334001"/>
+            <a:off x="5022907" y="4126099"/>
+            <a:ext cx="6096000" cy="923330"/>
           </a:xfrm>
           <a:prstGeom prst="rect">
             <a:avLst/>
           </a:prstGeom>
-          <a:solidFill>
-            <a:schemeClr val="accent1"/>
-          </a:solidFill>
-          <a:ln>
-            <a:noFill/>
-          </a:ln>
-        </p:spPr>
-        <p:style>
-          <a:lnRef idx="2">
-            <a:schemeClr val="accent1">
-              <a:shade val="50000"/>
-            </a:schemeClr>
-          </a:lnRef>
-          <a:fillRef idx="1">
-            <a:schemeClr val="accent1"/>
-          </a:fillRef>
-          <a:effectRef idx="0">
-            <a:schemeClr val="accent1"/>
-          </a:effectRef>
-          <a:fontRef idx="minor">
-            <a:schemeClr val="lt1"/>
-          </a:fontRef>
-        </p:style>
-      </p:sp>
-      <p:sp>
-        <p:nvSpPr>
-          <p:cNvPr id="2" name="Title 1">
-            <a:extLst>
-              <a:ext uri="{FF2B5EF4-FFF2-40B4-BE49-F238E27FC236}">
-                <a16:creationId xmlns:a16="http://schemas.microsoft.com/office/drawing/2014/main" id="{DFA390FB-78AA-4D8C-97D9-B3B5FDD5D424}"/>
-              </a:ext>
-            </a:extLst>
-          </p:cNvPr>
-          <p:cNvSpPr>
-            <a:spLocks noGrp="1"/>
-          </p:cNvSpPr>
-          <p:nvPr>
-            <p:ph type="title"/>
-          </p:nvPr>
-        </p:nvSpPr>
-        <p:spPr>
-          <a:xfrm>
-            <a:off x="643467" y="1298448"/>
-            <a:ext cx="3685070" cy="3255264"/>
-          </a:xfrm>
         </p:spPr>
         <p:txBody>
-          <a:bodyPr vert="horz" lIns="91440" tIns="45720" rIns="91440" bIns="45720" rtlCol="0" anchor="b">
-            <a:normAutofit fontScale="90000"/>
+          <a:bodyPr>
+            <a:spAutoFit/>
           </a:bodyPr>
           <a:lstStyle/>
           <a:p>
             <a:r>
-              <a:rPr lang="en-US" sz="2200" spc="-100" dirty="0"/>
-              <a:t>Here we can see the DC has the largest median alcohol content and Utah has the smallest median alcohol content. </a:t>
+              <a:rPr lang="en-US" dirty="0"/>
+              <a:t>Based on the data, DC, North Dakota, South Dakota and West Virginia all only have one brewery. Those may be the ideal location for “Oregon Best Beer” business expansion</a:t>
             </a:r>
-            <a:br>
-              <a:rPr lang="en-US" sz="2200" spc="-100" dirty="0"/>
-            </a:br>
-            <a:br>
-              <a:rPr lang="en-US" sz="2200" spc="-100" dirty="0"/>
-            </a:br>
-            <a:r>
-              <a:rPr lang="en-US" sz="2200" spc="-100" dirty="0"/>
-              <a:t>Maine has the largest median IBU and Wisconsin has the lowest median IBU. For some reason we do not have information on the IBU of South Dakota.</a:t>
-            </a:r>
-            <a:br>
-              <a:rPr lang="en-US" sz="1900" spc="-100" dirty="0"/>
-            </a:br>
-            <a:endParaRPr lang="en-US" sz="1900" spc="-100" dirty="0"/>
           </a:p>
         </p:txBody>
       </p:sp>
       <p:pic>
         <p:nvPicPr>
-          <p:cNvPr id="15" name="Content Placeholder 3">
+          <p:cNvPr id="6" name="Picture 5">
             <a:extLst>
               <a:ext uri="{FF2B5EF4-FFF2-40B4-BE49-F238E27FC236}">
-                <a16:creationId xmlns:a16="http://schemas.microsoft.com/office/drawing/2014/main" id="{0AEDAE6F-C440-4C97-BE6E-601FAB6A0A1C}"/>
-              </a:ext>
-            </a:extLst>
-          </p:cNvPr>
-          <p:cNvPicPr>
-            <a:picLocks noGrp="1" noChangeAspect="1"/>
-          </p:cNvPicPr>
-          <p:nvPr>
-            <p:ph idx="1"/>
-          </p:nvPr>
-        </p:nvPicPr>
-        <p:blipFill rotWithShape="1">
-          <a:blip r:embed="rId2"/>
-          <a:srcRect l="2290" r="12008" b="2"/>
-          <a:stretch/>
-        </p:blipFill>
-        <p:spPr>
-          <a:xfrm>
-            <a:off x="5120640" y="759599"/>
-            <a:ext cx="6367271" cy="5330650"/>
-          </a:xfrm>
-          <a:prstGeom prst="rect">
-            <a:avLst/>
-          </a:prstGeom>
-        </p:spPr>
-      </p:pic>
-      <p:sp>
-        <p:nvSpPr>
-          <p:cNvPr id="26" name="Rectangle 25">
-            <a:extLst>
-              <a:ext uri="{FF2B5EF4-FFF2-40B4-BE49-F238E27FC236}">
-                <a16:creationId xmlns:a16="http://schemas.microsoft.com/office/drawing/2014/main" id="{027ADCA0-A066-4B16-8E1F-3C2483947B72}"/>
-              </a:ext>
-              <a:ext uri="{C183D7F6-B498-43B3-948B-1728B52AA6E4}">
-                <adec:decorative xmlns:adec="http://schemas.microsoft.com/office/drawing/2017/decorative" val="1"/>
-              </a:ext>
-            </a:extLst>
-          </p:cNvPr>
-          <p:cNvSpPr>
-            <a:spLocks noGrp="1" noRot="1" noChangeAspect="1" noMove="1" noResize="1" noEditPoints="1" noAdjustHandles="1" noChangeArrowheads="1" noChangeShapeType="1" noTextEdit="1"/>
-          </p:cNvSpPr>
-          <p:nvPr>
-            <p:extLst>
-              <p:ext uri="{386F3935-93C4-4BCD-93E2-E3B085C9AB24}">
-                <p16:designElem xmlns:p16="http://schemas.microsoft.com/office/powerpoint/2015/main" val="1"/>
-              </p:ext>
-            </p:extLst>
-          </p:nvPr>
-        </p:nvSpPr>
-        <p:spPr>
-          <a:xfrm>
-            <a:off x="11815864" y="758952"/>
-            <a:ext cx="384048" cy="5330952"/>
-          </a:xfrm>
-          <a:prstGeom prst="rect">
-            <a:avLst/>
-          </a:prstGeom>
-          <a:solidFill>
-            <a:srgbClr val="C8C8C8">
-              <a:alpha val="49804"/>
-            </a:srgbClr>
-          </a:solidFill>
-          <a:ln>
-            <a:noFill/>
-          </a:ln>
-        </p:spPr>
-        <p:style>
-          <a:lnRef idx="2">
-            <a:schemeClr val="accent1">
-              <a:shade val="50000"/>
-            </a:schemeClr>
-          </a:lnRef>
-          <a:fillRef idx="1">
-            <a:schemeClr val="accent1"/>
-          </a:fillRef>
-          <a:effectRef idx="0">
-            <a:schemeClr val="accent1"/>
-          </a:effectRef>
-          <a:fontRef idx="minor">
-            <a:schemeClr val="lt1"/>
-          </a:fontRef>
-        </p:style>
-      </p:sp>
-      <p:pic>
-        <p:nvPicPr>
-          <p:cNvPr id="9" name="Graphic 8" descr="Light bulb">
-            <a:extLst>
-              <a:ext uri="{FF2B5EF4-FFF2-40B4-BE49-F238E27FC236}">
-                <a16:creationId xmlns:a16="http://schemas.microsoft.com/office/drawing/2014/main" id="{DE4A9829-F840-4691-B23E-27A17732F339}"/>
+                <a16:creationId xmlns:a16="http://schemas.microsoft.com/office/drawing/2014/main" id="{EB2017E7-F1B2-49CB-A193-78F3C6AB3AED}"/>
               </a:ext>
             </a:extLst>
           </p:cNvPr>
@@ -15638,31 +16919,699 @@
           <p:nvPr/>
         </p:nvPicPr>
         <p:blipFill>
-          <a:blip r:embed="rId3">
-            <a:extLst>
-              <a:ext uri="{96DAC541-7B7A-43D3-8B79-37D633B846F1}">
-                <asvg:svgBlip xmlns:asvg="http://schemas.microsoft.com/office/drawing/2016/SVG/main" r:embed="rId4"/>
-              </a:ext>
-            </a:extLst>
-          </a:blip>
+          <a:blip r:embed="rId2"/>
           <a:stretch>
             <a:fillRect/>
           </a:stretch>
         </p:blipFill>
         <p:spPr>
           <a:xfrm>
-            <a:off x="1648895" y="4417941"/>
-            <a:ext cx="1344439" cy="1344439"/>
+            <a:off x="1337578" y="1635306"/>
+            <a:ext cx="3247806" cy="4029436"/>
           </a:xfrm>
           <a:prstGeom prst="rect">
             <a:avLst/>
           </a:prstGeom>
         </p:spPr>
       </p:pic>
+      <p:graphicFrame>
+        <p:nvGraphicFramePr>
+          <p:cNvPr id="7" name="Table 6">
+            <a:extLst>
+              <a:ext uri="{FF2B5EF4-FFF2-40B4-BE49-F238E27FC236}">
+                <a16:creationId xmlns:a16="http://schemas.microsoft.com/office/drawing/2014/main" id="{28047EC6-2C83-426C-B4D0-CEC59CB02D56}"/>
+              </a:ext>
+            </a:extLst>
+          </p:cNvPr>
+          <p:cNvGraphicFramePr>
+            <a:graphicFrameLocks noGrp="1"/>
+          </p:cNvGraphicFramePr>
+          <p:nvPr>
+            <p:extLst>
+              <p:ext uri="{D42A27DB-BD31-4B8C-83A1-F6EECF244321}">
+                <p14:modId xmlns:p14="http://schemas.microsoft.com/office/powerpoint/2010/main" val="1769275126"/>
+              </p:ext>
+            </p:extLst>
+          </p:nvPr>
+        </p:nvGraphicFramePr>
+        <p:xfrm>
+          <a:off x="5022907" y="1635306"/>
+          <a:ext cx="5594059" cy="2194560"/>
+        </p:xfrm>
+        <a:graphic>
+          <a:graphicData uri="http://schemas.openxmlformats.org/drawingml/2006/table">
+            <a:tbl>
+              <a:tblPr firstRow="1" bandRow="1">
+                <a:tableStyleId>{5C22544A-7EE6-4342-B048-85BDC9FD1C3A}</a:tableStyleId>
+              </a:tblPr>
+              <a:tblGrid>
+                <a:gridCol w="5594059">
+                  <a:extLst>
+                    <a:ext uri="{9D8B030D-6E8A-4147-A177-3AD203B41FA5}">
+                      <a16:colId xmlns:a16="http://schemas.microsoft.com/office/drawing/2014/main" val="1084721484"/>
+                    </a:ext>
+                  </a:extLst>
+                </a:gridCol>
+              </a:tblGrid>
+              <a:tr h="923330">
+                <a:tc>
+                  <a:txBody>
+                    <a:bodyPr/>
+                    <a:lstStyle/>
+                    <a:p>
+                      <a:r>
+                        <a:rPr lang="en-US" sz="1200" b="0" dirty="0">
+                          <a:solidFill>
+                            <a:schemeClr val="accent5">
+                              <a:lumMod val="50000"/>
+                            </a:schemeClr>
+                          </a:solidFill>
+                        </a:rPr>
+                        <a:t>library(ggplot2)</a:t>
+                      </a:r>
+                      <a:br>
+                        <a:rPr lang="en-US" sz="1200" b="0" dirty="0">
+                          <a:solidFill>
+                            <a:schemeClr val="accent5">
+                              <a:lumMod val="50000"/>
+                            </a:schemeClr>
+                          </a:solidFill>
+                        </a:rPr>
+                      </a:br>
+                      <a:r>
+                        <a:rPr lang="en-US" sz="1200" b="0" dirty="0">
+                          <a:solidFill>
+                            <a:schemeClr val="accent5">
+                              <a:lumMod val="50000"/>
+                            </a:schemeClr>
+                          </a:solidFill>
+                        </a:rPr>
+                        <a:t>library(</a:t>
+                      </a:r>
+                      <a:r>
+                        <a:rPr lang="en-US" sz="1200" b="0" dirty="0" err="1">
+                          <a:solidFill>
+                            <a:schemeClr val="accent5">
+                              <a:lumMod val="50000"/>
+                            </a:schemeClr>
+                          </a:solidFill>
+                        </a:rPr>
+                        <a:t>dplyr</a:t>
+                      </a:r>
+                      <a:r>
+                        <a:rPr lang="en-US" sz="1200" b="0" dirty="0">
+                          <a:solidFill>
+                            <a:schemeClr val="accent5">
+                              <a:lumMod val="50000"/>
+                            </a:schemeClr>
+                          </a:solidFill>
+                        </a:rPr>
+                        <a:t>)</a:t>
+                      </a:r>
+                      <a:br>
+                        <a:rPr lang="en-US" sz="1200" b="0" dirty="0">
+                          <a:solidFill>
+                            <a:schemeClr val="accent5">
+                              <a:lumMod val="50000"/>
+                            </a:schemeClr>
+                          </a:solidFill>
+                        </a:rPr>
+                      </a:br>
+                      <a:r>
+                        <a:rPr lang="en-US" sz="1200" b="0" kern="1200" dirty="0">
+                          <a:solidFill>
+                            <a:schemeClr val="accent5">
+                              <a:lumMod val="50000"/>
+                            </a:schemeClr>
+                          </a:solidFill>
+                          <a:effectLst/>
+                          <a:latin typeface="+mn-lt"/>
+                          <a:ea typeface="+mn-ea"/>
+                          <a:cs typeface="+mn-cs"/>
+                        </a:rPr>
+                        <a:t>breweries=</a:t>
+                      </a:r>
+                      <a:r>
+                        <a:rPr lang="en-US" sz="1200" b="0" dirty="0">
+                          <a:solidFill>
+                            <a:schemeClr val="accent5">
+                              <a:lumMod val="50000"/>
+                            </a:schemeClr>
+                          </a:solidFill>
+                        </a:rPr>
+                        <a:t>read.csv(</a:t>
+                      </a:r>
+                      <a:r>
+                        <a:rPr lang="en-US" sz="1200" b="0" kern="1200" dirty="0">
+                          <a:solidFill>
+                            <a:schemeClr val="accent5">
+                              <a:lumMod val="50000"/>
+                            </a:schemeClr>
+                          </a:solidFill>
+                          <a:effectLst/>
+                          <a:latin typeface="+mn-lt"/>
+                          <a:ea typeface="+mn-ea"/>
+                          <a:cs typeface="+mn-cs"/>
+                        </a:rPr>
+                        <a:t>'/Users/</a:t>
+                      </a:r>
+                      <a:r>
+                        <a:rPr lang="en-US" sz="1200" b="0" kern="1200" dirty="0" err="1">
+                          <a:solidFill>
+                            <a:schemeClr val="accent5">
+                              <a:lumMod val="50000"/>
+                            </a:schemeClr>
+                          </a:solidFill>
+                          <a:effectLst/>
+                          <a:latin typeface="+mn-lt"/>
+                          <a:ea typeface="+mn-ea"/>
+                          <a:cs typeface="+mn-cs"/>
+                        </a:rPr>
+                        <a:t>spencerfogelman</a:t>
+                      </a:r>
+                      <a:r>
+                        <a:rPr lang="en-US" sz="1200" b="0" kern="1200" dirty="0">
+                          <a:solidFill>
+                            <a:schemeClr val="accent5">
+                              <a:lumMod val="50000"/>
+                            </a:schemeClr>
+                          </a:solidFill>
+                          <a:effectLst/>
+                          <a:latin typeface="+mn-lt"/>
+                          <a:ea typeface="+mn-ea"/>
+                          <a:cs typeface="+mn-cs"/>
+                        </a:rPr>
+                        <a:t>/Desktop/</a:t>
+                      </a:r>
+                      <a:r>
+                        <a:rPr lang="en-US" sz="1200" b="0" kern="1200" dirty="0" err="1">
+                          <a:solidFill>
+                            <a:schemeClr val="accent5">
+                              <a:lumMod val="50000"/>
+                            </a:schemeClr>
+                          </a:solidFill>
+                          <a:effectLst/>
+                          <a:latin typeface="+mn-lt"/>
+                          <a:ea typeface="+mn-ea"/>
+                          <a:cs typeface="+mn-cs"/>
+                        </a:rPr>
+                        <a:t>SMUDataScience</a:t>
+                      </a:r>
+                      <a:r>
+                        <a:rPr lang="en-US" sz="1200" b="0" kern="1200" dirty="0">
+                          <a:solidFill>
+                            <a:schemeClr val="accent5">
+                              <a:lumMod val="50000"/>
+                            </a:schemeClr>
+                          </a:solidFill>
+                          <a:effectLst/>
+                          <a:latin typeface="+mn-lt"/>
+                          <a:ea typeface="+mn-ea"/>
+                          <a:cs typeface="+mn-cs"/>
+                        </a:rPr>
+                        <a:t>/</a:t>
+                      </a:r>
+                      <a:r>
+                        <a:rPr lang="en-US" sz="1200" b="0" kern="1200" dirty="0" err="1">
+                          <a:solidFill>
+                            <a:schemeClr val="accent5">
+                              <a:lumMod val="50000"/>
+                            </a:schemeClr>
+                          </a:solidFill>
+                          <a:effectLst/>
+                          <a:latin typeface="+mn-lt"/>
+                          <a:ea typeface="+mn-ea"/>
+                          <a:cs typeface="+mn-cs"/>
+                        </a:rPr>
+                        <a:t>CapstoneProject</a:t>
+                      </a:r>
+                      <a:r>
+                        <a:rPr lang="en-US" sz="1200" b="0" kern="1200" dirty="0">
+                          <a:solidFill>
+                            <a:schemeClr val="accent5">
+                              <a:lumMod val="50000"/>
+                            </a:schemeClr>
+                          </a:solidFill>
+                          <a:effectLst/>
+                          <a:latin typeface="+mn-lt"/>
+                          <a:ea typeface="+mn-ea"/>
+                          <a:cs typeface="+mn-cs"/>
+                        </a:rPr>
+                        <a:t>/Breweries.csv'</a:t>
+                      </a:r>
+                      <a:r>
+                        <a:rPr lang="en-US" sz="1200" b="0" dirty="0">
+                          <a:solidFill>
+                            <a:schemeClr val="accent5">
+                              <a:lumMod val="50000"/>
+                            </a:schemeClr>
+                          </a:solidFill>
+                        </a:rPr>
+                        <a:t>, </a:t>
+                      </a:r>
+                      <a:r>
+                        <a:rPr lang="en-US" sz="1200" b="0" kern="1200" dirty="0" err="1">
+                          <a:solidFill>
+                            <a:schemeClr val="accent5">
+                              <a:lumMod val="50000"/>
+                            </a:schemeClr>
+                          </a:solidFill>
+                          <a:effectLst/>
+                          <a:latin typeface="+mn-lt"/>
+                          <a:ea typeface="+mn-ea"/>
+                          <a:cs typeface="+mn-cs"/>
+                        </a:rPr>
+                        <a:t>stringsAsFactors</a:t>
+                      </a:r>
+                      <a:r>
+                        <a:rPr lang="en-US" sz="1200" b="0" dirty="0">
+                          <a:solidFill>
+                            <a:schemeClr val="accent5">
+                              <a:lumMod val="50000"/>
+                            </a:schemeClr>
+                          </a:solidFill>
+                        </a:rPr>
+                        <a:t> </a:t>
+                      </a:r>
+                      <a:r>
+                        <a:rPr lang="en-US" sz="1200" b="0" kern="1200" dirty="0">
+                          <a:solidFill>
+                            <a:schemeClr val="accent5">
+                              <a:lumMod val="50000"/>
+                            </a:schemeClr>
+                          </a:solidFill>
+                          <a:effectLst/>
+                          <a:latin typeface="+mn-lt"/>
+                          <a:ea typeface="+mn-ea"/>
+                          <a:cs typeface="+mn-cs"/>
+                        </a:rPr>
+                        <a:t>=</a:t>
+                      </a:r>
+                      <a:r>
+                        <a:rPr lang="en-US" sz="1200" b="0" dirty="0">
+                          <a:solidFill>
+                            <a:schemeClr val="accent5">
+                              <a:lumMod val="50000"/>
+                            </a:schemeClr>
+                          </a:solidFill>
+                        </a:rPr>
+                        <a:t> </a:t>
+                      </a:r>
+                      <a:r>
+                        <a:rPr lang="en-US" sz="1200" b="0" kern="1200" dirty="0">
+                          <a:solidFill>
+                            <a:schemeClr val="accent5">
+                              <a:lumMod val="50000"/>
+                            </a:schemeClr>
+                          </a:solidFill>
+                          <a:effectLst/>
+                          <a:latin typeface="+mn-lt"/>
+                          <a:ea typeface="+mn-ea"/>
+                          <a:cs typeface="+mn-cs"/>
+                        </a:rPr>
+                        <a:t>FALSE</a:t>
+                      </a:r>
+                      <a:r>
+                        <a:rPr lang="en-US" sz="1200" b="0" dirty="0">
+                          <a:solidFill>
+                            <a:schemeClr val="accent5">
+                              <a:lumMod val="50000"/>
+                            </a:schemeClr>
+                          </a:solidFill>
+                        </a:rPr>
+                        <a:t>) </a:t>
+                      </a:r>
+                    </a:p>
+                    <a:p>
+                      <a:r>
+                        <a:rPr lang="en-US" sz="1200" b="0" kern="1200" dirty="0">
+                          <a:solidFill>
+                            <a:schemeClr val="accent5">
+                              <a:lumMod val="50000"/>
+                            </a:schemeClr>
+                          </a:solidFill>
+                          <a:effectLst/>
+                          <a:latin typeface="+mn-lt"/>
+                          <a:ea typeface="+mn-ea"/>
+                          <a:cs typeface="+mn-cs"/>
+                        </a:rPr>
+                        <a:t>Beers=</a:t>
+                      </a:r>
+                      <a:r>
+                        <a:rPr lang="en-US" sz="1200" b="0" dirty="0">
+                          <a:solidFill>
+                            <a:schemeClr val="accent5">
+                              <a:lumMod val="50000"/>
+                            </a:schemeClr>
+                          </a:solidFill>
+                        </a:rPr>
+                        <a:t>read.csv(</a:t>
+                      </a:r>
+                      <a:r>
+                        <a:rPr lang="en-US" sz="1200" b="0" kern="1200" dirty="0">
+                          <a:solidFill>
+                            <a:schemeClr val="accent5">
+                              <a:lumMod val="50000"/>
+                            </a:schemeClr>
+                          </a:solidFill>
+                          <a:effectLst/>
+                          <a:latin typeface="+mn-lt"/>
+                          <a:ea typeface="+mn-ea"/>
+                          <a:cs typeface="+mn-cs"/>
+                        </a:rPr>
+                        <a:t>'/Users/</a:t>
+                      </a:r>
+                      <a:r>
+                        <a:rPr lang="en-US" sz="1200" b="0" kern="1200" dirty="0" err="1">
+                          <a:solidFill>
+                            <a:schemeClr val="accent5">
+                              <a:lumMod val="50000"/>
+                            </a:schemeClr>
+                          </a:solidFill>
+                          <a:effectLst/>
+                          <a:latin typeface="+mn-lt"/>
+                          <a:ea typeface="+mn-ea"/>
+                          <a:cs typeface="+mn-cs"/>
+                        </a:rPr>
+                        <a:t>spencerfogelman</a:t>
+                      </a:r>
+                      <a:r>
+                        <a:rPr lang="en-US" sz="1200" b="0" kern="1200" dirty="0">
+                          <a:solidFill>
+                            <a:schemeClr val="accent5">
+                              <a:lumMod val="50000"/>
+                            </a:schemeClr>
+                          </a:solidFill>
+                          <a:effectLst/>
+                          <a:latin typeface="+mn-lt"/>
+                          <a:ea typeface="+mn-ea"/>
+                          <a:cs typeface="+mn-cs"/>
+                        </a:rPr>
+                        <a:t>/Desktop/</a:t>
+                      </a:r>
+                      <a:r>
+                        <a:rPr lang="en-US" sz="1200" b="0" kern="1200" dirty="0" err="1">
+                          <a:solidFill>
+                            <a:schemeClr val="accent5">
+                              <a:lumMod val="50000"/>
+                            </a:schemeClr>
+                          </a:solidFill>
+                          <a:effectLst/>
+                          <a:latin typeface="+mn-lt"/>
+                          <a:ea typeface="+mn-ea"/>
+                          <a:cs typeface="+mn-cs"/>
+                        </a:rPr>
+                        <a:t>SMUDataScience</a:t>
+                      </a:r>
+                      <a:r>
+                        <a:rPr lang="en-US" sz="1200" b="0" kern="1200" dirty="0">
+                          <a:solidFill>
+                            <a:schemeClr val="accent5">
+                              <a:lumMod val="50000"/>
+                            </a:schemeClr>
+                          </a:solidFill>
+                          <a:effectLst/>
+                          <a:latin typeface="+mn-lt"/>
+                          <a:ea typeface="+mn-ea"/>
+                          <a:cs typeface="+mn-cs"/>
+                        </a:rPr>
+                        <a:t>/</a:t>
+                      </a:r>
+                      <a:r>
+                        <a:rPr lang="en-US" sz="1200" b="0" kern="1200" dirty="0" err="1">
+                          <a:solidFill>
+                            <a:schemeClr val="accent5">
+                              <a:lumMod val="50000"/>
+                            </a:schemeClr>
+                          </a:solidFill>
+                          <a:effectLst/>
+                          <a:latin typeface="+mn-lt"/>
+                          <a:ea typeface="+mn-ea"/>
+                          <a:cs typeface="+mn-cs"/>
+                        </a:rPr>
+                        <a:t>CapstoneProject</a:t>
+                      </a:r>
+                      <a:r>
+                        <a:rPr lang="en-US" sz="1200" b="0" kern="1200" dirty="0">
+                          <a:solidFill>
+                            <a:schemeClr val="accent5">
+                              <a:lumMod val="50000"/>
+                            </a:schemeClr>
+                          </a:solidFill>
+                          <a:effectLst/>
+                          <a:latin typeface="+mn-lt"/>
+                          <a:ea typeface="+mn-ea"/>
+                          <a:cs typeface="+mn-cs"/>
+                        </a:rPr>
+                        <a:t>/Beers.csv'</a:t>
+                      </a:r>
+                      <a:r>
+                        <a:rPr lang="en-US" sz="1200" b="0" dirty="0">
+                          <a:solidFill>
+                            <a:schemeClr val="accent5">
+                              <a:lumMod val="50000"/>
+                            </a:schemeClr>
+                          </a:solidFill>
+                        </a:rPr>
+                        <a:t>, </a:t>
+                      </a:r>
+                      <a:r>
+                        <a:rPr lang="en-US" sz="1200" b="0" kern="1200" dirty="0" err="1">
+                          <a:solidFill>
+                            <a:schemeClr val="accent5">
+                              <a:lumMod val="50000"/>
+                            </a:schemeClr>
+                          </a:solidFill>
+                          <a:effectLst/>
+                          <a:latin typeface="+mn-lt"/>
+                          <a:ea typeface="+mn-ea"/>
+                          <a:cs typeface="+mn-cs"/>
+                        </a:rPr>
+                        <a:t>stringsAsFactors</a:t>
+                      </a:r>
+                      <a:r>
+                        <a:rPr lang="en-US" sz="1200" b="0" dirty="0">
+                          <a:solidFill>
+                            <a:schemeClr val="accent5">
+                              <a:lumMod val="50000"/>
+                            </a:schemeClr>
+                          </a:solidFill>
+                        </a:rPr>
+                        <a:t> </a:t>
+                      </a:r>
+                      <a:r>
+                        <a:rPr lang="en-US" sz="1200" b="0" kern="1200" dirty="0">
+                          <a:solidFill>
+                            <a:schemeClr val="accent5">
+                              <a:lumMod val="50000"/>
+                            </a:schemeClr>
+                          </a:solidFill>
+                          <a:effectLst/>
+                          <a:latin typeface="+mn-lt"/>
+                          <a:ea typeface="+mn-ea"/>
+                          <a:cs typeface="+mn-cs"/>
+                        </a:rPr>
+                        <a:t>=</a:t>
+                      </a:r>
+                      <a:r>
+                        <a:rPr lang="en-US" sz="1200" b="0" dirty="0">
+                          <a:solidFill>
+                            <a:schemeClr val="accent5">
+                              <a:lumMod val="50000"/>
+                            </a:schemeClr>
+                          </a:solidFill>
+                        </a:rPr>
+                        <a:t> </a:t>
+                      </a:r>
+                      <a:r>
+                        <a:rPr lang="en-US" sz="1200" b="0" kern="1200" dirty="0">
+                          <a:solidFill>
+                            <a:schemeClr val="accent5">
+                              <a:lumMod val="50000"/>
+                            </a:schemeClr>
+                          </a:solidFill>
+                          <a:effectLst/>
+                          <a:latin typeface="+mn-lt"/>
+                          <a:ea typeface="+mn-ea"/>
+                          <a:cs typeface="+mn-cs"/>
+                        </a:rPr>
+                        <a:t>FALSE</a:t>
+                      </a:r>
+                      <a:r>
+                        <a:rPr lang="en-US" sz="1200" b="0" dirty="0">
+                          <a:solidFill>
+                            <a:schemeClr val="accent5">
+                              <a:lumMod val="50000"/>
+                            </a:schemeClr>
+                          </a:solidFill>
+                        </a:rPr>
+                        <a:t>) </a:t>
+                      </a:r>
+                      <a:br>
+                        <a:rPr lang="en-US" sz="1200" b="0" dirty="0">
+                          <a:solidFill>
+                            <a:schemeClr val="accent5">
+                              <a:lumMod val="50000"/>
+                            </a:schemeClr>
+                          </a:solidFill>
+                        </a:rPr>
+                      </a:br>
+                      <a:endParaRPr lang="en-US" sz="1200" b="0" dirty="0">
+                        <a:solidFill>
+                          <a:schemeClr val="accent5">
+                            <a:lumMod val="50000"/>
+                          </a:schemeClr>
+                        </a:solidFill>
+                      </a:endParaRPr>
+                    </a:p>
+                    <a:p>
+                      <a:r>
+                        <a:rPr lang="en-US" sz="1200" b="0" dirty="0">
+                          <a:solidFill>
+                            <a:schemeClr val="accent5">
+                              <a:lumMod val="50000"/>
+                            </a:schemeClr>
+                          </a:solidFill>
+                        </a:rPr>
+                        <a:t>head(breweries)</a:t>
+                      </a:r>
+                    </a:p>
+                    <a:p>
+                      <a:r>
+                        <a:rPr lang="en-US" sz="1200" b="0" dirty="0">
+                          <a:solidFill>
+                            <a:schemeClr val="accent5">
+                              <a:lumMod val="50000"/>
+                            </a:schemeClr>
+                          </a:solidFill>
+                        </a:rPr>
+                        <a:t>head(beers)</a:t>
+                      </a:r>
+                    </a:p>
+                    <a:p>
+                      <a:r>
+                        <a:rPr lang="en-US" sz="1200" b="0" dirty="0">
+                          <a:solidFill>
+                            <a:schemeClr val="accent5">
+                              <a:lumMod val="50000"/>
+                            </a:schemeClr>
+                          </a:solidFill>
+                        </a:rPr>
+                        <a:t>breweries %&gt;% </a:t>
+                      </a:r>
+                      <a:r>
+                        <a:rPr lang="en-US" sz="1200" b="0" dirty="0" err="1">
+                          <a:solidFill>
+                            <a:schemeClr val="accent5">
+                              <a:lumMod val="50000"/>
+                            </a:schemeClr>
+                          </a:solidFill>
+                        </a:rPr>
+                        <a:t>group_by</a:t>
+                      </a:r>
+                      <a:r>
+                        <a:rPr lang="en-US" sz="1200" b="0" dirty="0">
+                          <a:solidFill>
+                            <a:schemeClr val="accent5">
+                              <a:lumMod val="50000"/>
+                            </a:schemeClr>
+                          </a:solidFill>
+                        </a:rPr>
+                        <a:t>(State) %&gt;% </a:t>
+                      </a:r>
+                      <a:r>
+                        <a:rPr lang="en-US" sz="1200" b="0" dirty="0" err="1">
+                          <a:solidFill>
+                            <a:schemeClr val="accent5">
+                              <a:lumMod val="50000"/>
+                            </a:schemeClr>
+                          </a:solidFill>
+                        </a:rPr>
+                        <a:t>summarise</a:t>
+                      </a:r>
+                      <a:r>
+                        <a:rPr lang="en-US" sz="1200" b="0" dirty="0">
+                          <a:solidFill>
+                            <a:schemeClr val="accent5">
+                              <a:lumMod val="50000"/>
+                            </a:schemeClr>
+                          </a:solidFill>
+                        </a:rPr>
+                        <a:t>(Total = n()) </a:t>
+                      </a:r>
+                    </a:p>
+                    <a:p>
+                      <a:endParaRPr lang="en-US" b="0" dirty="0">
+                        <a:solidFill>
+                          <a:srgbClr val="002060"/>
+                        </a:solidFill>
+                      </a:endParaRPr>
+                    </a:p>
+                  </a:txBody>
+                  <a:tcPr>
+                    <a:lnL w="12700" cap="flat" cmpd="sng" algn="ctr">
+                      <a:solidFill>
+                        <a:schemeClr val="tx1"/>
+                      </a:solidFill>
+                      <a:prstDash val="solid"/>
+                      <a:round/>
+                      <a:headEnd type="none" w="med" len="med"/>
+                      <a:tailEnd type="none" w="med" len="med"/>
+                    </a:lnL>
+                    <a:lnR w="12700" cap="flat" cmpd="sng" algn="ctr">
+                      <a:solidFill>
+                        <a:schemeClr val="tx1"/>
+                      </a:solidFill>
+                      <a:prstDash val="solid"/>
+                      <a:round/>
+                      <a:headEnd type="none" w="med" len="med"/>
+                      <a:tailEnd type="none" w="med" len="med"/>
+                    </a:lnR>
+                    <a:lnT w="12700" cap="flat" cmpd="sng" algn="ctr">
+                      <a:solidFill>
+                        <a:schemeClr val="tx1"/>
+                      </a:solidFill>
+                      <a:prstDash val="solid"/>
+                      <a:round/>
+                      <a:headEnd type="none" w="med" len="med"/>
+                      <a:tailEnd type="none" w="med" len="med"/>
+                    </a:lnT>
+                    <a:lnB w="12700" cap="flat" cmpd="sng" algn="ctr">
+                      <a:solidFill>
+                        <a:schemeClr val="tx1"/>
+                      </a:solidFill>
+                      <a:prstDash val="solid"/>
+                      <a:round/>
+                      <a:headEnd type="none" w="med" len="med"/>
+                      <a:tailEnd type="none" w="med" len="med"/>
+                    </a:lnB>
+                    <a:lnTlToBr w="12700" cmpd="sng">
+                      <a:noFill/>
+                      <a:prstDash val="solid"/>
+                    </a:lnTlToBr>
+                    <a:lnBlToTr w="12700" cmpd="sng">
+                      <a:noFill/>
+                      <a:prstDash val="solid"/>
+                    </a:lnBlToTr>
+                    <a:solidFill>
+                      <a:schemeClr val="bg1"/>
+                    </a:solidFill>
+                  </a:tcPr>
+                </a:tc>
+                <a:extLst>
+                  <a:ext uri="{0D108BD9-81ED-4DB2-BD59-A6C34878D82A}">
+                    <a16:rowId xmlns:a16="http://schemas.microsoft.com/office/drawing/2014/main" val="1267079961"/>
+                  </a:ext>
+                </a:extLst>
+              </a:tr>
+            </a:tbl>
+          </a:graphicData>
+        </a:graphic>
+      </p:graphicFrame>
     </p:spTree>
     <p:extLst>
       <p:ext uri="{BB962C8B-B14F-4D97-AF65-F5344CB8AC3E}">
-        <p14:creationId xmlns:p14="http://schemas.microsoft.com/office/powerpoint/2010/main" val="1637194947"/>
+        <p14:creationId xmlns:p14="http://schemas.microsoft.com/office/powerpoint/2010/main" val="742455611"/>
       </p:ext>
     </p:extLst>
   </p:cSld>
@@ -15672,17 +17621,9 @@
 </p:sld>
 </file>
 
-<file path=ppt/slides/slide5.xml><?xml version="1.0" encoding="utf-8"?>
+<file path=ppt/slides/slide6.xml><?xml version="1.0" encoding="utf-8"?>
 <p:sld xmlns:a="http://schemas.openxmlformats.org/drawingml/2006/main" xmlns:r="http://schemas.openxmlformats.org/officeDocument/2006/relationships" xmlns:p="http://schemas.openxmlformats.org/presentationml/2006/main">
   <p:cSld>
-    <p:bg>
-      <p:bgPr>
-        <a:solidFill>
-          <a:schemeClr val="bg1"/>
-        </a:solidFill>
-        <a:effectLst/>
-      </p:bgPr>
-    </p:bg>
     <p:spTree>
       <p:nvGrpSpPr>
         <p:cNvPr id="1" name=""/>
@@ -15699,292 +17640,307 @@
       </p:grpSpPr>
       <p:sp>
         <p:nvSpPr>
-          <p:cNvPr id="32" name="Rectangle 31">
+          <p:cNvPr id="2" name="Rectangle 1">
             <a:extLst>
               <a:ext uri="{FF2B5EF4-FFF2-40B4-BE49-F238E27FC236}">
-                <a16:creationId xmlns:a16="http://schemas.microsoft.com/office/drawing/2014/main" id="{DB8424AB-D56B-4256-866A-5B54DE93C20F}"/>
-              </a:ext>
-              <a:ext uri="{C183D7F6-B498-43B3-948B-1728B52AA6E4}">
-                <adec:decorative xmlns:adec="http://schemas.microsoft.com/office/drawing/2017/decorative" val="1"/>
+                <a16:creationId xmlns:a16="http://schemas.microsoft.com/office/drawing/2014/main" id="{4861CD7C-2F6C-4DAC-857F-4A825953E2B8}"/>
               </a:ext>
             </a:extLst>
           </p:cNvPr>
-          <p:cNvSpPr>
-            <a:spLocks noGrp="1" noRot="1" noChangeAspect="1" noMove="1" noResize="1" noEditPoints="1" noAdjustHandles="1" noChangeArrowheads="1" noChangeShapeType="1" noTextEdit="1"/>
-          </p:cNvSpPr>
-          <p:nvPr>
-            <p:extLst>
-              <p:ext uri="{386F3935-93C4-4BCD-93E2-E3B085C9AB24}">
-                <p16:designElem xmlns:p16="http://schemas.microsoft.com/office/powerpoint/2015/main" val="1"/>
-              </p:ext>
-            </p:extLst>
-          </p:nvPr>
+          <p:cNvSpPr/>
+          <p:nvPr/>
         </p:nvSpPr>
         <p:spPr>
           <a:xfrm>
-            <a:off x="0" y="761999"/>
-            <a:ext cx="9141619" cy="5334001"/>
+            <a:off x="247368" y="389296"/>
+            <a:ext cx="11442819" cy="646331"/>
           </a:xfrm>
           <a:prstGeom prst="rect">
             <a:avLst/>
           </a:prstGeom>
-          <a:solidFill>
-            <a:schemeClr val="accent1"/>
-          </a:solidFill>
-          <a:ln>
-            <a:noFill/>
-          </a:ln>
         </p:spPr>
-        <p:style>
-          <a:lnRef idx="2">
-            <a:schemeClr val="accent1">
-              <a:shade val="50000"/>
-            </a:schemeClr>
-          </a:lnRef>
-          <a:fillRef idx="1">
-            <a:schemeClr val="accent1"/>
-          </a:fillRef>
-          <a:effectRef idx="0">
-            <a:schemeClr val="accent1"/>
-          </a:effectRef>
-          <a:fontRef idx="minor">
-            <a:schemeClr val="lt1"/>
-          </a:fontRef>
-        </p:style>
+        <p:txBody>
+          <a:bodyPr wrap="square">
+            <a:spAutoFit/>
+          </a:bodyPr>
+          <a:lstStyle/>
+          <a:p>
+            <a:pPr algn="ctr"/>
+            <a:r>
+              <a:rPr lang="en-US" sz="3600" b="1" dirty="0"/>
+              <a:t>Observation on Beer and Breweries merged data</a:t>
+            </a:r>
+          </a:p>
+        </p:txBody>
       </p:sp>
-      <p:sp>
-        <p:nvSpPr>
-          <p:cNvPr id="34" name="Rectangle 33">
+      <p:graphicFrame>
+        <p:nvGraphicFramePr>
+          <p:cNvPr id="4" name="Table 3">
             <a:extLst>
               <a:ext uri="{FF2B5EF4-FFF2-40B4-BE49-F238E27FC236}">
-                <a16:creationId xmlns:a16="http://schemas.microsoft.com/office/drawing/2014/main" id="{FC999C28-AD33-4EB7-A5F1-C06D10A5FDF7}"/>
-              </a:ext>
-              <a:ext uri="{C183D7F6-B498-43B3-948B-1728B52AA6E4}">
-                <adec:decorative xmlns:adec="http://schemas.microsoft.com/office/drawing/2017/decorative" val="1"/>
+                <a16:creationId xmlns:a16="http://schemas.microsoft.com/office/drawing/2014/main" id="{A7126BAD-A1F2-4AF5-A852-D7358B9F9BE2}"/>
               </a:ext>
             </a:extLst>
           </p:cNvPr>
-          <p:cNvSpPr>
-            <a:spLocks noGrp="1" noRot="1" noChangeAspect="1" noMove="1" noResize="1" noEditPoints="1" noAdjustHandles="1" noChangeArrowheads="1" noChangeShapeType="1" noTextEdit="1"/>
-          </p:cNvSpPr>
+          <p:cNvGraphicFramePr>
+            <a:graphicFrameLocks noGrp="1"/>
+          </p:cNvGraphicFramePr>
           <p:nvPr>
             <p:extLst>
-              <p:ext uri="{386F3935-93C4-4BCD-93E2-E3B085C9AB24}">
-                <p16:designElem xmlns:p16="http://schemas.microsoft.com/office/powerpoint/2015/main" val="1"/>
+              <p:ext uri="{D42A27DB-BD31-4B8C-83A1-F6EECF244321}">
+                <p14:modId xmlns:p14="http://schemas.microsoft.com/office/powerpoint/2010/main" val="3819664722"/>
               </p:ext>
             </p:extLst>
           </p:nvPr>
+        </p:nvGraphicFramePr>
+        <p:xfrm>
+          <a:off x="832194" y="2555181"/>
+          <a:ext cx="5009525" cy="822960"/>
+        </p:xfrm>
+        <a:graphic>
+          <a:graphicData uri="http://schemas.openxmlformats.org/drawingml/2006/table">
+            <a:tbl>
+              <a:tblPr firstRow="1" bandRow="1">
+                <a:tableStyleId>{5C22544A-7EE6-4342-B048-85BDC9FD1C3A}</a:tableStyleId>
+              </a:tblPr>
+              <a:tblGrid>
+                <a:gridCol w="5009525">
+                  <a:extLst>
+                    <a:ext uri="{9D8B030D-6E8A-4147-A177-3AD203B41FA5}">
+                      <a16:colId xmlns:a16="http://schemas.microsoft.com/office/drawing/2014/main" val="2244489570"/>
+                    </a:ext>
+                  </a:extLst>
+                </a:gridCol>
+              </a:tblGrid>
+              <a:tr h="736547">
+                <a:tc>
+                  <a:txBody>
+                    <a:bodyPr/>
+                    <a:lstStyle/>
+                    <a:p>
+                      <a:r>
+                        <a:rPr lang="en-US" sz="1200" b="0" dirty="0">
+                          <a:solidFill>
+                            <a:schemeClr val="accent5">
+                              <a:lumMod val="50000"/>
+                            </a:schemeClr>
+                          </a:solidFill>
+                        </a:rPr>
+                        <a:t>merged = merge(x = breweries, y = beers, </a:t>
+                      </a:r>
+                      <a:r>
+                        <a:rPr lang="en-US" sz="1200" b="0" dirty="0" err="1">
+                          <a:solidFill>
+                            <a:schemeClr val="accent5">
+                              <a:lumMod val="50000"/>
+                            </a:schemeClr>
+                          </a:solidFill>
+                        </a:rPr>
+                        <a:t>by.x</a:t>
+                      </a:r>
+                      <a:r>
+                        <a:rPr lang="en-US" sz="1200" b="0" dirty="0">
+                          <a:solidFill>
+                            <a:schemeClr val="accent5">
+                              <a:lumMod val="50000"/>
+                            </a:schemeClr>
+                          </a:solidFill>
+                        </a:rPr>
+                        <a:t> = '</a:t>
+                      </a:r>
+                      <a:r>
+                        <a:rPr lang="en-US" sz="1200" b="0" dirty="0" err="1">
+                          <a:solidFill>
+                            <a:schemeClr val="accent5">
+                              <a:lumMod val="50000"/>
+                            </a:schemeClr>
+                          </a:solidFill>
+                        </a:rPr>
+                        <a:t>Brew_ID</a:t>
+                      </a:r>
+                      <a:r>
+                        <a:rPr lang="en-US" sz="1200" b="0" dirty="0">
+                          <a:solidFill>
+                            <a:schemeClr val="accent5">
+                              <a:lumMod val="50000"/>
+                            </a:schemeClr>
+                          </a:solidFill>
+                        </a:rPr>
+                        <a:t>', </a:t>
+                      </a:r>
+                      <a:r>
+                        <a:rPr lang="en-US" sz="1200" b="0" dirty="0" err="1">
+                          <a:solidFill>
+                            <a:schemeClr val="accent5">
+                              <a:lumMod val="50000"/>
+                            </a:schemeClr>
+                          </a:solidFill>
+                        </a:rPr>
+                        <a:t>by.y</a:t>
+                      </a:r>
+                      <a:r>
+                        <a:rPr lang="en-US" sz="1200" b="0" dirty="0">
+                          <a:solidFill>
+                            <a:schemeClr val="accent5">
+                              <a:lumMod val="50000"/>
+                            </a:schemeClr>
+                          </a:solidFill>
+                        </a:rPr>
+                        <a:t>= '</a:t>
+                      </a:r>
+                      <a:r>
+                        <a:rPr lang="en-US" sz="1200" b="0" dirty="0" err="1">
+                          <a:solidFill>
+                            <a:schemeClr val="accent5">
+                              <a:lumMod val="50000"/>
+                            </a:schemeClr>
+                          </a:solidFill>
+                        </a:rPr>
+                        <a:t>Brewery_id</a:t>
+                      </a:r>
+                      <a:r>
+                        <a:rPr lang="en-US" sz="1200" b="0" dirty="0">
+                          <a:solidFill>
+                            <a:schemeClr val="accent5">
+                              <a:lumMod val="50000"/>
+                            </a:schemeClr>
+                          </a:solidFill>
+                        </a:rPr>
+                        <a:t>', all = TRUE)</a:t>
+                      </a:r>
+                    </a:p>
+                    <a:p>
+                      <a:r>
+                        <a:rPr lang="en-US" sz="1200" b="0" dirty="0">
+                          <a:solidFill>
+                            <a:schemeClr val="accent5">
+                              <a:lumMod val="50000"/>
+                            </a:schemeClr>
+                          </a:solidFill>
+                        </a:rPr>
+                        <a:t>head(merged, 6)</a:t>
+                      </a:r>
+                    </a:p>
+                    <a:p>
+                      <a:r>
+                        <a:rPr lang="en-US" sz="1200" b="0" dirty="0">
+                          <a:solidFill>
+                            <a:schemeClr val="accent5">
+                              <a:lumMod val="50000"/>
+                            </a:schemeClr>
+                          </a:solidFill>
+                        </a:rPr>
+                        <a:t>tail(merged, 6)</a:t>
+                      </a:r>
+                    </a:p>
+                  </a:txBody>
+                  <a:tcPr>
+                    <a:lnL w="12700" cap="flat" cmpd="sng" algn="ctr">
+                      <a:solidFill>
+                        <a:schemeClr val="tx1"/>
+                      </a:solidFill>
+                      <a:prstDash val="solid"/>
+                      <a:round/>
+                      <a:headEnd type="none" w="med" len="med"/>
+                      <a:tailEnd type="none" w="med" len="med"/>
+                    </a:lnL>
+                    <a:lnR w="12700" cap="flat" cmpd="sng" algn="ctr">
+                      <a:solidFill>
+                        <a:schemeClr val="tx1"/>
+                      </a:solidFill>
+                      <a:prstDash val="solid"/>
+                      <a:round/>
+                      <a:headEnd type="none" w="med" len="med"/>
+                      <a:tailEnd type="none" w="med" len="med"/>
+                    </a:lnR>
+                    <a:lnT w="12700" cap="flat" cmpd="sng" algn="ctr">
+                      <a:solidFill>
+                        <a:schemeClr val="tx1"/>
+                      </a:solidFill>
+                      <a:prstDash val="solid"/>
+                      <a:round/>
+                      <a:headEnd type="none" w="med" len="med"/>
+                      <a:tailEnd type="none" w="med" len="med"/>
+                    </a:lnT>
+                    <a:lnB w="12700" cap="flat" cmpd="sng" algn="ctr">
+                      <a:solidFill>
+                        <a:schemeClr val="tx1"/>
+                      </a:solidFill>
+                      <a:prstDash val="solid"/>
+                      <a:round/>
+                      <a:headEnd type="none" w="med" len="med"/>
+                      <a:tailEnd type="none" w="med" len="med"/>
+                    </a:lnB>
+                    <a:lnTlToBr w="12700" cmpd="sng">
+                      <a:noFill/>
+                      <a:prstDash val="solid"/>
+                    </a:lnTlToBr>
+                    <a:lnBlToTr w="12700" cmpd="sng">
+                      <a:noFill/>
+                      <a:prstDash val="solid"/>
+                    </a:lnBlToTr>
+                    <a:solidFill>
+                      <a:schemeClr val="bg1"/>
+                    </a:solidFill>
+                  </a:tcPr>
+                </a:tc>
+                <a:extLst>
+                  <a:ext uri="{0D108BD9-81ED-4DB2-BD59-A6C34878D82A}">
+                    <a16:rowId xmlns:a16="http://schemas.microsoft.com/office/drawing/2014/main" val="1866134869"/>
+                  </a:ext>
+                </a:extLst>
+              </a:tr>
+            </a:tbl>
+          </a:graphicData>
+        </a:graphic>
+      </p:graphicFrame>
+      <p:sp>
+        <p:nvSpPr>
+          <p:cNvPr id="6" name="Rectangle 5">
+            <a:extLst>
+              <a:ext uri="{FF2B5EF4-FFF2-40B4-BE49-F238E27FC236}">
+                <a16:creationId xmlns:a16="http://schemas.microsoft.com/office/drawing/2014/main" id="{7F5DB5B6-5F24-4483-AA5B-89D22CAD8794}"/>
+              </a:ext>
+            </a:extLst>
+          </p:cNvPr>
+          <p:cNvSpPr/>
+          <p:nvPr/>
         </p:nvSpPr>
         <p:spPr>
           <a:xfrm>
-            <a:off x="9270263" y="761999"/>
-            <a:ext cx="2925318" cy="5334001"/>
+            <a:off x="666786" y="1326761"/>
+            <a:ext cx="10800964" cy="923330"/>
           </a:xfrm>
           <a:prstGeom prst="rect">
             <a:avLst/>
           </a:prstGeom>
-          <a:solidFill>
-            <a:srgbClr val="C8C8C8">
-              <a:alpha val="49804"/>
-            </a:srgbClr>
-          </a:solidFill>
-          <a:ln>
-            <a:noFill/>
-          </a:ln>
-        </p:spPr>
-        <p:style>
-          <a:lnRef idx="2">
-            <a:schemeClr val="accent1">
-              <a:shade val="50000"/>
-            </a:schemeClr>
-          </a:lnRef>
-          <a:fillRef idx="1">
-            <a:schemeClr val="accent1"/>
-          </a:fillRef>
-          <a:effectRef idx="0">
-            <a:schemeClr val="accent1"/>
-          </a:effectRef>
-          <a:fontRef idx="minor">
-            <a:schemeClr val="lt1"/>
-          </a:fontRef>
-        </p:style>
-      </p:sp>
-      <p:sp useBgFill="1">
-        <p:nvSpPr>
-          <p:cNvPr id="36" name="Rectangle 35">
-            <a:extLst>
-              <a:ext uri="{FF2B5EF4-FFF2-40B4-BE49-F238E27FC236}">
-                <a16:creationId xmlns:a16="http://schemas.microsoft.com/office/drawing/2014/main" id="{0864E5C9-52C9-4572-AC75-548B9B9C2648}"/>
-              </a:ext>
-              <a:ext uri="{C183D7F6-B498-43B3-948B-1728B52AA6E4}">
-                <adec:decorative xmlns:adec="http://schemas.microsoft.com/office/drawing/2017/decorative" val="1"/>
-              </a:ext>
-            </a:extLst>
-          </p:cNvPr>
-          <p:cNvSpPr>
-            <a:spLocks noGrp="1" noRot="1" noChangeAspect="1" noMove="1" noResize="1" noEditPoints="1" noAdjustHandles="1" noChangeArrowheads="1" noChangeShapeType="1" noTextEdit="1"/>
-          </p:cNvSpPr>
-          <p:nvPr>
-            <p:extLst>
-              <p:ext uri="{386F3935-93C4-4BCD-93E2-E3B085C9AB24}">
-                <p16:designElem xmlns:p16="http://schemas.microsoft.com/office/powerpoint/2015/main" val="1"/>
-              </p:ext>
-            </p:extLst>
-          </p:nvPr>
-        </p:nvSpPr>
-        <p:spPr>
-          <a:xfrm>
-            <a:off x="0" y="0"/>
-            <a:ext cx="12191999" cy="6858000"/>
-          </a:xfrm>
-          <a:prstGeom prst="rect">
-            <a:avLst/>
-          </a:prstGeom>
-          <a:ln>
-            <a:noFill/>
-          </a:ln>
-        </p:spPr>
-        <p:style>
-          <a:lnRef idx="2">
-            <a:schemeClr val="accent1">
-              <a:shade val="50000"/>
-            </a:schemeClr>
-          </a:lnRef>
-          <a:fillRef idx="1">
-            <a:schemeClr val="accent1"/>
-          </a:fillRef>
-          <a:effectRef idx="0">
-            <a:schemeClr val="accent1"/>
-          </a:effectRef>
-          <a:fontRef idx="minor">
-            <a:schemeClr val="lt1"/>
-          </a:fontRef>
-        </p:style>
-        <p:txBody>
-          <a:bodyPr rtlCol="0" anchor="ctr"/>
-          <a:lstStyle/>
-          <a:p>
-            <a:pPr algn="ctr"/>
-            <a:endParaRPr lang="en-US"/>
-          </a:p>
-        </p:txBody>
-      </p:sp>
-      <p:sp>
-        <p:nvSpPr>
-          <p:cNvPr id="38" name="Rectangle 37">
-            <a:extLst>
-              <a:ext uri="{FF2B5EF4-FFF2-40B4-BE49-F238E27FC236}">
-                <a16:creationId xmlns:a16="http://schemas.microsoft.com/office/drawing/2014/main" id="{45CC6500-4DBD-4C34-BC14-2387FB483BEB}"/>
-              </a:ext>
-              <a:ext uri="{C183D7F6-B498-43B3-948B-1728B52AA6E4}">
-                <adec:decorative xmlns:adec="http://schemas.microsoft.com/office/drawing/2017/decorative" val="1"/>
-              </a:ext>
-            </a:extLst>
-          </p:cNvPr>
-          <p:cNvSpPr>
-            <a:spLocks noGrp="1" noRot="1" noChangeAspect="1" noMove="1" noResize="1" noEditPoints="1" noAdjustHandles="1" noChangeArrowheads="1" noChangeShapeType="1" noTextEdit="1"/>
-          </p:cNvSpPr>
-          <p:nvPr>
-            <p:extLst>
-              <p:ext uri="{386F3935-93C4-4BCD-93E2-E3B085C9AB24}">
-                <p16:designElem xmlns:p16="http://schemas.microsoft.com/office/powerpoint/2015/main" val="1"/>
-              </p:ext>
-            </p:extLst>
-          </p:nvPr>
-        </p:nvSpPr>
-        <p:spPr>
-          <a:xfrm>
-            <a:off x="1" y="761999"/>
-            <a:ext cx="4642228" cy="5334001"/>
-          </a:xfrm>
-          <a:prstGeom prst="rect">
-            <a:avLst/>
-          </a:prstGeom>
-          <a:solidFill>
-            <a:schemeClr val="accent1"/>
-          </a:solidFill>
-          <a:ln>
-            <a:noFill/>
-          </a:ln>
-        </p:spPr>
-        <p:style>
-          <a:lnRef idx="2">
-            <a:schemeClr val="accent1">
-              <a:shade val="50000"/>
-            </a:schemeClr>
-          </a:lnRef>
-          <a:fillRef idx="1">
-            <a:schemeClr val="accent1"/>
-          </a:fillRef>
-          <a:effectRef idx="0">
-            <a:schemeClr val="accent1"/>
-          </a:effectRef>
-          <a:fontRef idx="minor">
-            <a:schemeClr val="lt1"/>
-          </a:fontRef>
-        </p:style>
-      </p:sp>
-      <p:sp>
-        <p:nvSpPr>
-          <p:cNvPr id="25" name="Title 1">
-            <a:extLst>
-              <a:ext uri="{FF2B5EF4-FFF2-40B4-BE49-F238E27FC236}">
-                <a16:creationId xmlns:a16="http://schemas.microsoft.com/office/drawing/2014/main" id="{AE0604DB-8B8C-4342-873F-BF2C380F6557}"/>
-              </a:ext>
-            </a:extLst>
-          </p:cNvPr>
-          <p:cNvSpPr>
-            <a:spLocks noGrp="1"/>
-          </p:cNvSpPr>
-          <p:nvPr>
-            <p:ph type="title"/>
-          </p:nvPr>
-        </p:nvSpPr>
-        <p:spPr>
-          <a:xfrm>
-            <a:off x="589152" y="2131752"/>
-            <a:ext cx="3258688" cy="3255264"/>
-          </a:xfrm>
         </p:spPr>
         <p:txBody>
-          <a:bodyPr vert="horz" lIns="91440" tIns="45720" rIns="91440" bIns="45720" rtlCol="0" anchor="b">
-            <a:noAutofit/>
+          <a:bodyPr wrap="square">
+            <a:spAutoFit/>
           </a:bodyPr>
           <a:lstStyle/>
           <a:p>
             <a:r>
-              <a:rPr lang="en-US" sz="2000" dirty="0"/>
-              <a:t>This is a scatter plot between bitterness and alcoholic content of beer. Examination of this scatter plot and the regression line suggests that here is a positive, linear relationship between IBU and ABC, meaning increasing the alcohol content results in more bitter beer. </a:t>
+              <a:rPr lang="en-US" dirty="0"/>
+              <a:t>We then merged the Beer dataset with the breweries dataset to help us further analysis and understand the data. The diagram on the left shows the first 6 row of the merged data, whereas the diagram on the left display the last 6 row of the merged data. </a:t>
             </a:r>
-            <a:br>
-              <a:rPr lang="en-US" sz="2000" dirty="0"/>
-            </a:br>
-            <a:br>
-              <a:rPr lang="en-US" sz="2000" dirty="0"/>
-            </a:br>
-            <a:r>
-              <a:rPr lang="en-US" sz="2000" dirty="0"/>
-              <a:t>However, since this is an observational study, we must do an experiment to confidently say there is a causal relationship.</a:t>
-            </a:r>
-            <a:endParaRPr lang="en-US" sz="2000" spc="-100" dirty="0"/>
           </a:p>
         </p:txBody>
       </p:sp>
       <p:pic>
         <p:nvPicPr>
-          <p:cNvPr id="29" name="Content Placeholder 2">
+          <p:cNvPr id="7" name="Picture 6">
             <a:extLst>
               <a:ext uri="{FF2B5EF4-FFF2-40B4-BE49-F238E27FC236}">
-                <a16:creationId xmlns:a16="http://schemas.microsoft.com/office/drawing/2014/main" id="{CB04E99E-3021-4DDC-8A7A-68237AD01FFF}"/>
+                <a16:creationId xmlns:a16="http://schemas.microsoft.com/office/drawing/2014/main" id="{0B0DF846-7AD4-4F97-876F-3BDADE45F5FC}"/>
               </a:ext>
             </a:extLst>
           </p:cNvPr>
           <p:cNvPicPr>
-            <a:picLocks noGrp="1" noChangeAspect="1"/>
+            <a:picLocks noChangeAspect="1"/>
           </p:cNvPicPr>
-          <p:nvPr>
-            <p:ph idx="1"/>
-          </p:nvPr>
+          <p:nvPr/>
         </p:nvPicPr>
         <p:blipFill>
           <a:blip r:embed="rId2"/>
@@ -15994,448 +17950,48 @@
         </p:blipFill>
         <p:spPr>
           <a:xfrm>
-            <a:off x="5120640" y="1140665"/>
-            <a:ext cx="6367271" cy="4568517"/>
+            <a:off x="832194" y="3580229"/>
+            <a:ext cx="5009525" cy="2556747"/>
           </a:xfrm>
           <a:prstGeom prst="rect">
             <a:avLst/>
           </a:prstGeom>
         </p:spPr>
       </p:pic>
-      <p:sp>
-        <p:nvSpPr>
-          <p:cNvPr id="40" name="Rectangle 39">
+      <p:pic>
+        <p:nvPicPr>
+          <p:cNvPr id="8" name="Picture 7">
             <a:extLst>
               <a:ext uri="{FF2B5EF4-FFF2-40B4-BE49-F238E27FC236}">
-                <a16:creationId xmlns:a16="http://schemas.microsoft.com/office/drawing/2014/main" id="{4E34A3B6-BAD2-4156-BDC6-4736248BFDE0}"/>
-              </a:ext>
-              <a:ext uri="{C183D7F6-B498-43B3-948B-1728B52AA6E4}">
-                <adec:decorative xmlns:adec="http://schemas.microsoft.com/office/drawing/2017/decorative" val="1"/>
+                <a16:creationId xmlns:a16="http://schemas.microsoft.com/office/drawing/2014/main" id="{C693031A-2E6F-41BE-8167-A51D38FFE193}"/>
               </a:ext>
             </a:extLst>
           </p:cNvPr>
-          <p:cNvSpPr>
-            <a:spLocks noGrp="1" noRot="1" noChangeAspect="1" noMove="1" noResize="1" noEditPoints="1" noAdjustHandles="1" noChangeArrowheads="1" noChangeShapeType="1" noTextEdit="1"/>
-          </p:cNvSpPr>
-          <p:nvPr>
-            <p:extLst>
-              <p:ext uri="{386F3935-93C4-4BCD-93E2-E3B085C9AB24}">
-                <p16:designElem xmlns:p16="http://schemas.microsoft.com/office/powerpoint/2015/main" val="1"/>
-              </p:ext>
-            </p:extLst>
-          </p:nvPr>
-        </p:nvSpPr>
+          <p:cNvPicPr>
+            <a:picLocks noChangeAspect="1"/>
+          </p:cNvPicPr>
+          <p:nvPr/>
+        </p:nvPicPr>
+        <p:blipFill>
+          <a:blip r:embed="rId3"/>
+          <a:stretch>
+            <a:fillRect/>
+          </a:stretch>
+        </p:blipFill>
         <p:spPr>
           <a:xfrm>
-            <a:off x="11815864" y="758952"/>
-            <a:ext cx="384048" cy="5330952"/>
+            <a:off x="6198287" y="2541225"/>
+            <a:ext cx="5104835" cy="3530935"/>
           </a:xfrm>
           <a:prstGeom prst="rect">
             <a:avLst/>
           </a:prstGeom>
-          <a:solidFill>
-            <a:srgbClr val="C8C8C8">
-              <a:alpha val="49804"/>
-            </a:srgbClr>
-          </a:solidFill>
-          <a:ln>
-            <a:noFill/>
-          </a:ln>
         </p:spPr>
-        <p:style>
-          <a:lnRef idx="2">
-            <a:schemeClr val="accent1">
-              <a:shade val="50000"/>
-            </a:schemeClr>
-          </a:lnRef>
-          <a:fillRef idx="1">
-            <a:schemeClr val="accent1"/>
-          </a:fillRef>
-          <a:effectRef idx="0">
-            <a:schemeClr val="accent1"/>
-          </a:effectRef>
-          <a:fontRef idx="minor">
-            <a:schemeClr val="lt1"/>
-          </a:fontRef>
-        </p:style>
-      </p:sp>
+      </p:pic>
     </p:spTree>
     <p:extLst>
       <p:ext uri="{BB962C8B-B14F-4D97-AF65-F5344CB8AC3E}">
-        <p14:creationId xmlns:p14="http://schemas.microsoft.com/office/powerpoint/2010/main" val="1976507218"/>
-      </p:ext>
-    </p:extLst>
-  </p:cSld>
-  <p:clrMapOvr>
-    <a:masterClrMapping/>
-  </p:clrMapOvr>
-</p:sld>
-</file>
-
-<file path=ppt/slides/slide6.xml><?xml version="1.0" encoding="utf-8"?>
-<p:sld xmlns:a="http://schemas.openxmlformats.org/drawingml/2006/main" xmlns:r="http://schemas.openxmlformats.org/officeDocument/2006/relationships" xmlns:p="http://schemas.openxmlformats.org/presentationml/2006/main">
-  <p:cSld>
-    <p:bg>
-      <p:bgPr>
-        <a:solidFill>
-          <a:schemeClr val="bg1"/>
-        </a:solidFill>
-        <a:effectLst/>
-      </p:bgPr>
-    </p:bg>
-    <p:spTree>
-      <p:nvGrpSpPr>
-        <p:cNvPr id="1" name=""/>
-        <p:cNvGrpSpPr/>
-        <p:nvPr/>
-      </p:nvGrpSpPr>
-      <p:grpSpPr>
-        <a:xfrm>
-          <a:off x="0" y="0"/>
-          <a:ext cx="0" cy="0"/>
-          <a:chOff x="0" y="0"/>
-          <a:chExt cx="0" cy="0"/>
-        </a:xfrm>
-      </p:grpSpPr>
-      <p:sp useBgFill="1">
-        <p:nvSpPr>
-          <p:cNvPr id="17" name="Rectangle 16">
-            <a:extLst>
-              <a:ext uri="{FF2B5EF4-FFF2-40B4-BE49-F238E27FC236}">
-                <a16:creationId xmlns:a16="http://schemas.microsoft.com/office/drawing/2014/main" id="{80516254-1D9F-4F3A-9870-3A3280BE2BFE}"/>
-              </a:ext>
-              <a:ext uri="{C183D7F6-B498-43B3-948B-1728B52AA6E4}">
-                <adec:decorative xmlns:adec="http://schemas.microsoft.com/office/drawing/2017/decorative" val="1"/>
-              </a:ext>
-            </a:extLst>
-          </p:cNvPr>
-          <p:cNvSpPr>
-            <a:spLocks noGrp="1" noRot="1" noChangeAspect="1" noMove="1" noResize="1" noEditPoints="1" noAdjustHandles="1" noChangeArrowheads="1" noChangeShapeType="1" noTextEdit="1"/>
-          </p:cNvSpPr>
-          <p:nvPr>
-            <p:extLst>
-              <p:ext uri="{386F3935-93C4-4BCD-93E2-E3B085C9AB24}">
-                <p16:designElem xmlns:p16="http://schemas.microsoft.com/office/powerpoint/2015/main" val="1"/>
-              </p:ext>
-            </p:extLst>
-          </p:nvPr>
-        </p:nvSpPr>
-        <p:spPr>
-          <a:xfrm>
-            <a:off x="0" y="0"/>
-            <a:ext cx="12192000" cy="6858000"/>
-          </a:xfrm>
-          <a:prstGeom prst="rect">
-            <a:avLst/>
-          </a:prstGeom>
-          <a:ln>
-            <a:noFill/>
-          </a:ln>
-        </p:spPr>
-        <p:style>
-          <a:lnRef idx="2">
-            <a:schemeClr val="accent1">
-              <a:shade val="50000"/>
-            </a:schemeClr>
-          </a:lnRef>
-          <a:fillRef idx="1">
-            <a:schemeClr val="accent1"/>
-          </a:fillRef>
-          <a:effectRef idx="0">
-            <a:schemeClr val="accent1"/>
-          </a:effectRef>
-          <a:fontRef idx="minor">
-            <a:schemeClr val="lt1"/>
-          </a:fontRef>
-        </p:style>
-      </p:sp>
-      <p:sp>
-        <p:nvSpPr>
-          <p:cNvPr id="2" name="Title 1">
-            <a:extLst>
-              <a:ext uri="{FF2B5EF4-FFF2-40B4-BE49-F238E27FC236}">
-                <a16:creationId xmlns:a16="http://schemas.microsoft.com/office/drawing/2014/main" id="{E8FBE74F-0E30-4764-95DE-EB64641CF974}"/>
-              </a:ext>
-            </a:extLst>
-          </p:cNvPr>
-          <p:cNvSpPr>
-            <a:spLocks noGrp="1"/>
-          </p:cNvSpPr>
-          <p:nvPr>
-            <p:ph type="title"/>
-          </p:nvPr>
-        </p:nvSpPr>
-        <p:spPr>
-          <a:xfrm>
-            <a:off x="1539116" y="864108"/>
-            <a:ext cx="3073914" cy="5120639"/>
-          </a:xfrm>
-        </p:spPr>
-        <p:txBody>
-          <a:bodyPr>
-            <a:normAutofit/>
-          </a:bodyPr>
-          <a:lstStyle/>
-          <a:p>
-            <a:pPr algn="r"/>
-            <a:r>
-              <a:rPr lang="en-US" dirty="0">
-                <a:solidFill>
-                  <a:schemeClr val="tx1">
-                    <a:lumMod val="85000"/>
-                    <a:lumOff val="15000"/>
-                  </a:schemeClr>
-                </a:solidFill>
-              </a:rPr>
-              <a:t>Observations</a:t>
-            </a:r>
-          </a:p>
-        </p:txBody>
-      </p:sp>
-      <p:sp>
-        <p:nvSpPr>
-          <p:cNvPr id="19" name="Rectangle 18">
-            <a:extLst>
-              <a:ext uri="{FF2B5EF4-FFF2-40B4-BE49-F238E27FC236}">
-                <a16:creationId xmlns:a16="http://schemas.microsoft.com/office/drawing/2014/main" id="{FC14672B-27A5-4CDA-ABAF-5E4CF4B41C23}"/>
-              </a:ext>
-              <a:ext uri="{C183D7F6-B498-43B3-948B-1728B52AA6E4}">
-                <adec:decorative xmlns:adec="http://schemas.microsoft.com/office/drawing/2017/decorative" val="1"/>
-              </a:ext>
-            </a:extLst>
-          </p:cNvPr>
-          <p:cNvSpPr>
-            <a:spLocks noGrp="1" noRot="1" noChangeAspect="1" noMove="1" noResize="1" noEditPoints="1" noAdjustHandles="1" noChangeArrowheads="1" noChangeShapeType="1" noTextEdit="1"/>
-          </p:cNvSpPr>
-          <p:nvPr>
-            <p:extLst>
-              <p:ext uri="{386F3935-93C4-4BCD-93E2-E3B085C9AB24}">
-                <p16:designElem xmlns:p16="http://schemas.microsoft.com/office/powerpoint/2015/main" val="1"/>
-              </p:ext>
-            </p:extLst>
-          </p:nvPr>
-        </p:nvSpPr>
-        <p:spPr>
-          <a:xfrm>
-            <a:off x="0" y="761999"/>
-            <a:ext cx="1286934" cy="5334001"/>
-          </a:xfrm>
-          <a:prstGeom prst="rect">
-            <a:avLst/>
-          </a:prstGeom>
-          <a:solidFill>
-            <a:schemeClr val="accent1"/>
-          </a:solidFill>
-          <a:ln>
-            <a:noFill/>
-          </a:ln>
-        </p:spPr>
-        <p:style>
-          <a:lnRef idx="2">
-            <a:schemeClr val="accent1">
-              <a:shade val="50000"/>
-            </a:schemeClr>
-          </a:lnRef>
-          <a:fillRef idx="1">
-            <a:schemeClr val="accent1"/>
-          </a:fillRef>
-          <a:effectRef idx="0">
-            <a:schemeClr val="accent1"/>
-          </a:effectRef>
-          <a:fontRef idx="minor">
-            <a:schemeClr val="lt1"/>
-          </a:fontRef>
-        </p:style>
-      </p:sp>
-      <p:cxnSp>
-        <p:nvCxnSpPr>
-          <p:cNvPr id="21" name="Straight Connector 20">
-            <a:extLst>
-              <a:ext uri="{FF2B5EF4-FFF2-40B4-BE49-F238E27FC236}">
-                <a16:creationId xmlns:a16="http://schemas.microsoft.com/office/drawing/2014/main" id="{8D89589C-2C90-4407-A995-05EC3DD7AB14}"/>
-              </a:ext>
-              <a:ext uri="{C183D7F6-B498-43B3-948B-1728B52AA6E4}">
-                <adec:decorative xmlns:adec="http://schemas.microsoft.com/office/drawing/2017/decorative" val="1"/>
-              </a:ext>
-            </a:extLst>
-          </p:cNvPr>
-          <p:cNvCxnSpPr>
-            <a:cxnSpLocks noGrp="1" noRot="1" noChangeAspect="1" noMove="1" noResize="1" noEditPoints="1" noAdjustHandles="1" noChangeArrowheads="1" noChangeShapeType="1"/>
-          </p:cNvCxnSpPr>
-          <p:nvPr>
-            <p:extLst>
-              <p:ext uri="{386F3935-93C4-4BCD-93E2-E3B085C9AB24}">
-                <p16:designElem xmlns:p16="http://schemas.microsoft.com/office/powerpoint/2015/main" val="1"/>
-              </p:ext>
-            </p:extLst>
-          </p:nvPr>
-        </p:nvCxnSpPr>
-        <p:spPr>
-          <a:xfrm>
-            <a:off x="4951129" y="2085681"/>
-            <a:ext cx="0" cy="2686639"/>
-          </a:xfrm>
-          <a:prstGeom prst="line">
-            <a:avLst/>
-          </a:prstGeom>
-          <a:ln w="12700">
-            <a:solidFill>
-              <a:schemeClr val="tx1">
-                <a:lumMod val="50000"/>
-                <a:lumOff val="50000"/>
-              </a:schemeClr>
-            </a:solidFill>
-          </a:ln>
-        </p:spPr>
-        <p:style>
-          <a:lnRef idx="1">
-            <a:schemeClr val="accent1"/>
-          </a:lnRef>
-          <a:fillRef idx="0">
-            <a:schemeClr val="accent1"/>
-          </a:fillRef>
-          <a:effectRef idx="0">
-            <a:schemeClr val="accent1"/>
-          </a:effectRef>
-          <a:fontRef idx="minor">
-            <a:schemeClr val="tx1"/>
-          </a:fontRef>
-        </p:style>
-      </p:cxnSp>
-      <p:sp>
-        <p:nvSpPr>
-          <p:cNvPr id="3" name="Content Placeholder 2">
-            <a:extLst>
-              <a:ext uri="{FF2B5EF4-FFF2-40B4-BE49-F238E27FC236}">
-                <a16:creationId xmlns:a16="http://schemas.microsoft.com/office/drawing/2014/main" id="{0C95844C-318C-4AF1-A758-CBB83E9CDD84}"/>
-              </a:ext>
-            </a:extLst>
-          </p:cNvPr>
-          <p:cNvSpPr>
-            <a:spLocks noGrp="1"/>
-          </p:cNvSpPr>
-          <p:nvPr>
-            <p:ph idx="1"/>
-          </p:nvPr>
-        </p:nvSpPr>
-        <p:spPr>
-          <a:xfrm>
-            <a:off x="5289229" y="864108"/>
-            <a:ext cx="5910677" cy="5120640"/>
-          </a:xfrm>
-        </p:spPr>
-        <p:txBody>
-          <a:bodyPr>
-            <a:normAutofit/>
-          </a:bodyPr>
-          <a:lstStyle/>
-          <a:p>
-            <a:pPr marL="0" indent="0">
-              <a:buNone/>
-            </a:pPr>
-            <a:r>
-              <a:rPr lang="en-US" dirty="0"/>
-              <a:t>Based on the data, DC, North Dakota, South Dakota and West Virginia all only have one brewery. Those may be the ideal location for “Oregon Best Beer” business expansion.</a:t>
-            </a:r>
-          </a:p>
-          <a:p>
-            <a:pPr marL="0" indent="0">
-              <a:buNone/>
-            </a:pPr>
-            <a:r>
-              <a:rPr lang="en-US" dirty="0"/>
-              <a:t>There is evidence to suggest a positive correlation IBU and ABC, meaning increasing the alcohol content results in more bitter beer. Using this data would help the company to create custom beer flavor for the customers. </a:t>
-            </a:r>
-          </a:p>
-          <a:p>
-            <a:pPr marL="0" indent="0">
-              <a:buNone/>
-            </a:pPr>
-            <a:r>
-              <a:rPr lang="en-US" dirty="0"/>
-              <a:t>In addition, we noticed that DC has the largest median alcohol content whereas Utah has the smallest median alcohol content. Maine has the largest median IBU and Wisconsin has the lowest median IBU. </a:t>
-            </a:r>
-          </a:p>
-          <a:p>
-            <a:pPr marL="0" indent="0">
-              <a:buNone/>
-            </a:pPr>
-            <a:r>
-              <a:rPr lang="en-US" dirty="0"/>
-              <a:t>Lastly, Oregon has the most bitter beer and Colorado has the strongest beer. West Coast beers also tend to be more bitter than East Coast beers. </a:t>
-            </a:r>
-          </a:p>
-        </p:txBody>
-      </p:sp>
-      <p:sp>
-        <p:nvSpPr>
-          <p:cNvPr id="23" name="Rectangle 22">
-            <a:extLst>
-              <a:ext uri="{FF2B5EF4-FFF2-40B4-BE49-F238E27FC236}">
-                <a16:creationId xmlns:a16="http://schemas.microsoft.com/office/drawing/2014/main" id="{9A206779-5C74-4555-94BC-5845C92EC3A8}"/>
-              </a:ext>
-              <a:ext uri="{C183D7F6-B498-43B3-948B-1728B52AA6E4}">
-                <adec:decorative xmlns:adec="http://schemas.microsoft.com/office/drawing/2017/decorative" val="1"/>
-              </a:ext>
-            </a:extLst>
-          </p:cNvPr>
-          <p:cNvSpPr>
-            <a:spLocks noGrp="1" noRot="1" noChangeAspect="1" noMove="1" noResize="1" noEditPoints="1" noAdjustHandles="1" noChangeArrowheads="1" noChangeShapeType="1" noTextEdit="1"/>
-          </p:cNvSpPr>
-          <p:nvPr>
-            <p:extLst>
-              <p:ext uri="{386F3935-93C4-4BCD-93E2-E3B085C9AB24}">
-                <p16:designElem xmlns:p16="http://schemas.microsoft.com/office/powerpoint/2015/main" val="1"/>
-              </p:ext>
-            </p:extLst>
-          </p:nvPr>
-        </p:nvSpPr>
-        <p:spPr>
-          <a:xfrm>
-            <a:off x="11683988" y="767825"/>
-            <a:ext cx="508012" cy="5328173"/>
-          </a:xfrm>
-          <a:prstGeom prst="rect">
-            <a:avLst/>
-          </a:prstGeom>
-          <a:solidFill>
-            <a:srgbClr val="C8C8C8">
-              <a:alpha val="50000"/>
-            </a:srgbClr>
-          </a:solidFill>
-          <a:ln>
-            <a:noFill/>
-          </a:ln>
-        </p:spPr>
-        <p:style>
-          <a:lnRef idx="2">
-            <a:schemeClr val="accent1">
-              <a:shade val="50000"/>
-            </a:schemeClr>
-          </a:lnRef>
-          <a:fillRef idx="1">
-            <a:schemeClr val="accent1"/>
-          </a:fillRef>
-          <a:effectRef idx="0">
-            <a:schemeClr val="accent1"/>
-          </a:effectRef>
-          <a:fontRef idx="minor">
-            <a:schemeClr val="lt1"/>
-          </a:fontRef>
-        </p:style>
-        <p:txBody>
-          <a:bodyPr rtlCol="0" anchor="ctr"/>
-          <a:lstStyle/>
-          <a:p>
-            <a:pPr algn="ctr"/>
-            <a:endParaRPr lang="en-US"/>
-          </a:p>
-        </p:txBody>
-      </p:sp>
-    </p:spTree>
-    <p:extLst>
-      <p:ext uri="{BB962C8B-B14F-4D97-AF65-F5344CB8AC3E}">
-        <p14:creationId xmlns:p14="http://schemas.microsoft.com/office/powerpoint/2010/main" val="834945130"/>
+        <p14:creationId xmlns:p14="http://schemas.microsoft.com/office/powerpoint/2010/main" val="110158606"/>
       </p:ext>
     </p:extLst>
   </p:cSld>
@@ -16464,10 +18020,10 @@
       </p:grpSpPr>
       <p:sp>
         <p:nvSpPr>
-          <p:cNvPr id="4" name="Rectangle 3">
+          <p:cNvPr id="2" name="Rectangle 1">
             <a:extLst>
               <a:ext uri="{FF2B5EF4-FFF2-40B4-BE49-F238E27FC236}">
-                <a16:creationId xmlns:a16="http://schemas.microsoft.com/office/drawing/2014/main" id="{0DE3D890-6FA2-4AAD-8FBA-4FF468E4147D}"/>
+                <a16:creationId xmlns:a16="http://schemas.microsoft.com/office/drawing/2014/main" id="{A3144D2C-671D-45F9-84E0-E7EBEB3496CD}"/>
               </a:ext>
             </a:extLst>
           </p:cNvPr>
@@ -16476,59 +18032,448 @@
         </p:nvSpPr>
         <p:spPr>
           <a:xfrm>
-            <a:off x="503853" y="354564"/>
-            <a:ext cx="5990261" cy="707886"/>
+            <a:off x="4373460" y="427172"/>
+            <a:ext cx="6390339" cy="646331"/>
           </a:xfrm>
           <a:prstGeom prst="rect">
             <a:avLst/>
           </a:prstGeom>
         </p:spPr>
         <p:txBody>
-          <a:bodyPr wrap="square">
+          <a:bodyPr wrap="none">
             <a:spAutoFit/>
           </a:bodyPr>
           <a:lstStyle/>
           <a:p>
             <a:r>
-              <a:rPr lang="en-US" sz="4000" b="1" spc="-100" dirty="0"/>
-              <a:t>Conclusion</a:t>
+              <a:rPr lang="en-US" sz="3600" b="1" dirty="0"/>
+              <a:t>Number of NA’s in each column</a:t>
             </a:r>
-            <a:endParaRPr lang="en-US" sz="4000" dirty="0"/>
+          </a:p>
+        </p:txBody>
+      </p:sp>
+      <p:sp>
+        <p:nvSpPr>
+          <p:cNvPr id="7" name="Rectangle 6">
+            <a:extLst>
+              <a:ext uri="{FF2B5EF4-FFF2-40B4-BE49-F238E27FC236}">
+                <a16:creationId xmlns:a16="http://schemas.microsoft.com/office/drawing/2014/main" id="{7B993EB4-766F-428D-9897-3B5E2D036D96}"/>
+              </a:ext>
+            </a:extLst>
+          </p:cNvPr>
+          <p:cNvSpPr/>
+          <p:nvPr/>
+        </p:nvSpPr>
+        <p:spPr>
+          <a:xfrm>
+            <a:off x="4373460" y="1510439"/>
+            <a:ext cx="6096000" cy="923330"/>
+          </a:xfrm>
+          <a:prstGeom prst="rect">
+            <a:avLst/>
+          </a:prstGeom>
+        </p:spPr>
+        <p:txBody>
+          <a:bodyPr>
+            <a:spAutoFit/>
+          </a:bodyPr>
+          <a:lstStyle/>
+          <a:p>
+            <a:r>
+              <a:rPr lang="en-US" dirty="0"/>
+              <a:t>In order to understand how complete the merged dataset is, we want to investigate how many NA values are in each column.</a:t>
+            </a:r>
+          </a:p>
+        </p:txBody>
+      </p:sp>
+      <p:sp>
+        <p:nvSpPr>
+          <p:cNvPr id="11" name="Title 10">
+            <a:extLst>
+              <a:ext uri="{FF2B5EF4-FFF2-40B4-BE49-F238E27FC236}">
+                <a16:creationId xmlns:a16="http://schemas.microsoft.com/office/drawing/2014/main" id="{50A1A029-D30C-4855-8B28-64D8F73397EB}"/>
+              </a:ext>
+            </a:extLst>
+          </p:cNvPr>
+          <p:cNvSpPr>
+            <a:spLocks noGrp="1"/>
+          </p:cNvSpPr>
+          <p:nvPr>
+            <p:ph type="title"/>
+          </p:nvPr>
+        </p:nvSpPr>
+        <p:spPr/>
+        <p:txBody>
+          <a:bodyPr/>
+          <a:lstStyle/>
+          <a:p>
+            <a:endParaRPr lang="en-US"/>
           </a:p>
         </p:txBody>
       </p:sp>
       <p:graphicFrame>
         <p:nvGraphicFramePr>
-          <p:cNvPr id="7" name="Diagram 6">
+          <p:cNvPr id="12" name="Table 11">
             <a:extLst>
               <a:ext uri="{FF2B5EF4-FFF2-40B4-BE49-F238E27FC236}">
-                <a16:creationId xmlns:a16="http://schemas.microsoft.com/office/drawing/2014/main" id="{15213EA4-7955-47CA-9B75-703040A84C5E}"/>
+                <a16:creationId xmlns:a16="http://schemas.microsoft.com/office/drawing/2014/main" id="{C00511A9-9928-4713-B98E-B65B75E6C928}"/>
               </a:ext>
             </a:extLst>
           </p:cNvPr>
-          <p:cNvGraphicFramePr/>
+          <p:cNvGraphicFramePr>
+            <a:graphicFrameLocks noGrp="1"/>
+          </p:cNvGraphicFramePr>
           <p:nvPr>
             <p:extLst>
               <p:ext uri="{D42A27DB-BD31-4B8C-83A1-F6EECF244321}">
-                <p14:modId xmlns:p14="http://schemas.microsoft.com/office/powerpoint/2010/main" val="2461987845"/>
+                <p14:modId xmlns:p14="http://schemas.microsoft.com/office/powerpoint/2010/main" val="522406668"/>
               </p:ext>
             </p:extLst>
           </p:nvPr>
         </p:nvGraphicFramePr>
         <p:xfrm>
-          <a:off x="503853" y="1232850"/>
-          <a:ext cx="11402008" cy="5018659"/>
+          <a:off x="6789717" y="3270113"/>
+          <a:ext cx="3540154" cy="1005840"/>
         </p:xfrm>
         <a:graphic>
-          <a:graphicData uri="http://schemas.openxmlformats.org/drawingml/2006/diagram">
-            <dgm:relIds xmlns:dgm="http://schemas.openxmlformats.org/drawingml/2006/diagram" xmlns:r="http://schemas.openxmlformats.org/officeDocument/2006/relationships" r:dm="rId2" r:lo="rId3" r:qs="rId4" r:cs="rId5"/>
+          <a:graphicData uri="http://schemas.openxmlformats.org/drawingml/2006/table">
+            <a:tbl>
+              <a:tblPr firstRow="1" bandRow="1">
+                <a:tableStyleId>{5C22544A-7EE6-4342-B048-85BDC9FD1C3A}</a:tableStyleId>
+              </a:tblPr>
+              <a:tblGrid>
+                <a:gridCol w="3540154">
+                  <a:extLst>
+                    <a:ext uri="{9D8B030D-6E8A-4147-A177-3AD203B41FA5}">
+                      <a16:colId xmlns:a16="http://schemas.microsoft.com/office/drawing/2014/main" val="734147825"/>
+                    </a:ext>
+                  </a:extLst>
+                </a:gridCol>
+              </a:tblGrid>
+              <a:tr h="914013">
+                <a:tc>
+                  <a:txBody>
+                    <a:bodyPr/>
+                    <a:lstStyle/>
+                    <a:p>
+                      <a:r>
+                        <a:rPr lang="en-US" sz="1200" b="0" dirty="0">
+                          <a:solidFill>
+                            <a:schemeClr val="accent5">
+                              <a:lumMod val="50000"/>
+                            </a:schemeClr>
+                          </a:solidFill>
+                        </a:rPr>
+                        <a:t>for (</a:t>
+                      </a:r>
+                      <a:r>
+                        <a:rPr lang="en-US" sz="1200" b="0" dirty="0" err="1">
+                          <a:solidFill>
+                            <a:schemeClr val="accent5">
+                              <a:lumMod val="50000"/>
+                            </a:schemeClr>
+                          </a:solidFill>
+                        </a:rPr>
+                        <a:t>i</a:t>
+                      </a:r>
+                      <a:r>
+                        <a:rPr lang="en-US" sz="1200" b="0" dirty="0">
+                          <a:solidFill>
+                            <a:schemeClr val="accent5">
+                              <a:lumMod val="50000"/>
+                            </a:schemeClr>
+                          </a:solidFill>
+                        </a:rPr>
+                        <a:t> in 1:length(names(merged))){</a:t>
+                      </a:r>
+                    </a:p>
+                    <a:p>
+                      <a:r>
+                        <a:rPr lang="en-US" sz="1200" b="0" dirty="0">
+                          <a:solidFill>
+                            <a:schemeClr val="accent5">
+                              <a:lumMod val="50000"/>
+                            </a:schemeClr>
+                          </a:solidFill>
+                        </a:rPr>
+                        <a:t>  column = merged[,</a:t>
+                      </a:r>
+                      <a:r>
+                        <a:rPr lang="en-US" sz="1200" b="0" dirty="0" err="1">
+                          <a:solidFill>
+                            <a:schemeClr val="accent5">
+                              <a:lumMod val="50000"/>
+                            </a:schemeClr>
+                          </a:solidFill>
+                        </a:rPr>
+                        <a:t>i</a:t>
+                      </a:r>
+                      <a:r>
+                        <a:rPr lang="en-US" sz="1200" b="0" dirty="0">
+                          <a:solidFill>
+                            <a:schemeClr val="accent5">
+                              <a:lumMod val="50000"/>
+                            </a:schemeClr>
+                          </a:solidFill>
+                        </a:rPr>
+                        <a:t>]</a:t>
+                      </a:r>
+                    </a:p>
+                    <a:p>
+                      <a:r>
+                        <a:rPr lang="en-US" sz="1200" b="0" dirty="0">
+                          <a:solidFill>
+                            <a:schemeClr val="accent5">
+                              <a:lumMod val="50000"/>
+                            </a:schemeClr>
+                          </a:solidFill>
+                        </a:rPr>
+                        <a:t>  </a:t>
+                      </a:r>
+                      <a:r>
+                        <a:rPr lang="en-US" sz="1200" b="0" dirty="0" err="1">
+                          <a:solidFill>
+                            <a:schemeClr val="accent5">
+                              <a:lumMod val="50000"/>
+                            </a:schemeClr>
+                          </a:solidFill>
+                        </a:rPr>
+                        <a:t>nas</a:t>
+                      </a:r>
+                      <a:r>
+                        <a:rPr lang="en-US" sz="1200" b="0" dirty="0">
+                          <a:solidFill>
+                            <a:schemeClr val="accent5">
+                              <a:lumMod val="50000"/>
+                            </a:schemeClr>
+                          </a:solidFill>
+                        </a:rPr>
+                        <a:t> = sum(is.na(column))</a:t>
+                      </a:r>
+                    </a:p>
+                    <a:p>
+                      <a:r>
+                        <a:rPr lang="en-US" sz="1200" b="0" dirty="0">
+                          <a:solidFill>
+                            <a:schemeClr val="accent5">
+                              <a:lumMod val="50000"/>
+                            </a:schemeClr>
+                          </a:solidFill>
+                        </a:rPr>
+                        <a:t>  print(paste(names(merged)[</a:t>
+                      </a:r>
+                      <a:r>
+                        <a:rPr lang="en-US" sz="1200" b="0" dirty="0" err="1">
+                          <a:solidFill>
+                            <a:schemeClr val="accent5">
+                              <a:lumMod val="50000"/>
+                            </a:schemeClr>
+                          </a:solidFill>
+                        </a:rPr>
+                        <a:t>i</a:t>
+                      </a:r>
+                      <a:r>
+                        <a:rPr lang="en-US" sz="1200" b="0" dirty="0">
+                          <a:solidFill>
+                            <a:schemeClr val="accent5">
+                              <a:lumMod val="50000"/>
+                            </a:schemeClr>
+                          </a:solidFill>
+                        </a:rPr>
+                        <a:t>], ':', </a:t>
+                      </a:r>
+                      <a:r>
+                        <a:rPr lang="en-US" sz="1200" b="0" dirty="0" err="1">
+                          <a:solidFill>
+                            <a:schemeClr val="accent5">
+                              <a:lumMod val="50000"/>
+                            </a:schemeClr>
+                          </a:solidFill>
+                        </a:rPr>
+                        <a:t>nas</a:t>
+                      </a:r>
+                      <a:r>
+                        <a:rPr lang="en-US" sz="1200" b="0" dirty="0">
+                          <a:solidFill>
+                            <a:schemeClr val="accent5">
+                              <a:lumMod val="50000"/>
+                            </a:schemeClr>
+                          </a:solidFill>
+                        </a:rPr>
+                        <a:t>))</a:t>
+                      </a:r>
+                    </a:p>
+                    <a:p>
+                      <a:r>
+                        <a:rPr lang="en-US" sz="1200" b="0" dirty="0">
+                          <a:solidFill>
+                            <a:schemeClr val="accent5">
+                              <a:lumMod val="50000"/>
+                            </a:schemeClr>
+                          </a:solidFill>
+                        </a:rPr>
+                        <a:t>}</a:t>
+                      </a:r>
+                    </a:p>
+                  </a:txBody>
+                  <a:tcPr>
+                    <a:lnL w="12700" cap="flat" cmpd="sng" algn="ctr">
+                      <a:solidFill>
+                        <a:schemeClr val="tx1"/>
+                      </a:solidFill>
+                      <a:prstDash val="solid"/>
+                      <a:round/>
+                      <a:headEnd type="none" w="med" len="med"/>
+                      <a:tailEnd type="none" w="med" len="med"/>
+                    </a:lnL>
+                    <a:lnR w="12700" cap="flat" cmpd="sng" algn="ctr">
+                      <a:solidFill>
+                        <a:schemeClr val="tx1"/>
+                      </a:solidFill>
+                      <a:prstDash val="solid"/>
+                      <a:round/>
+                      <a:headEnd type="none" w="med" len="med"/>
+                      <a:tailEnd type="none" w="med" len="med"/>
+                    </a:lnR>
+                    <a:lnT w="12700" cap="flat" cmpd="sng" algn="ctr">
+                      <a:solidFill>
+                        <a:schemeClr val="tx1"/>
+                      </a:solidFill>
+                      <a:prstDash val="solid"/>
+                      <a:round/>
+                      <a:headEnd type="none" w="med" len="med"/>
+                      <a:tailEnd type="none" w="med" len="med"/>
+                    </a:lnT>
+                    <a:lnB w="12700" cap="flat" cmpd="sng" algn="ctr">
+                      <a:solidFill>
+                        <a:schemeClr val="tx1"/>
+                      </a:solidFill>
+                      <a:prstDash val="solid"/>
+                      <a:round/>
+                      <a:headEnd type="none" w="med" len="med"/>
+                      <a:tailEnd type="none" w="med" len="med"/>
+                    </a:lnB>
+                    <a:solidFill>
+                      <a:schemeClr val="bg1"/>
+                    </a:solidFill>
+                  </a:tcPr>
+                </a:tc>
+                <a:extLst>
+                  <a:ext uri="{0D108BD9-81ED-4DB2-BD59-A6C34878D82A}">
+                    <a16:rowId xmlns:a16="http://schemas.microsoft.com/office/drawing/2014/main" val="3565842274"/>
+                  </a:ext>
+                </a:extLst>
+              </a:tr>
+            </a:tbl>
           </a:graphicData>
         </a:graphic>
       </p:graphicFrame>
+      <p:pic>
+        <p:nvPicPr>
+          <p:cNvPr id="14" name="Picture 13">
+            <a:extLst>
+              <a:ext uri="{FF2B5EF4-FFF2-40B4-BE49-F238E27FC236}">
+                <a16:creationId xmlns:a16="http://schemas.microsoft.com/office/drawing/2014/main" id="{1396B5CD-8130-4A1F-8D84-CDE469DB91CB}"/>
+              </a:ext>
+            </a:extLst>
+          </p:cNvPr>
+          <p:cNvPicPr>
+            <a:picLocks noChangeAspect="1"/>
+          </p:cNvPicPr>
+          <p:nvPr/>
+        </p:nvPicPr>
+        <p:blipFill>
+          <a:blip r:embed="rId2"/>
+          <a:stretch>
+            <a:fillRect/>
+          </a:stretch>
+        </p:blipFill>
+        <p:spPr>
+          <a:xfrm>
+            <a:off x="4434873" y="2602954"/>
+            <a:ext cx="2069940" cy="2590451"/>
+          </a:xfrm>
+          <a:prstGeom prst="rect">
+            <a:avLst/>
+          </a:prstGeom>
+        </p:spPr>
+      </p:pic>
+      <p:pic>
+        <p:nvPicPr>
+          <p:cNvPr id="16" name="Graphic 15" descr="City">
+            <a:extLst>
+              <a:ext uri="{FF2B5EF4-FFF2-40B4-BE49-F238E27FC236}">
+                <a16:creationId xmlns:a16="http://schemas.microsoft.com/office/drawing/2014/main" id="{2401A7FA-873C-44CE-A568-721111743E85}"/>
+              </a:ext>
+            </a:extLst>
+          </p:cNvPr>
+          <p:cNvPicPr>
+            <a:picLocks noChangeAspect="1"/>
+          </p:cNvPicPr>
+          <p:nvPr/>
+        </p:nvPicPr>
+        <p:blipFill>
+          <a:blip r:embed="rId3">
+            <a:extLst>
+              <a:ext uri="{96DAC541-7B7A-43D3-8B79-37D633B846F1}">
+                <asvg:svgBlip xmlns:asvg="http://schemas.microsoft.com/office/drawing/2016/SVG/main" r:embed="rId4"/>
+              </a:ext>
+            </a:extLst>
+          </a:blip>
+          <a:stretch>
+            <a:fillRect/>
+          </a:stretch>
+        </p:blipFill>
+        <p:spPr>
+          <a:xfrm>
+            <a:off x="454402" y="4040618"/>
+            <a:ext cx="2305575" cy="2305575"/>
+          </a:xfrm>
+          <a:prstGeom prst="rect">
+            <a:avLst/>
+          </a:prstGeom>
+        </p:spPr>
+      </p:pic>
+      <p:pic>
+        <p:nvPicPr>
+          <p:cNvPr id="18" name="Graphic 17" descr="Sun">
+            <a:extLst>
+              <a:ext uri="{FF2B5EF4-FFF2-40B4-BE49-F238E27FC236}">
+                <a16:creationId xmlns:a16="http://schemas.microsoft.com/office/drawing/2014/main" id="{C8C2EDED-66A4-454E-9AFA-B85254B10079}"/>
+              </a:ext>
+            </a:extLst>
+          </p:cNvPr>
+          <p:cNvPicPr>
+            <a:picLocks noChangeAspect="1"/>
+          </p:cNvPicPr>
+          <p:nvPr/>
+        </p:nvPicPr>
+        <p:blipFill>
+          <a:blip r:embed="rId5">
+            <a:extLst>
+              <a:ext uri="{96DAC541-7B7A-43D3-8B79-37D633B846F1}">
+                <asvg:svgBlip xmlns:asvg="http://schemas.microsoft.com/office/drawing/2016/SVG/main" r:embed="rId6"/>
+              </a:ext>
+            </a:extLst>
+          </a:blip>
+          <a:stretch>
+            <a:fillRect/>
+          </a:stretch>
+        </p:blipFill>
+        <p:spPr>
+          <a:xfrm>
+            <a:off x="252919" y="1073503"/>
+            <a:ext cx="1268138" cy="1268138"/>
+          </a:xfrm>
+          <a:prstGeom prst="rect">
+            <a:avLst/>
+          </a:prstGeom>
+        </p:spPr>
+      </p:pic>
     </p:spTree>
     <p:extLst>
       <p:ext uri="{BB962C8B-B14F-4D97-AF65-F5344CB8AC3E}">
-        <p14:creationId xmlns:p14="http://schemas.microsoft.com/office/powerpoint/2010/main" val="3223297015"/>
+        <p14:creationId xmlns:p14="http://schemas.microsoft.com/office/powerpoint/2010/main" val="2986454162"/>
       </p:ext>
     </p:extLst>
   </p:cSld>
@@ -16541,14 +18486,6 @@
 <file path=ppt/slides/slide8.xml><?xml version="1.0" encoding="utf-8"?>
 <p:sld xmlns:a="http://schemas.openxmlformats.org/drawingml/2006/main" xmlns:r="http://schemas.openxmlformats.org/officeDocument/2006/relationships" xmlns:p="http://schemas.openxmlformats.org/presentationml/2006/main">
   <p:cSld>
-    <p:bg>
-      <p:bgPr>
-        <a:solidFill>
-          <a:schemeClr val="bg1"/>
-        </a:solidFill>
-        <a:effectLst/>
-      </p:bgPr>
-    </p:bg>
     <p:spTree>
       <p:nvGrpSpPr>
         <p:cNvPr id="1" name=""/>
@@ -16565,65 +18502,1575 @@
       </p:grpSpPr>
       <p:sp>
         <p:nvSpPr>
-          <p:cNvPr id="10" name="Rectangle 9">
+          <p:cNvPr id="2" name="Rectangle 1">
             <a:extLst>
               <a:ext uri="{FF2B5EF4-FFF2-40B4-BE49-F238E27FC236}">
-                <a16:creationId xmlns:a16="http://schemas.microsoft.com/office/drawing/2014/main" id="{82FB26DF-1058-4FF2-A7D8-CC9D04982CF2}"/>
-              </a:ext>
-              <a:ext uri="{C183D7F6-B498-43B3-948B-1728B52AA6E4}">
-                <adec:decorative xmlns:adec="http://schemas.microsoft.com/office/drawing/2017/decorative" val="1"/>
+                <a16:creationId xmlns:a16="http://schemas.microsoft.com/office/drawing/2014/main" id="{2D2A7960-BE52-46B6-9BE7-51CB775B1FBF}"/>
               </a:ext>
             </a:extLst>
           </p:cNvPr>
-          <p:cNvSpPr>
-            <a:spLocks noGrp="1" noRot="1" noChangeAspect="1" noMove="1" noResize="1" noEditPoints="1" noAdjustHandles="1" noChangeArrowheads="1" noChangeShapeType="1" noTextEdit="1"/>
-          </p:cNvSpPr>
-          <p:nvPr>
-            <p:extLst>
-              <p:ext uri="{386F3935-93C4-4BCD-93E2-E3B085C9AB24}">
-                <p16:designElem xmlns:p16="http://schemas.microsoft.com/office/powerpoint/2015/main" val="1"/>
-              </p:ext>
-            </p:extLst>
-          </p:nvPr>
+          <p:cNvSpPr/>
+          <p:nvPr/>
         </p:nvSpPr>
         <p:spPr>
           <a:xfrm>
-            <a:off x="1" y="758952"/>
-            <a:ext cx="3443590" cy="5330952"/>
+            <a:off x="689317" y="153108"/>
+            <a:ext cx="10121705" cy="1200329"/>
           </a:xfrm>
           <a:prstGeom prst="rect">
             <a:avLst/>
           </a:prstGeom>
-          <a:solidFill>
-            <a:schemeClr val="accent1"/>
-          </a:solidFill>
-          <a:ln>
-            <a:noFill/>
-          </a:ln>
         </p:spPr>
-        <p:style>
-          <a:lnRef idx="2">
-            <a:schemeClr val="accent1">
-              <a:shade val="50000"/>
-            </a:schemeClr>
-          </a:lnRef>
-          <a:fillRef idx="1">
-            <a:schemeClr val="accent1"/>
-          </a:fillRef>
-          <a:effectRef idx="0">
-            <a:schemeClr val="accent1"/>
-          </a:effectRef>
-          <a:fontRef idx="minor">
-            <a:schemeClr val="lt1"/>
-          </a:fontRef>
-        </p:style>
+        <p:txBody>
+          <a:bodyPr wrap="square">
+            <a:spAutoFit/>
+          </a:bodyPr>
+          <a:lstStyle/>
+          <a:p>
+            <a:pPr algn="ctr"/>
+            <a:r>
+              <a:rPr lang="en-US" sz="3600" b="1" dirty="0"/>
+              <a:t>Median alcohol content and international bitterness unit for each state</a:t>
+            </a:r>
+          </a:p>
+        </p:txBody>
       </p:sp>
+      <p:graphicFrame>
+        <p:nvGraphicFramePr>
+          <p:cNvPr id="4" name="Table 3">
+            <a:extLst>
+              <a:ext uri="{FF2B5EF4-FFF2-40B4-BE49-F238E27FC236}">
+                <a16:creationId xmlns:a16="http://schemas.microsoft.com/office/drawing/2014/main" id="{87148BD9-2EB5-44F9-894C-E8734BBB95B1}"/>
+              </a:ext>
+            </a:extLst>
+          </p:cNvPr>
+          <p:cNvGraphicFramePr>
+            <a:graphicFrameLocks noGrp="1"/>
+          </p:cNvGraphicFramePr>
+          <p:nvPr>
+            <p:extLst>
+              <p:ext uri="{D42A27DB-BD31-4B8C-83A1-F6EECF244321}">
+                <p14:modId xmlns:p14="http://schemas.microsoft.com/office/powerpoint/2010/main" val="4047163037"/>
+              </p:ext>
+            </p:extLst>
+          </p:nvPr>
+        </p:nvGraphicFramePr>
+        <p:xfrm>
+          <a:off x="689317" y="2007680"/>
+          <a:ext cx="4595304" cy="2651760"/>
+        </p:xfrm>
+        <a:graphic>
+          <a:graphicData uri="http://schemas.openxmlformats.org/drawingml/2006/table">
+            <a:tbl>
+              <a:tblPr firstRow="1" bandRow="1">
+                <a:tableStyleId>{5C22544A-7EE6-4342-B048-85BDC9FD1C3A}</a:tableStyleId>
+              </a:tblPr>
+              <a:tblGrid>
+                <a:gridCol w="4595304">
+                  <a:extLst>
+                    <a:ext uri="{9D8B030D-6E8A-4147-A177-3AD203B41FA5}">
+                      <a16:colId xmlns:a16="http://schemas.microsoft.com/office/drawing/2014/main" val="712468499"/>
+                    </a:ext>
+                  </a:extLst>
+                </a:gridCol>
+              </a:tblGrid>
+              <a:tr h="716032">
+                <a:tc>
+                  <a:txBody>
+                    <a:bodyPr/>
+                    <a:lstStyle/>
+                    <a:p>
+                      <a:r>
+                        <a:rPr lang="en-US" sz="1200" b="0" kern="1200">
+                          <a:solidFill>
+                            <a:schemeClr val="accent5">
+                              <a:lumMod val="50000"/>
+                            </a:schemeClr>
+                          </a:solidFill>
+                          <a:effectLst/>
+                          <a:latin typeface="+mn-lt"/>
+                          <a:ea typeface="+mn-ea"/>
+                          <a:cs typeface="+mn-cs"/>
+                        </a:rPr>
+                        <a:t>summarydf</a:t>
+                      </a:r>
+                      <a:r>
+                        <a:rPr lang="en-US" sz="1200" b="0">
+                          <a:solidFill>
+                            <a:schemeClr val="accent5">
+                              <a:lumMod val="50000"/>
+                            </a:schemeClr>
+                          </a:solidFill>
+                        </a:rPr>
+                        <a:t> </a:t>
+                      </a:r>
+                      <a:r>
+                        <a:rPr lang="en-US" sz="1200" b="0" kern="1200">
+                          <a:solidFill>
+                            <a:schemeClr val="accent5">
+                              <a:lumMod val="50000"/>
+                            </a:schemeClr>
+                          </a:solidFill>
+                          <a:effectLst/>
+                          <a:latin typeface="+mn-lt"/>
+                          <a:ea typeface="+mn-ea"/>
+                          <a:cs typeface="+mn-cs"/>
+                        </a:rPr>
+                        <a:t>=</a:t>
+                      </a:r>
+                      <a:r>
+                        <a:rPr lang="en-US" sz="1200" b="0">
+                          <a:solidFill>
+                            <a:schemeClr val="accent5">
+                              <a:lumMod val="50000"/>
+                            </a:schemeClr>
+                          </a:solidFill>
+                        </a:rPr>
+                        <a:t> </a:t>
+                      </a:r>
+                      <a:r>
+                        <a:rPr lang="en-US" sz="1200" b="0" kern="1200">
+                          <a:solidFill>
+                            <a:schemeClr val="accent5">
+                              <a:lumMod val="50000"/>
+                            </a:schemeClr>
+                          </a:solidFill>
+                          <a:effectLst/>
+                          <a:latin typeface="+mn-lt"/>
+                          <a:ea typeface="+mn-ea"/>
+                          <a:cs typeface="+mn-cs"/>
+                        </a:rPr>
+                        <a:t>merged</a:t>
+                      </a:r>
+                      <a:r>
+                        <a:rPr lang="en-US" sz="1200" b="0">
+                          <a:solidFill>
+                            <a:schemeClr val="accent5">
+                              <a:lumMod val="50000"/>
+                            </a:schemeClr>
+                          </a:solidFill>
+                        </a:rPr>
+                        <a:t> %</a:t>
+                      </a:r>
+                      <a:r>
+                        <a:rPr lang="en-US" sz="1200" b="0" kern="1200">
+                          <a:solidFill>
+                            <a:schemeClr val="accent5">
+                              <a:lumMod val="50000"/>
+                            </a:schemeClr>
+                          </a:solidFill>
+                          <a:effectLst/>
+                          <a:latin typeface="+mn-lt"/>
+                          <a:ea typeface="+mn-ea"/>
+                          <a:cs typeface="+mn-cs"/>
+                        </a:rPr>
+                        <a:t>&gt;</a:t>
+                      </a:r>
+                      <a:r>
+                        <a:rPr lang="en-US" sz="1200" b="0">
+                          <a:solidFill>
+                            <a:schemeClr val="accent5">
+                              <a:lumMod val="50000"/>
+                            </a:schemeClr>
+                          </a:solidFill>
+                        </a:rPr>
+                        <a:t>% group_by(</a:t>
+                      </a:r>
+                      <a:r>
+                        <a:rPr lang="en-US" sz="1200" b="0" kern="1200">
+                          <a:solidFill>
+                            <a:schemeClr val="accent5">
+                              <a:lumMod val="50000"/>
+                            </a:schemeClr>
+                          </a:solidFill>
+                          <a:effectLst/>
+                          <a:latin typeface="+mn-lt"/>
+                          <a:ea typeface="+mn-ea"/>
+                          <a:cs typeface="+mn-cs"/>
+                        </a:rPr>
+                        <a:t>State</a:t>
+                      </a:r>
+                      <a:r>
+                        <a:rPr lang="en-US" sz="1200" b="0">
+                          <a:solidFill>
+                            <a:schemeClr val="accent5">
+                              <a:lumMod val="50000"/>
+                            </a:schemeClr>
+                          </a:solidFill>
+                        </a:rPr>
+                        <a:t>) %</a:t>
+                      </a:r>
+                      <a:r>
+                        <a:rPr lang="en-US" sz="1200" b="0" kern="1200">
+                          <a:solidFill>
+                            <a:schemeClr val="accent5">
+                              <a:lumMod val="50000"/>
+                            </a:schemeClr>
+                          </a:solidFill>
+                          <a:effectLst/>
+                          <a:latin typeface="+mn-lt"/>
+                          <a:ea typeface="+mn-ea"/>
+                          <a:cs typeface="+mn-cs"/>
+                        </a:rPr>
+                        <a:t>&gt;</a:t>
+                      </a:r>
+                      <a:r>
+                        <a:rPr lang="en-US" sz="1200" b="0">
+                          <a:solidFill>
+                            <a:schemeClr val="accent5">
+                              <a:lumMod val="50000"/>
+                            </a:schemeClr>
+                          </a:solidFill>
+                        </a:rPr>
+                        <a:t>% summarise(</a:t>
+                      </a:r>
+                      <a:r>
+                        <a:rPr lang="en-US" sz="1200" b="0" kern="1200">
+                          <a:solidFill>
+                            <a:schemeClr val="accent5">
+                              <a:lumMod val="50000"/>
+                            </a:schemeClr>
+                          </a:solidFill>
+                          <a:effectLst/>
+                          <a:latin typeface="+mn-lt"/>
+                          <a:ea typeface="+mn-ea"/>
+                          <a:cs typeface="+mn-cs"/>
+                        </a:rPr>
+                        <a:t>MedianAlcoholContent</a:t>
+                      </a:r>
+                      <a:r>
+                        <a:rPr lang="en-US" sz="1200" b="0">
+                          <a:solidFill>
+                            <a:schemeClr val="accent5">
+                              <a:lumMod val="50000"/>
+                            </a:schemeClr>
+                          </a:solidFill>
+                        </a:rPr>
+                        <a:t> </a:t>
+                      </a:r>
+                      <a:r>
+                        <a:rPr lang="en-US" sz="1200" b="0" kern="1200">
+                          <a:solidFill>
+                            <a:schemeClr val="accent5">
+                              <a:lumMod val="50000"/>
+                            </a:schemeClr>
+                          </a:solidFill>
+                          <a:effectLst/>
+                          <a:latin typeface="+mn-lt"/>
+                          <a:ea typeface="+mn-ea"/>
+                          <a:cs typeface="+mn-cs"/>
+                        </a:rPr>
+                        <a:t>=</a:t>
+                      </a:r>
+                      <a:r>
+                        <a:rPr lang="en-US" sz="1200" b="0">
+                          <a:solidFill>
+                            <a:schemeClr val="accent5">
+                              <a:lumMod val="50000"/>
+                            </a:schemeClr>
+                          </a:solidFill>
+                        </a:rPr>
+                        <a:t> median(</a:t>
+                      </a:r>
+                      <a:r>
+                        <a:rPr lang="en-US" sz="1200" b="0" kern="1200">
+                          <a:solidFill>
+                            <a:schemeClr val="accent5">
+                              <a:lumMod val="50000"/>
+                            </a:schemeClr>
+                          </a:solidFill>
+                          <a:effectLst/>
+                          <a:latin typeface="+mn-lt"/>
+                          <a:ea typeface="+mn-ea"/>
+                          <a:cs typeface="+mn-cs"/>
+                        </a:rPr>
+                        <a:t>ABV</a:t>
+                      </a:r>
+                      <a:r>
+                        <a:rPr lang="en-US" sz="1200" b="0">
+                          <a:solidFill>
+                            <a:schemeClr val="accent5">
+                              <a:lumMod val="50000"/>
+                            </a:schemeClr>
+                          </a:solidFill>
+                        </a:rPr>
+                        <a:t>, </a:t>
+                      </a:r>
+                      <a:r>
+                        <a:rPr lang="en-US" sz="1200" b="0" kern="1200">
+                          <a:solidFill>
+                            <a:schemeClr val="accent5">
+                              <a:lumMod val="50000"/>
+                            </a:schemeClr>
+                          </a:solidFill>
+                          <a:effectLst/>
+                          <a:latin typeface="+mn-lt"/>
+                          <a:ea typeface="+mn-ea"/>
+                          <a:cs typeface="+mn-cs"/>
+                        </a:rPr>
+                        <a:t>na.rm=TRUE</a:t>
+                      </a:r>
+                      <a:r>
+                        <a:rPr lang="en-US" sz="1200" b="0">
+                          <a:solidFill>
+                            <a:schemeClr val="accent5">
+                              <a:lumMod val="50000"/>
+                            </a:schemeClr>
+                          </a:solidFill>
+                        </a:rPr>
+                        <a:t>), </a:t>
+                      </a:r>
+                    </a:p>
+                    <a:p>
+                      <a:r>
+                        <a:rPr lang="en-US" sz="1200" b="0" kern="1200">
+                          <a:solidFill>
+                            <a:schemeClr val="accent5">
+                              <a:lumMod val="50000"/>
+                            </a:schemeClr>
+                          </a:solidFill>
+                          <a:effectLst/>
+                          <a:latin typeface="+mn-lt"/>
+                          <a:ea typeface="+mn-ea"/>
+                          <a:cs typeface="+mn-cs"/>
+                        </a:rPr>
+                        <a:t>MedianIBU</a:t>
+                      </a:r>
+                      <a:r>
+                        <a:rPr lang="en-US" sz="1200" b="0">
+                          <a:solidFill>
+                            <a:schemeClr val="accent5">
+                              <a:lumMod val="50000"/>
+                            </a:schemeClr>
+                          </a:solidFill>
+                        </a:rPr>
+                        <a:t> </a:t>
+                      </a:r>
+                      <a:r>
+                        <a:rPr lang="en-US" sz="1200" b="0" kern="1200">
+                          <a:solidFill>
+                            <a:schemeClr val="accent5">
+                              <a:lumMod val="50000"/>
+                            </a:schemeClr>
+                          </a:solidFill>
+                          <a:effectLst/>
+                          <a:latin typeface="+mn-lt"/>
+                          <a:ea typeface="+mn-ea"/>
+                          <a:cs typeface="+mn-cs"/>
+                        </a:rPr>
+                        <a:t>=</a:t>
+                      </a:r>
+                      <a:r>
+                        <a:rPr lang="en-US" sz="1200" b="0">
+                          <a:solidFill>
+                            <a:schemeClr val="accent5">
+                              <a:lumMod val="50000"/>
+                            </a:schemeClr>
+                          </a:solidFill>
+                        </a:rPr>
+                        <a:t> median(</a:t>
+                      </a:r>
+                      <a:r>
+                        <a:rPr lang="en-US" sz="1200" b="0" kern="1200">
+                          <a:solidFill>
+                            <a:schemeClr val="accent5">
+                              <a:lumMod val="50000"/>
+                            </a:schemeClr>
+                          </a:solidFill>
+                          <a:effectLst/>
+                          <a:latin typeface="+mn-lt"/>
+                          <a:ea typeface="+mn-ea"/>
+                          <a:cs typeface="+mn-cs"/>
+                        </a:rPr>
+                        <a:t>IBU</a:t>
+                      </a:r>
+                      <a:r>
+                        <a:rPr lang="en-US" sz="1200" b="0">
+                          <a:solidFill>
+                            <a:schemeClr val="accent5">
+                              <a:lumMod val="50000"/>
+                            </a:schemeClr>
+                          </a:solidFill>
+                        </a:rPr>
+                        <a:t>, </a:t>
+                      </a:r>
+                      <a:r>
+                        <a:rPr lang="en-US" sz="1200" b="0" kern="1200">
+                          <a:solidFill>
+                            <a:schemeClr val="accent5">
+                              <a:lumMod val="50000"/>
+                            </a:schemeClr>
+                          </a:solidFill>
+                          <a:effectLst/>
+                          <a:latin typeface="+mn-lt"/>
+                          <a:ea typeface="+mn-ea"/>
+                          <a:cs typeface="+mn-cs"/>
+                        </a:rPr>
+                        <a:t>na.rm=TRUE</a:t>
+                      </a:r>
+                      <a:r>
+                        <a:rPr lang="en-US" sz="1200" b="0">
+                          <a:solidFill>
+                            <a:schemeClr val="accent5">
+                              <a:lumMod val="50000"/>
+                            </a:schemeClr>
+                          </a:solidFill>
+                        </a:rPr>
+                        <a:t>)) </a:t>
+                      </a:r>
+                    </a:p>
+                    <a:p>
+                      <a:r>
+                        <a:rPr lang="en-US" sz="1200" b="0" kern="1200">
+                          <a:solidFill>
+                            <a:schemeClr val="accent5">
+                              <a:lumMod val="50000"/>
+                            </a:schemeClr>
+                          </a:solidFill>
+                          <a:effectLst/>
+                          <a:latin typeface="+mn-lt"/>
+                          <a:ea typeface="+mn-ea"/>
+                          <a:cs typeface="+mn-cs"/>
+                        </a:rPr>
+                        <a:t>summarydf</a:t>
+                      </a:r>
+                    </a:p>
+                    <a:p>
+                      <a:r>
+                        <a:rPr lang="en-US" sz="1200" b="0">
+                          <a:solidFill>
+                            <a:schemeClr val="accent5">
+                              <a:lumMod val="50000"/>
+                            </a:schemeClr>
+                          </a:solidFill>
+                        </a:rPr>
+                        <a:t>library(</a:t>
+                      </a:r>
+                      <a:r>
+                        <a:rPr lang="en-US" sz="1200" b="0" kern="1200">
+                          <a:solidFill>
+                            <a:schemeClr val="accent5">
+                              <a:lumMod val="50000"/>
+                            </a:schemeClr>
+                          </a:solidFill>
+                          <a:effectLst/>
+                          <a:latin typeface="+mn-lt"/>
+                          <a:ea typeface="+mn-ea"/>
+                          <a:cs typeface="+mn-cs"/>
+                        </a:rPr>
+                        <a:t>reshape2</a:t>
+                      </a:r>
+                      <a:r>
+                        <a:rPr lang="en-US" sz="1200" b="0">
+                          <a:solidFill>
+                            <a:schemeClr val="accent5">
+                              <a:lumMod val="50000"/>
+                            </a:schemeClr>
+                          </a:solidFill>
+                        </a:rPr>
+                        <a:t>) </a:t>
+                      </a:r>
+                    </a:p>
+                    <a:p>
+                      <a:r>
+                        <a:rPr lang="en-US" sz="1200" b="0" kern="1200">
+                          <a:solidFill>
+                            <a:schemeClr val="accent5">
+                              <a:lumMod val="50000"/>
+                            </a:schemeClr>
+                          </a:solidFill>
+                          <a:effectLst/>
+                          <a:latin typeface="+mn-lt"/>
+                          <a:ea typeface="+mn-ea"/>
+                          <a:cs typeface="+mn-cs"/>
+                        </a:rPr>
+                        <a:t>summarydfLong</a:t>
+                      </a:r>
+                      <a:r>
+                        <a:rPr lang="en-US" sz="1200" b="0">
+                          <a:solidFill>
+                            <a:schemeClr val="accent5">
+                              <a:lumMod val="50000"/>
+                            </a:schemeClr>
+                          </a:solidFill>
+                        </a:rPr>
+                        <a:t> </a:t>
+                      </a:r>
+                      <a:r>
+                        <a:rPr lang="en-US" sz="1200" b="0" kern="1200">
+                          <a:solidFill>
+                            <a:schemeClr val="accent5">
+                              <a:lumMod val="50000"/>
+                            </a:schemeClr>
+                          </a:solidFill>
+                          <a:effectLst/>
+                          <a:latin typeface="+mn-lt"/>
+                          <a:ea typeface="+mn-ea"/>
+                          <a:cs typeface="+mn-cs"/>
+                        </a:rPr>
+                        <a:t>=</a:t>
+                      </a:r>
+                      <a:r>
+                        <a:rPr lang="en-US" sz="1200" b="0">
+                          <a:solidFill>
+                            <a:schemeClr val="accent5">
+                              <a:lumMod val="50000"/>
+                            </a:schemeClr>
+                          </a:solidFill>
+                        </a:rPr>
+                        <a:t> melt(</a:t>
+                      </a:r>
+                      <a:r>
+                        <a:rPr lang="en-US" sz="1200" b="0" kern="1200">
+                          <a:solidFill>
+                            <a:schemeClr val="accent5">
+                              <a:lumMod val="50000"/>
+                            </a:schemeClr>
+                          </a:solidFill>
+                          <a:effectLst/>
+                          <a:latin typeface="+mn-lt"/>
+                          <a:ea typeface="+mn-ea"/>
+                          <a:cs typeface="+mn-cs"/>
+                        </a:rPr>
+                        <a:t>summarydf</a:t>
+                      </a:r>
+                      <a:r>
+                        <a:rPr lang="en-US" sz="1200" b="0">
+                          <a:solidFill>
+                            <a:schemeClr val="accent5">
+                              <a:lumMod val="50000"/>
+                            </a:schemeClr>
+                          </a:solidFill>
+                        </a:rPr>
+                        <a:t>, </a:t>
+                      </a:r>
+                      <a:r>
+                        <a:rPr lang="en-US" sz="1200" b="0" kern="1200">
+                          <a:solidFill>
+                            <a:schemeClr val="accent5">
+                              <a:lumMod val="50000"/>
+                            </a:schemeClr>
+                          </a:solidFill>
+                          <a:effectLst/>
+                          <a:latin typeface="+mn-lt"/>
+                          <a:ea typeface="+mn-ea"/>
+                          <a:cs typeface="+mn-cs"/>
+                        </a:rPr>
+                        <a:t>id.vars='State'</a:t>
+                      </a:r>
+                      <a:r>
+                        <a:rPr lang="en-US" sz="1200" b="0">
+                          <a:solidFill>
+                            <a:schemeClr val="accent5">
+                              <a:lumMod val="50000"/>
+                            </a:schemeClr>
+                          </a:solidFill>
+                        </a:rPr>
+                        <a:t>) ggplot(</a:t>
+                      </a:r>
+                      <a:r>
+                        <a:rPr lang="en-US" sz="1200" b="0" kern="1200">
+                          <a:solidFill>
+                            <a:schemeClr val="accent5">
+                              <a:lumMod val="50000"/>
+                            </a:schemeClr>
+                          </a:solidFill>
+                          <a:effectLst/>
+                          <a:latin typeface="+mn-lt"/>
+                          <a:ea typeface="+mn-ea"/>
+                          <a:cs typeface="+mn-cs"/>
+                        </a:rPr>
+                        <a:t>summarydfLong</a:t>
+                      </a:r>
+                      <a:r>
+                        <a:rPr lang="en-US" sz="1200" b="0">
+                          <a:solidFill>
+                            <a:schemeClr val="accent5">
+                              <a:lumMod val="50000"/>
+                            </a:schemeClr>
+                          </a:solidFill>
+                        </a:rPr>
+                        <a:t>, aes(</a:t>
+                      </a:r>
+                      <a:r>
+                        <a:rPr lang="en-US" sz="1200" b="0" kern="1200">
+                          <a:solidFill>
+                            <a:schemeClr val="accent5">
+                              <a:lumMod val="50000"/>
+                            </a:schemeClr>
+                          </a:solidFill>
+                          <a:effectLst/>
+                          <a:latin typeface="+mn-lt"/>
+                          <a:ea typeface="+mn-ea"/>
+                          <a:cs typeface="+mn-cs"/>
+                        </a:rPr>
+                        <a:t>x=State</a:t>
+                      </a:r>
+                      <a:r>
+                        <a:rPr lang="en-US" sz="1200" b="0">
+                          <a:solidFill>
+                            <a:schemeClr val="accent5">
+                              <a:lumMod val="50000"/>
+                            </a:schemeClr>
+                          </a:solidFill>
+                        </a:rPr>
+                        <a:t>, </a:t>
+                      </a:r>
+                      <a:r>
+                        <a:rPr lang="en-US" sz="1200" b="0" kern="1200">
+                          <a:solidFill>
+                            <a:schemeClr val="accent5">
+                              <a:lumMod val="50000"/>
+                            </a:schemeClr>
+                          </a:solidFill>
+                          <a:effectLst/>
+                          <a:latin typeface="+mn-lt"/>
+                          <a:ea typeface="+mn-ea"/>
+                          <a:cs typeface="+mn-cs"/>
+                        </a:rPr>
+                        <a:t>y=value</a:t>
+                      </a:r>
+                      <a:r>
+                        <a:rPr lang="en-US" sz="1200" b="0">
+                          <a:solidFill>
+                            <a:schemeClr val="accent5">
+                              <a:lumMod val="50000"/>
+                            </a:schemeClr>
+                          </a:solidFill>
+                        </a:rPr>
+                        <a:t>, </a:t>
+                      </a:r>
+                      <a:r>
+                        <a:rPr lang="en-US" sz="1200" b="0" kern="1200">
+                          <a:solidFill>
+                            <a:schemeClr val="accent5">
+                              <a:lumMod val="50000"/>
+                            </a:schemeClr>
+                          </a:solidFill>
+                          <a:effectLst/>
+                          <a:latin typeface="+mn-lt"/>
+                          <a:ea typeface="+mn-ea"/>
+                          <a:cs typeface="+mn-cs"/>
+                        </a:rPr>
+                        <a:t>fill=variable</a:t>
+                      </a:r>
+                      <a:r>
+                        <a:rPr lang="en-US" sz="1200" b="0">
+                          <a:solidFill>
+                            <a:schemeClr val="accent5">
+                              <a:lumMod val="50000"/>
+                            </a:schemeClr>
+                          </a:solidFill>
+                        </a:rPr>
+                        <a:t>)) </a:t>
+                      </a:r>
+                      <a:r>
+                        <a:rPr lang="en-US" sz="1200" b="0" kern="1200">
+                          <a:solidFill>
+                            <a:schemeClr val="accent5">
+                              <a:lumMod val="50000"/>
+                            </a:schemeClr>
+                          </a:solidFill>
+                          <a:effectLst/>
+                          <a:latin typeface="+mn-lt"/>
+                          <a:ea typeface="+mn-ea"/>
+                          <a:cs typeface="+mn-cs"/>
+                        </a:rPr>
+                        <a:t>+</a:t>
+                      </a:r>
+                      <a:r>
+                        <a:rPr lang="en-US" sz="1200" b="0">
+                          <a:solidFill>
+                            <a:schemeClr val="accent5">
+                              <a:lumMod val="50000"/>
+                            </a:schemeClr>
+                          </a:solidFill>
+                        </a:rPr>
+                        <a:t> geom_bar(</a:t>
+                      </a:r>
+                      <a:r>
+                        <a:rPr lang="en-US" sz="1200" b="0" kern="1200">
+                          <a:solidFill>
+                            <a:schemeClr val="accent5">
+                              <a:lumMod val="50000"/>
+                            </a:schemeClr>
+                          </a:solidFill>
+                          <a:effectLst/>
+                          <a:latin typeface="+mn-lt"/>
+                          <a:ea typeface="+mn-ea"/>
+                          <a:cs typeface="+mn-cs"/>
+                        </a:rPr>
+                        <a:t>stat='identity'</a:t>
+                      </a:r>
+                      <a:r>
+                        <a:rPr lang="en-US" sz="1200" b="0">
+                          <a:solidFill>
+                            <a:schemeClr val="accent5">
+                              <a:lumMod val="50000"/>
+                            </a:schemeClr>
+                          </a:solidFill>
+                        </a:rPr>
+                        <a:t>, </a:t>
+                      </a:r>
+                      <a:r>
+                        <a:rPr lang="en-US" sz="1200" b="0" kern="1200">
+                          <a:solidFill>
+                            <a:schemeClr val="accent5">
+                              <a:lumMod val="50000"/>
+                            </a:schemeClr>
+                          </a:solidFill>
+                          <a:effectLst/>
+                          <a:latin typeface="+mn-lt"/>
+                          <a:ea typeface="+mn-ea"/>
+                          <a:cs typeface="+mn-cs"/>
+                        </a:rPr>
+                        <a:t>position</a:t>
+                      </a:r>
+                      <a:r>
+                        <a:rPr lang="en-US" sz="1200" b="0">
+                          <a:solidFill>
+                            <a:schemeClr val="accent5">
+                              <a:lumMod val="50000"/>
+                            </a:schemeClr>
+                          </a:solidFill>
+                        </a:rPr>
+                        <a:t> </a:t>
+                      </a:r>
+                      <a:r>
+                        <a:rPr lang="en-US" sz="1200" b="0" kern="1200">
+                          <a:solidFill>
+                            <a:schemeClr val="accent5">
+                              <a:lumMod val="50000"/>
+                            </a:schemeClr>
+                          </a:solidFill>
+                          <a:effectLst/>
+                          <a:latin typeface="+mn-lt"/>
+                          <a:ea typeface="+mn-ea"/>
+                          <a:cs typeface="+mn-cs"/>
+                        </a:rPr>
+                        <a:t>=</a:t>
+                      </a:r>
+                      <a:r>
+                        <a:rPr lang="en-US" sz="1200" b="0">
+                          <a:solidFill>
+                            <a:schemeClr val="accent5">
+                              <a:lumMod val="50000"/>
+                            </a:schemeClr>
+                          </a:solidFill>
+                        </a:rPr>
+                        <a:t> </a:t>
+                      </a:r>
+                      <a:r>
+                        <a:rPr lang="en-US" sz="1200" b="0" kern="1200">
+                          <a:solidFill>
+                            <a:schemeClr val="accent5">
+                              <a:lumMod val="50000"/>
+                            </a:schemeClr>
+                          </a:solidFill>
+                          <a:effectLst/>
+                          <a:latin typeface="+mn-lt"/>
+                          <a:ea typeface="+mn-ea"/>
+                          <a:cs typeface="+mn-cs"/>
+                        </a:rPr>
+                        <a:t>'dodge'</a:t>
+                      </a:r>
+                      <a:r>
+                        <a:rPr lang="en-US" sz="1200" b="0">
+                          <a:solidFill>
+                            <a:schemeClr val="accent5">
+                              <a:lumMod val="50000"/>
+                            </a:schemeClr>
+                          </a:solidFill>
+                        </a:rPr>
+                        <a:t>) </a:t>
+                      </a:r>
+                      <a:r>
+                        <a:rPr lang="en-US" sz="1200" b="0" kern="1200">
+                          <a:solidFill>
+                            <a:schemeClr val="accent5">
+                              <a:lumMod val="50000"/>
+                            </a:schemeClr>
+                          </a:solidFill>
+                          <a:effectLst/>
+                          <a:latin typeface="+mn-lt"/>
+                          <a:ea typeface="+mn-ea"/>
+                          <a:cs typeface="+mn-cs"/>
+                        </a:rPr>
+                        <a:t>+</a:t>
+                      </a:r>
+                      <a:r>
+                        <a:rPr lang="en-US" sz="1200" b="0">
+                          <a:solidFill>
+                            <a:schemeClr val="accent5">
+                              <a:lumMod val="50000"/>
+                            </a:schemeClr>
+                          </a:solidFill>
+                        </a:rPr>
+                        <a:t> theme(</a:t>
+                      </a:r>
+                      <a:r>
+                        <a:rPr lang="en-US" sz="1200" b="0" kern="1200">
+                          <a:solidFill>
+                            <a:schemeClr val="accent5">
+                              <a:lumMod val="50000"/>
+                            </a:schemeClr>
+                          </a:solidFill>
+                          <a:effectLst/>
+                          <a:latin typeface="+mn-lt"/>
+                          <a:ea typeface="+mn-ea"/>
+                          <a:cs typeface="+mn-cs"/>
+                        </a:rPr>
+                        <a:t>axis.text.x</a:t>
+                      </a:r>
+                      <a:r>
+                        <a:rPr lang="en-US" sz="1200" b="0">
+                          <a:solidFill>
+                            <a:schemeClr val="accent5">
+                              <a:lumMod val="50000"/>
+                            </a:schemeClr>
+                          </a:solidFill>
+                        </a:rPr>
+                        <a:t> </a:t>
+                      </a:r>
+                      <a:r>
+                        <a:rPr lang="en-US" sz="1200" b="0" kern="1200">
+                          <a:solidFill>
+                            <a:schemeClr val="accent5">
+                              <a:lumMod val="50000"/>
+                            </a:schemeClr>
+                          </a:solidFill>
+                          <a:effectLst/>
+                          <a:latin typeface="+mn-lt"/>
+                          <a:ea typeface="+mn-ea"/>
+                          <a:cs typeface="+mn-cs"/>
+                        </a:rPr>
+                        <a:t>=</a:t>
+                      </a:r>
+                      <a:r>
+                        <a:rPr lang="en-US" sz="1200" b="0">
+                          <a:solidFill>
+                            <a:schemeClr val="accent5">
+                              <a:lumMod val="50000"/>
+                            </a:schemeClr>
+                          </a:solidFill>
+                        </a:rPr>
+                        <a:t> element_text(</a:t>
+                      </a:r>
+                      <a:r>
+                        <a:rPr lang="en-US" sz="1200" b="0" kern="1200">
+                          <a:solidFill>
+                            <a:schemeClr val="accent5">
+                              <a:lumMod val="50000"/>
+                            </a:schemeClr>
+                          </a:solidFill>
+                          <a:effectLst/>
+                          <a:latin typeface="+mn-lt"/>
+                          <a:ea typeface="+mn-ea"/>
+                          <a:cs typeface="+mn-cs"/>
+                        </a:rPr>
+                        <a:t>angle</a:t>
+                      </a:r>
+                      <a:r>
+                        <a:rPr lang="en-US" sz="1200" b="0">
+                          <a:solidFill>
+                            <a:schemeClr val="accent5">
+                              <a:lumMod val="50000"/>
+                            </a:schemeClr>
+                          </a:solidFill>
+                        </a:rPr>
+                        <a:t> </a:t>
+                      </a:r>
+                      <a:r>
+                        <a:rPr lang="en-US" sz="1200" b="0" kern="1200">
+                          <a:solidFill>
+                            <a:schemeClr val="accent5">
+                              <a:lumMod val="50000"/>
+                            </a:schemeClr>
+                          </a:solidFill>
+                          <a:effectLst/>
+                          <a:latin typeface="+mn-lt"/>
+                          <a:ea typeface="+mn-ea"/>
+                          <a:cs typeface="+mn-cs"/>
+                        </a:rPr>
+                        <a:t>=</a:t>
+                      </a:r>
+                      <a:r>
+                        <a:rPr lang="en-US" sz="1200" b="0">
+                          <a:solidFill>
+                            <a:schemeClr val="accent5">
+                              <a:lumMod val="50000"/>
+                            </a:schemeClr>
+                          </a:solidFill>
+                        </a:rPr>
+                        <a:t> </a:t>
+                      </a:r>
+                      <a:r>
+                        <a:rPr lang="en-US" sz="1200" b="0" kern="1200">
+                          <a:solidFill>
+                            <a:schemeClr val="accent5">
+                              <a:lumMod val="50000"/>
+                            </a:schemeClr>
+                          </a:solidFill>
+                          <a:effectLst/>
+                          <a:latin typeface="+mn-lt"/>
+                          <a:ea typeface="+mn-ea"/>
+                          <a:cs typeface="+mn-cs"/>
+                        </a:rPr>
+                        <a:t>90</a:t>
+                      </a:r>
+                      <a:r>
+                        <a:rPr lang="en-US" sz="1200" b="0">
+                          <a:solidFill>
+                            <a:schemeClr val="accent5">
+                              <a:lumMod val="50000"/>
+                            </a:schemeClr>
+                          </a:solidFill>
+                        </a:rPr>
+                        <a:t>, </a:t>
+                      </a:r>
+                      <a:r>
+                        <a:rPr lang="en-US" sz="1200" b="0" kern="1200">
+                          <a:solidFill>
+                            <a:schemeClr val="accent5">
+                              <a:lumMod val="50000"/>
+                            </a:schemeClr>
+                          </a:solidFill>
+                          <a:effectLst/>
+                          <a:latin typeface="+mn-lt"/>
+                          <a:ea typeface="+mn-ea"/>
+                          <a:cs typeface="+mn-cs"/>
+                        </a:rPr>
+                        <a:t>hjust</a:t>
+                      </a:r>
+                      <a:r>
+                        <a:rPr lang="en-US" sz="1200" b="0">
+                          <a:solidFill>
+                            <a:schemeClr val="accent5">
+                              <a:lumMod val="50000"/>
+                            </a:schemeClr>
+                          </a:solidFill>
+                        </a:rPr>
+                        <a:t> </a:t>
+                      </a:r>
+                      <a:r>
+                        <a:rPr lang="en-US" sz="1200" b="0" kern="1200">
+                          <a:solidFill>
+                            <a:schemeClr val="accent5">
+                              <a:lumMod val="50000"/>
+                            </a:schemeClr>
+                          </a:solidFill>
+                          <a:effectLst/>
+                          <a:latin typeface="+mn-lt"/>
+                          <a:ea typeface="+mn-ea"/>
+                          <a:cs typeface="+mn-cs"/>
+                        </a:rPr>
+                        <a:t>=</a:t>
+                      </a:r>
+                      <a:r>
+                        <a:rPr lang="en-US" sz="1200" b="0">
+                          <a:solidFill>
+                            <a:schemeClr val="accent5">
+                              <a:lumMod val="50000"/>
+                            </a:schemeClr>
+                          </a:solidFill>
+                        </a:rPr>
+                        <a:t> </a:t>
+                      </a:r>
+                      <a:r>
+                        <a:rPr lang="en-US" sz="1200" b="0" kern="1200">
+                          <a:solidFill>
+                            <a:schemeClr val="accent5">
+                              <a:lumMod val="50000"/>
+                            </a:schemeClr>
+                          </a:solidFill>
+                          <a:effectLst/>
+                          <a:latin typeface="+mn-lt"/>
+                          <a:ea typeface="+mn-ea"/>
+                          <a:cs typeface="+mn-cs"/>
+                        </a:rPr>
+                        <a:t>1</a:t>
+                      </a:r>
+                      <a:r>
+                        <a:rPr lang="en-US" sz="1200" b="0">
+                          <a:solidFill>
+                            <a:schemeClr val="accent5">
+                              <a:lumMod val="50000"/>
+                            </a:schemeClr>
+                          </a:solidFill>
+                        </a:rPr>
+                        <a:t>, </a:t>
+                      </a:r>
+                      <a:r>
+                        <a:rPr lang="en-US" sz="1200" b="0" kern="1200">
+                          <a:solidFill>
+                            <a:schemeClr val="accent5">
+                              <a:lumMod val="50000"/>
+                            </a:schemeClr>
+                          </a:solidFill>
+                          <a:effectLst/>
+                          <a:latin typeface="+mn-lt"/>
+                          <a:ea typeface="+mn-ea"/>
+                          <a:cs typeface="+mn-cs"/>
+                        </a:rPr>
+                        <a:t>size</a:t>
+                      </a:r>
+                      <a:r>
+                        <a:rPr lang="en-US" sz="1200" b="0">
+                          <a:solidFill>
+                            <a:schemeClr val="accent5">
+                              <a:lumMod val="50000"/>
+                            </a:schemeClr>
+                          </a:solidFill>
+                        </a:rPr>
+                        <a:t> </a:t>
+                      </a:r>
+                      <a:r>
+                        <a:rPr lang="en-US" sz="1200" b="0" kern="1200">
+                          <a:solidFill>
+                            <a:schemeClr val="accent5">
+                              <a:lumMod val="50000"/>
+                            </a:schemeClr>
+                          </a:solidFill>
+                          <a:effectLst/>
+                          <a:latin typeface="+mn-lt"/>
+                          <a:ea typeface="+mn-ea"/>
+                          <a:cs typeface="+mn-cs"/>
+                        </a:rPr>
+                        <a:t>=</a:t>
+                      </a:r>
+                      <a:r>
+                        <a:rPr lang="en-US" sz="1200" b="0">
+                          <a:solidFill>
+                            <a:schemeClr val="accent5">
+                              <a:lumMod val="50000"/>
+                            </a:schemeClr>
+                          </a:solidFill>
+                        </a:rPr>
+                        <a:t> </a:t>
+                      </a:r>
+                      <a:r>
+                        <a:rPr lang="en-US" sz="1200" b="0" kern="1200">
+                          <a:solidFill>
+                            <a:schemeClr val="accent5">
+                              <a:lumMod val="50000"/>
+                            </a:schemeClr>
+                          </a:solidFill>
+                          <a:effectLst/>
+                          <a:latin typeface="+mn-lt"/>
+                          <a:ea typeface="+mn-ea"/>
+                          <a:cs typeface="+mn-cs"/>
+                        </a:rPr>
+                        <a:t>4</a:t>
+                      </a:r>
+                      <a:r>
+                        <a:rPr lang="en-US" sz="1200" b="0">
+                          <a:solidFill>
+                            <a:schemeClr val="accent5">
+                              <a:lumMod val="50000"/>
+                            </a:schemeClr>
+                          </a:solidFill>
+                        </a:rPr>
+                        <a:t>), </a:t>
+                      </a:r>
+                      <a:r>
+                        <a:rPr lang="en-US" sz="1200" b="0" kern="1200">
+                          <a:solidFill>
+                            <a:schemeClr val="accent5">
+                              <a:lumMod val="50000"/>
+                            </a:schemeClr>
+                          </a:solidFill>
+                          <a:effectLst/>
+                          <a:latin typeface="+mn-lt"/>
+                          <a:ea typeface="+mn-ea"/>
+                          <a:cs typeface="+mn-cs"/>
+                        </a:rPr>
+                        <a:t>legend.text=</a:t>
+                      </a:r>
+                      <a:r>
+                        <a:rPr lang="en-US" sz="1200" b="0">
+                          <a:solidFill>
+                            <a:schemeClr val="accent5">
+                              <a:lumMod val="50000"/>
+                            </a:schemeClr>
+                          </a:solidFill>
+                        </a:rPr>
+                        <a:t>element_text(</a:t>
+                      </a:r>
+                      <a:r>
+                        <a:rPr lang="en-US" sz="1200" b="0" kern="1200">
+                          <a:solidFill>
+                            <a:schemeClr val="accent5">
+                              <a:lumMod val="50000"/>
+                            </a:schemeClr>
+                          </a:solidFill>
+                          <a:effectLst/>
+                          <a:latin typeface="+mn-lt"/>
+                          <a:ea typeface="+mn-ea"/>
+                          <a:cs typeface="+mn-cs"/>
+                        </a:rPr>
+                        <a:t>size=7</a:t>
+                      </a:r>
+                      <a:r>
+                        <a:rPr lang="en-US" sz="1200" b="0">
+                          <a:solidFill>
+                            <a:schemeClr val="accent5">
+                              <a:lumMod val="50000"/>
+                            </a:schemeClr>
+                          </a:solidFill>
+                        </a:rPr>
+                        <a:t>)) </a:t>
+                      </a:r>
+                      <a:r>
+                        <a:rPr lang="en-US" sz="1200" b="0" kern="1200">
+                          <a:solidFill>
+                            <a:schemeClr val="accent5">
+                              <a:lumMod val="50000"/>
+                            </a:schemeClr>
+                          </a:solidFill>
+                          <a:effectLst/>
+                          <a:latin typeface="+mn-lt"/>
+                          <a:ea typeface="+mn-ea"/>
+                          <a:cs typeface="+mn-cs"/>
+                        </a:rPr>
+                        <a:t>+</a:t>
+                      </a:r>
+                      <a:r>
+                        <a:rPr lang="en-US" sz="1200" b="0">
+                          <a:solidFill>
+                            <a:schemeClr val="accent5">
+                              <a:lumMod val="50000"/>
+                            </a:schemeClr>
+                          </a:solidFill>
+                        </a:rPr>
+                        <a:t> labs(</a:t>
+                      </a:r>
+                      <a:r>
+                        <a:rPr lang="en-US" sz="1200" b="0" kern="1200">
+                          <a:solidFill>
+                            <a:schemeClr val="accent5">
+                              <a:lumMod val="50000"/>
+                            </a:schemeClr>
+                          </a:solidFill>
+                          <a:effectLst/>
+                          <a:latin typeface="+mn-lt"/>
+                          <a:ea typeface="+mn-ea"/>
+                          <a:cs typeface="+mn-cs"/>
+                        </a:rPr>
+                        <a:t>title='Median Alcohol Content and Median IBU by State'</a:t>
+                      </a:r>
+                      <a:r>
+                        <a:rPr lang="en-US" sz="1200" b="0">
+                          <a:solidFill>
+                            <a:schemeClr val="accent5">
+                              <a:lumMod val="50000"/>
+                            </a:schemeClr>
+                          </a:solidFill>
+                        </a:rPr>
+                        <a:t>, </a:t>
+                      </a:r>
+                      <a:r>
+                        <a:rPr lang="en-US" sz="1200" b="0" kern="1200">
+                          <a:solidFill>
+                            <a:schemeClr val="accent5">
+                              <a:lumMod val="50000"/>
+                            </a:schemeClr>
+                          </a:solidFill>
+                          <a:effectLst/>
+                          <a:latin typeface="+mn-lt"/>
+                          <a:ea typeface="+mn-ea"/>
+                          <a:cs typeface="+mn-cs"/>
+                        </a:rPr>
+                        <a:t>x</a:t>
+                      </a:r>
+                      <a:r>
+                        <a:rPr lang="en-US" sz="1200" b="0">
+                          <a:solidFill>
+                            <a:schemeClr val="accent5">
+                              <a:lumMod val="50000"/>
+                            </a:schemeClr>
+                          </a:solidFill>
+                        </a:rPr>
+                        <a:t> </a:t>
+                      </a:r>
+                      <a:r>
+                        <a:rPr lang="en-US" sz="1200" b="0" kern="1200">
+                          <a:solidFill>
+                            <a:schemeClr val="accent5">
+                              <a:lumMod val="50000"/>
+                            </a:schemeClr>
+                          </a:solidFill>
+                          <a:effectLst/>
+                          <a:latin typeface="+mn-lt"/>
+                          <a:ea typeface="+mn-ea"/>
+                          <a:cs typeface="+mn-cs"/>
+                        </a:rPr>
+                        <a:t>=</a:t>
+                      </a:r>
+                      <a:r>
+                        <a:rPr lang="en-US" sz="1200" b="0">
+                          <a:solidFill>
+                            <a:schemeClr val="accent5">
+                              <a:lumMod val="50000"/>
+                            </a:schemeClr>
+                          </a:solidFill>
+                        </a:rPr>
+                        <a:t> </a:t>
+                      </a:r>
+                      <a:r>
+                        <a:rPr lang="en-US" sz="1200" b="0" kern="1200">
+                          <a:solidFill>
+                            <a:schemeClr val="accent5">
+                              <a:lumMod val="50000"/>
+                            </a:schemeClr>
+                          </a:solidFill>
+                          <a:effectLst/>
+                          <a:latin typeface="+mn-lt"/>
+                          <a:ea typeface="+mn-ea"/>
+                          <a:cs typeface="+mn-cs"/>
+                        </a:rPr>
+                        <a:t>'State'</a:t>
+                      </a:r>
+                      <a:r>
+                        <a:rPr lang="en-US" sz="1200" b="0">
+                          <a:solidFill>
+                            <a:schemeClr val="accent5">
+                              <a:lumMod val="50000"/>
+                            </a:schemeClr>
+                          </a:solidFill>
+                        </a:rPr>
+                        <a:t>, </a:t>
+                      </a:r>
+                      <a:r>
+                        <a:rPr lang="en-US" sz="1200" b="0" kern="1200">
+                          <a:solidFill>
+                            <a:schemeClr val="accent5">
+                              <a:lumMod val="50000"/>
+                            </a:schemeClr>
+                          </a:solidFill>
+                          <a:effectLst/>
+                          <a:latin typeface="+mn-lt"/>
+                          <a:ea typeface="+mn-ea"/>
+                          <a:cs typeface="+mn-cs"/>
+                        </a:rPr>
+                        <a:t>y='Statistic'</a:t>
+                      </a:r>
+                      <a:r>
+                        <a:rPr lang="en-US" sz="1200" b="0">
+                          <a:solidFill>
+                            <a:schemeClr val="accent5">
+                              <a:lumMod val="50000"/>
+                            </a:schemeClr>
+                          </a:solidFill>
+                        </a:rPr>
+                        <a:t>) </a:t>
+                      </a:r>
+                      <a:r>
+                        <a:rPr lang="en-US" sz="1200" b="0" kern="1200">
+                          <a:solidFill>
+                            <a:schemeClr val="accent5">
+                              <a:lumMod val="50000"/>
+                            </a:schemeClr>
+                          </a:solidFill>
+                          <a:effectLst/>
+                          <a:latin typeface="+mn-lt"/>
+                          <a:ea typeface="+mn-ea"/>
+                          <a:cs typeface="+mn-cs"/>
+                        </a:rPr>
+                        <a:t>+</a:t>
+                      </a:r>
+                      <a:r>
+                        <a:rPr lang="en-US" sz="1200" b="0">
+                          <a:solidFill>
+                            <a:schemeClr val="accent5">
+                              <a:lumMod val="50000"/>
+                            </a:schemeClr>
+                          </a:solidFill>
+                        </a:rPr>
+                        <a:t> scale_fill_discrete(</a:t>
+                      </a:r>
+                      <a:r>
+                        <a:rPr lang="en-US" sz="1200" b="0" kern="1200">
+                          <a:solidFill>
+                            <a:schemeClr val="accent5">
+                              <a:lumMod val="50000"/>
+                            </a:schemeClr>
+                          </a:solidFill>
+                          <a:effectLst/>
+                          <a:latin typeface="+mn-lt"/>
+                          <a:ea typeface="+mn-ea"/>
+                          <a:cs typeface="+mn-cs"/>
+                        </a:rPr>
+                        <a:t>name</a:t>
+                      </a:r>
+                      <a:r>
+                        <a:rPr lang="en-US" sz="1200" b="0">
+                          <a:solidFill>
+                            <a:schemeClr val="accent5">
+                              <a:lumMod val="50000"/>
+                            </a:schemeClr>
+                          </a:solidFill>
+                        </a:rPr>
+                        <a:t> </a:t>
+                      </a:r>
+                      <a:r>
+                        <a:rPr lang="en-US" sz="1200" b="0" kern="1200">
+                          <a:solidFill>
+                            <a:schemeClr val="accent5">
+                              <a:lumMod val="50000"/>
+                            </a:schemeClr>
+                          </a:solidFill>
+                          <a:effectLst/>
+                          <a:latin typeface="+mn-lt"/>
+                          <a:ea typeface="+mn-ea"/>
+                          <a:cs typeface="+mn-cs"/>
+                        </a:rPr>
+                        <a:t>=</a:t>
+                      </a:r>
+                      <a:r>
+                        <a:rPr lang="en-US" sz="1200" b="0">
+                          <a:solidFill>
+                            <a:schemeClr val="accent5">
+                              <a:lumMod val="50000"/>
+                            </a:schemeClr>
+                          </a:solidFill>
+                        </a:rPr>
+                        <a:t> </a:t>
+                      </a:r>
+                      <a:r>
+                        <a:rPr lang="en-US" sz="1200" b="0" kern="1200">
+                          <a:solidFill>
+                            <a:schemeClr val="accent5">
+                              <a:lumMod val="50000"/>
+                            </a:schemeClr>
+                          </a:solidFill>
+                          <a:effectLst/>
+                          <a:latin typeface="+mn-lt"/>
+                          <a:ea typeface="+mn-ea"/>
+                          <a:cs typeface="+mn-cs"/>
+                        </a:rPr>
+                        <a:t>'Statistic'</a:t>
+                      </a:r>
+                      <a:r>
+                        <a:rPr lang="en-US" sz="1200" b="0">
+                          <a:solidFill>
+                            <a:schemeClr val="accent5">
+                              <a:lumMod val="50000"/>
+                            </a:schemeClr>
+                          </a:solidFill>
+                        </a:rPr>
+                        <a:t>, </a:t>
+                      </a:r>
+                      <a:r>
+                        <a:rPr lang="en-US" sz="1200" b="0" kern="1200">
+                          <a:solidFill>
+                            <a:schemeClr val="accent5">
+                              <a:lumMod val="50000"/>
+                            </a:schemeClr>
+                          </a:solidFill>
+                          <a:effectLst/>
+                          <a:latin typeface="+mn-lt"/>
+                          <a:ea typeface="+mn-ea"/>
+                          <a:cs typeface="+mn-cs"/>
+                        </a:rPr>
+                        <a:t>breaks=</a:t>
+                      </a:r>
+                      <a:r>
+                        <a:rPr lang="en-US" sz="1200" b="0">
+                          <a:solidFill>
+                            <a:schemeClr val="accent5">
+                              <a:lumMod val="50000"/>
+                            </a:schemeClr>
+                          </a:solidFill>
+                        </a:rPr>
+                        <a:t> c(</a:t>
+                      </a:r>
+                      <a:r>
+                        <a:rPr lang="en-US" sz="1200" b="0" kern="1200">
+                          <a:solidFill>
+                            <a:schemeClr val="accent5">
+                              <a:lumMod val="50000"/>
+                            </a:schemeClr>
+                          </a:solidFill>
+                          <a:effectLst/>
+                          <a:latin typeface="+mn-lt"/>
+                          <a:ea typeface="+mn-ea"/>
+                          <a:cs typeface="+mn-cs"/>
+                        </a:rPr>
+                        <a:t>'MedianAlcoholContent'</a:t>
+                      </a:r>
+                      <a:r>
+                        <a:rPr lang="en-US" sz="1200" b="0">
+                          <a:solidFill>
+                            <a:schemeClr val="accent5">
+                              <a:lumMod val="50000"/>
+                            </a:schemeClr>
+                          </a:solidFill>
+                        </a:rPr>
+                        <a:t>, </a:t>
+                      </a:r>
+                      <a:r>
+                        <a:rPr lang="en-US" sz="1200" b="0" kern="1200">
+                          <a:solidFill>
+                            <a:schemeClr val="accent5">
+                              <a:lumMod val="50000"/>
+                            </a:schemeClr>
+                          </a:solidFill>
+                          <a:effectLst/>
+                          <a:latin typeface="+mn-lt"/>
+                          <a:ea typeface="+mn-ea"/>
+                          <a:cs typeface="+mn-cs"/>
+                        </a:rPr>
+                        <a:t>'MedianIBU'</a:t>
+                      </a:r>
+                      <a:r>
+                        <a:rPr lang="en-US" sz="1200" b="0">
+                          <a:solidFill>
+                            <a:schemeClr val="accent5">
+                              <a:lumMod val="50000"/>
+                            </a:schemeClr>
+                          </a:solidFill>
+                        </a:rPr>
+                        <a:t>), </a:t>
+                      </a:r>
+                      <a:r>
+                        <a:rPr lang="en-US" sz="1200" b="0" kern="1200">
+                          <a:solidFill>
+                            <a:schemeClr val="accent5">
+                              <a:lumMod val="50000"/>
+                            </a:schemeClr>
+                          </a:solidFill>
+                          <a:effectLst/>
+                          <a:latin typeface="+mn-lt"/>
+                          <a:ea typeface="+mn-ea"/>
+                          <a:cs typeface="+mn-cs"/>
+                        </a:rPr>
+                        <a:t>labels=</a:t>
+                      </a:r>
+                      <a:r>
+                        <a:rPr lang="en-US" sz="1200" b="0">
+                          <a:solidFill>
+                            <a:schemeClr val="accent5">
+                              <a:lumMod val="50000"/>
+                            </a:schemeClr>
+                          </a:solidFill>
+                        </a:rPr>
+                        <a:t>c(</a:t>
+                      </a:r>
+                      <a:r>
+                        <a:rPr lang="en-US" sz="1200" b="0" kern="1200">
+                          <a:solidFill>
+                            <a:schemeClr val="accent5">
+                              <a:lumMod val="50000"/>
+                            </a:schemeClr>
+                          </a:solidFill>
+                          <a:effectLst/>
+                          <a:latin typeface="+mn-lt"/>
+                          <a:ea typeface="+mn-ea"/>
+                          <a:cs typeface="+mn-cs"/>
+                        </a:rPr>
+                        <a:t>'Median Alcohol Content'</a:t>
+                      </a:r>
+                      <a:r>
+                        <a:rPr lang="en-US" sz="1200" b="0">
+                          <a:solidFill>
+                            <a:schemeClr val="accent5">
+                              <a:lumMod val="50000"/>
+                            </a:schemeClr>
+                          </a:solidFill>
+                        </a:rPr>
+                        <a:t>, </a:t>
+                      </a:r>
+                      <a:r>
+                        <a:rPr lang="en-US" sz="1200" b="0" kern="1200">
+                          <a:solidFill>
+                            <a:schemeClr val="accent5">
+                              <a:lumMod val="50000"/>
+                            </a:schemeClr>
+                          </a:solidFill>
+                          <a:effectLst/>
+                          <a:latin typeface="+mn-lt"/>
+                          <a:ea typeface="+mn-ea"/>
+                          <a:cs typeface="+mn-cs"/>
+                        </a:rPr>
+                        <a:t>'Median IBU'</a:t>
+                      </a:r>
+                      <a:r>
+                        <a:rPr lang="en-US" sz="1200" b="0">
+                          <a:solidFill>
+                            <a:schemeClr val="accent5">
+                              <a:lumMod val="50000"/>
+                            </a:schemeClr>
+                          </a:solidFill>
+                        </a:rPr>
+                        <a:t>))</a:t>
+                      </a:r>
+                      <a:endParaRPr lang="en-US" sz="1200" b="0" dirty="0">
+                        <a:solidFill>
+                          <a:schemeClr val="accent5">
+                            <a:lumMod val="50000"/>
+                          </a:schemeClr>
+                        </a:solidFill>
+                      </a:endParaRPr>
+                    </a:p>
+                  </a:txBody>
+                  <a:tcPr>
+                    <a:lnL w="12700" cap="flat" cmpd="sng" algn="ctr">
+                      <a:solidFill>
+                        <a:schemeClr val="tx1"/>
+                      </a:solidFill>
+                      <a:prstDash val="solid"/>
+                      <a:round/>
+                      <a:headEnd type="none" w="med" len="med"/>
+                      <a:tailEnd type="none" w="med" len="med"/>
+                    </a:lnL>
+                    <a:lnR w="12700" cap="flat" cmpd="sng" algn="ctr">
+                      <a:solidFill>
+                        <a:schemeClr val="tx1"/>
+                      </a:solidFill>
+                      <a:prstDash val="solid"/>
+                      <a:round/>
+                      <a:headEnd type="none" w="med" len="med"/>
+                      <a:tailEnd type="none" w="med" len="med"/>
+                    </a:lnR>
+                    <a:lnT w="12700" cap="flat" cmpd="sng" algn="ctr">
+                      <a:solidFill>
+                        <a:schemeClr val="tx1"/>
+                      </a:solidFill>
+                      <a:prstDash val="solid"/>
+                      <a:round/>
+                      <a:headEnd type="none" w="med" len="med"/>
+                      <a:tailEnd type="none" w="med" len="med"/>
+                    </a:lnT>
+                    <a:lnB w="12700" cap="flat" cmpd="sng" algn="ctr">
+                      <a:solidFill>
+                        <a:schemeClr val="tx1"/>
+                      </a:solidFill>
+                      <a:prstDash val="solid"/>
+                      <a:round/>
+                      <a:headEnd type="none" w="med" len="med"/>
+                      <a:tailEnd type="none" w="med" len="med"/>
+                    </a:lnB>
+                    <a:solidFill>
+                      <a:schemeClr val="bg1"/>
+                    </a:solidFill>
+                  </a:tcPr>
+                </a:tc>
+                <a:extLst>
+                  <a:ext uri="{0D108BD9-81ED-4DB2-BD59-A6C34878D82A}">
+                    <a16:rowId xmlns:a16="http://schemas.microsoft.com/office/drawing/2014/main" val="4197506916"/>
+                  </a:ext>
+                </a:extLst>
+              </a:tr>
+            </a:tbl>
+          </a:graphicData>
+        </a:graphic>
+      </p:graphicFrame>
       <p:pic>
         <p:nvPicPr>
-          <p:cNvPr id="5" name="Graphic 4" descr="Robot">
+          <p:cNvPr id="11" name="Picture 10">
             <a:extLst>
               <a:ext uri="{FF2B5EF4-FFF2-40B4-BE49-F238E27FC236}">
-                <a16:creationId xmlns:a16="http://schemas.microsoft.com/office/drawing/2014/main" id="{660F522F-95F4-4EDF-AC1A-FC396F5E83D2}"/>
+                <a16:creationId xmlns:a16="http://schemas.microsoft.com/office/drawing/2014/main" id="{CB353E51-063F-46C8-8FF1-FA1B142FE615}"/>
               </a:ext>
             </a:extLst>
           </p:cNvPr>
@@ -16633,90 +20080,57 @@
           <p:nvPr/>
         </p:nvPicPr>
         <p:blipFill>
-          <a:blip r:embed="rId2">
-            <a:extLst>
-              <a:ext uri="{96DAC541-7B7A-43D3-8B79-37D633B846F1}">
-                <asvg:svgBlip xmlns:asvg="http://schemas.microsoft.com/office/drawing/2016/SVG/main" r:embed="rId3"/>
-              </a:ext>
-            </a:extLst>
-          </a:blip>
+          <a:blip r:embed="rId2"/>
           <a:stretch>
             <a:fillRect/>
           </a:stretch>
         </p:blipFill>
         <p:spPr>
           <a:xfrm>
-            <a:off x="8375113" y="2329460"/>
-            <a:ext cx="4020087" cy="4020087"/>
+            <a:off x="5712787" y="2007680"/>
+            <a:ext cx="5705475" cy="4114800"/>
           </a:xfrm>
           <a:prstGeom prst="rect">
             <a:avLst/>
           </a:prstGeom>
         </p:spPr>
       </p:pic>
+    </p:spTree>
+    <p:extLst>
+      <p:ext uri="{BB962C8B-B14F-4D97-AF65-F5344CB8AC3E}">
+        <p14:creationId xmlns:p14="http://schemas.microsoft.com/office/powerpoint/2010/main" val="3019716340"/>
+      </p:ext>
+    </p:extLst>
+  </p:cSld>
+  <p:clrMapOvr>
+    <a:masterClrMapping/>
+  </p:clrMapOvr>
+</p:sld>
+</file>
+
+<file path=ppt/slides/slide9.xml><?xml version="1.0" encoding="utf-8"?>
+<p:sld xmlns:a="http://schemas.openxmlformats.org/drawingml/2006/main" xmlns:r="http://schemas.openxmlformats.org/officeDocument/2006/relationships" xmlns:p="http://schemas.openxmlformats.org/presentationml/2006/main">
+  <p:cSld>
+    <p:spTree>
+      <p:nvGrpSpPr>
+        <p:cNvPr id="1" name=""/>
+        <p:cNvGrpSpPr/>
+        <p:nvPr/>
+      </p:nvGrpSpPr>
+      <p:grpSpPr>
+        <a:xfrm>
+          <a:off x="0" y="0"/>
+          <a:ext cx="0" cy="0"/>
+          <a:chOff x="0" y="0"/>
+          <a:chExt cx="0" cy="0"/>
+        </a:xfrm>
+      </p:grpSpPr>
       <p:sp>
         <p:nvSpPr>
-          <p:cNvPr id="12" name="Rectangle 11">
+          <p:cNvPr id="2" name="Rectangle 1">
             <a:extLst>
               <a:ext uri="{FF2B5EF4-FFF2-40B4-BE49-F238E27FC236}">
-                <a16:creationId xmlns:a16="http://schemas.microsoft.com/office/drawing/2014/main" id="{DF663E57-5EFE-40CA-99A5-7BDB95908FDF}"/>
-              </a:ext>
-              <a:ext uri="{C183D7F6-B498-43B3-948B-1728B52AA6E4}">
-                <adec:decorative xmlns:adec="http://schemas.microsoft.com/office/drawing/2017/decorative" val="1"/>
-              </a:ext>
-            </a:extLst>
-          </p:cNvPr>
-          <p:cNvSpPr>
-            <a:spLocks noGrp="1" noRot="1" noChangeAspect="1" noMove="1" noResize="1" noEditPoints="1" noAdjustHandles="1" noChangeArrowheads="1" noChangeShapeType="1" noTextEdit="1"/>
-          </p:cNvSpPr>
-          <p:nvPr>
-            <p:extLst>
-              <p:ext uri="{386F3935-93C4-4BCD-93E2-E3B085C9AB24}">
-                <p16:designElem xmlns:p16="http://schemas.microsoft.com/office/powerpoint/2015/main" val="1"/>
-              </p:ext>
-            </p:extLst>
-          </p:nvPr>
-        </p:nvSpPr>
-        <p:spPr>
-          <a:xfrm>
-            <a:off x="11815864" y="758952"/>
-            <a:ext cx="384048" cy="5330952"/>
-          </a:xfrm>
-          <a:prstGeom prst="rect">
-            <a:avLst/>
-          </a:prstGeom>
-          <a:solidFill>
-            <a:srgbClr val="C8C8C8">
-              <a:alpha val="49804"/>
-            </a:srgbClr>
-          </a:solidFill>
-          <a:ln>
-            <a:noFill/>
-          </a:ln>
-        </p:spPr>
-        <p:style>
-          <a:lnRef idx="2">
-            <a:schemeClr val="accent1">
-              <a:shade val="50000"/>
-            </a:schemeClr>
-          </a:lnRef>
-          <a:fillRef idx="1">
-            <a:schemeClr val="accent1"/>
-          </a:fillRef>
-          <a:effectRef idx="0">
-            <a:schemeClr val="accent1"/>
-          </a:effectRef>
-          <a:fontRef idx="minor">
-            <a:schemeClr val="lt1"/>
-          </a:fontRef>
-        </p:style>
-      </p:sp>
-      <p:sp>
-        <p:nvSpPr>
-          <p:cNvPr id="6" name="Rectangle 5">
-            <a:extLst>
-              <a:ext uri="{FF2B5EF4-FFF2-40B4-BE49-F238E27FC236}">
-                <a16:creationId xmlns:a16="http://schemas.microsoft.com/office/drawing/2014/main" id="{CD97D264-01FC-431F-B26A-160153ABB169}"/>
+                <a16:creationId xmlns:a16="http://schemas.microsoft.com/office/drawing/2014/main" id="{00CC1EC3-1610-4116-951A-D5DA22518D5A}"/>
               </a:ext>
             </a:extLst>
           </p:cNvPr>
@@ -16725,8 +20139,8 @@
         </p:nvSpPr>
         <p:spPr>
           <a:xfrm>
-            <a:off x="4158075" y="1867795"/>
-            <a:ext cx="5452533" cy="923330"/>
+            <a:off x="673914" y="442249"/>
+            <a:ext cx="11045505" cy="923330"/>
           </a:xfrm>
           <a:prstGeom prst="rect">
             <a:avLst/>
@@ -16739,16 +20153,105 @@
           <a:lstStyle/>
           <a:p>
             <a:r>
-              <a:rPr lang="en-US" sz="5400" b="1" dirty="0"/>
-              <a:t>Questions??</a:t>
+              <a:rPr lang="en-US" dirty="0"/>
+              <a:t>Because the units are very different, we decide it would be better to do 2 separate bar plots.  Here we can see the </a:t>
             </a:r>
+            <a:r>
+              <a:rPr lang="en-US" b="1" dirty="0"/>
+              <a:t>DC has the largest median alcohol content </a:t>
+            </a:r>
+            <a:r>
+              <a:rPr lang="en-US" dirty="0"/>
+              <a:t>and </a:t>
+            </a:r>
+            <a:r>
+              <a:rPr lang="en-US" b="1" dirty="0"/>
+              <a:t>Utah has the smallest median alcohol content</a:t>
+            </a:r>
+            <a:r>
+              <a:rPr lang="en-US" dirty="0"/>
+              <a:t>. </a:t>
+            </a:r>
+            <a:r>
+              <a:rPr lang="en-US" b="1" dirty="0"/>
+              <a:t>Maine has the largest median IBU </a:t>
+            </a:r>
+            <a:r>
+              <a:rPr lang="en-US" dirty="0"/>
+              <a:t>and </a:t>
+            </a:r>
+            <a:r>
+              <a:rPr lang="en-US" b="1" dirty="0"/>
+              <a:t>Wisconsin has the lowest median IBU.</a:t>
+            </a:r>
+            <a:endParaRPr lang="en-US" dirty="0"/>
           </a:p>
         </p:txBody>
       </p:sp>
+      <p:pic>
+        <p:nvPicPr>
+          <p:cNvPr id="3" name="Picture 2">
+            <a:extLst>
+              <a:ext uri="{FF2B5EF4-FFF2-40B4-BE49-F238E27FC236}">
+                <a16:creationId xmlns:a16="http://schemas.microsoft.com/office/drawing/2014/main" id="{80ACE040-7045-4747-A377-2D23CB53283F}"/>
+              </a:ext>
+            </a:extLst>
+          </p:cNvPr>
+          <p:cNvPicPr>
+            <a:picLocks noChangeAspect="1"/>
+          </p:cNvPicPr>
+          <p:nvPr/>
+        </p:nvPicPr>
+        <p:blipFill>
+          <a:blip r:embed="rId2"/>
+          <a:stretch>
+            <a:fillRect/>
+          </a:stretch>
+        </p:blipFill>
+        <p:spPr>
+          <a:xfrm>
+            <a:off x="821222" y="1752508"/>
+            <a:ext cx="5164581" cy="4902229"/>
+          </a:xfrm>
+          <a:prstGeom prst="rect">
+            <a:avLst/>
+          </a:prstGeom>
+        </p:spPr>
+      </p:pic>
+      <p:pic>
+        <p:nvPicPr>
+          <p:cNvPr id="4" name="Picture 3">
+            <a:extLst>
+              <a:ext uri="{FF2B5EF4-FFF2-40B4-BE49-F238E27FC236}">
+                <a16:creationId xmlns:a16="http://schemas.microsoft.com/office/drawing/2014/main" id="{FA976DBA-5065-49ED-8CC4-642D6F83EDC6}"/>
+              </a:ext>
+            </a:extLst>
+          </p:cNvPr>
+          <p:cNvPicPr>
+            <a:picLocks noChangeAspect="1"/>
+          </p:cNvPicPr>
+          <p:nvPr/>
+        </p:nvPicPr>
+        <p:blipFill>
+          <a:blip r:embed="rId3"/>
+          <a:stretch>
+            <a:fillRect/>
+          </a:stretch>
+        </p:blipFill>
+        <p:spPr>
+          <a:xfrm>
+            <a:off x="6206199" y="1752508"/>
+            <a:ext cx="4921428" cy="4851122"/>
+          </a:xfrm>
+          <a:prstGeom prst="rect">
+            <a:avLst/>
+          </a:prstGeom>
+        </p:spPr>
+      </p:pic>
     </p:spTree>
     <p:extLst>
       <p:ext uri="{BB962C8B-B14F-4D97-AF65-F5344CB8AC3E}">
-        <p14:creationId xmlns:p14="http://schemas.microsoft.com/office/powerpoint/2010/main" val="944196401"/>
+        <p14:creationId xmlns:p14="http://schemas.microsoft.com/office/powerpoint/2010/main" val="2127841934"/>
       </p:ext>
     </p:extLst>
   </p:cSld>

--- a/CaseStudy.pptx
+++ b/CaseStudy.pptx
@@ -1966,7 +1966,7 @@
         <a:p>
           <a:r>
             <a:rPr lang="en-US" dirty="0"/>
-            <a:t>When expanding business, we should keep in mind that west coast beers tend to be more bitter than East Coast beers. Therefore, the company may gain more profits by selling beers that more bitter on west coast.  </a:t>
+            <a:t>When expanding business, we should keep in mind that west coast beers may be more bitter than East Coast beers. Therefore, the company may gain more profits by selling beers that more bitter on west coast.  This will need further exploration.</a:t>
           </a:r>
         </a:p>
       </dgm:t>
@@ -2074,7 +2074,7 @@
         <a:p>
           <a:r>
             <a:rPr lang="en-US" dirty="0"/>
-            <a:t>When expanding business in Maine, we should keep in mind that it has the largest median IBU. In contrast, Wisconsin has the lowest median IBU. </a:t>
+            <a:t>When expanding business in Maine, we should keep in mind that it has the largest median IBU (the most bitter beer). In contrast, Wisconsin has the lowest median IBU. We should create custom beer flavors that follow these trends. We will need to explore whether increasing the alcohol content actually makes beers more bitter, as implied by our previous scatter plot.</a:t>
           </a:r>
         </a:p>
       </dgm:t>
@@ -2181,18 +2181,9 @@
         <a:lstStyle/>
         <a:p>
           <a:r>
-            <a:rPr lang="en-US"/>
-            <a:t>The </a:t>
+            <a:rPr lang="en-US" dirty="0"/>
+            <a:t>The company should keep in mind the median alcohol context is the highest in DC and Utah has the smallest. We should follow these trends when customizing beers for these states.</a:t>
           </a:r>
-          <a:r>
-            <a:rPr lang="en-US" dirty="0"/>
-            <a:t>company should keep in mind the median alcohol context is the highest in DC and Utah has </a:t>
-          </a:r>
-          <a:r>
-            <a:rPr lang="en-US"/>
-            <a:t>the smallest.</a:t>
-          </a:r>
-          <a:endParaRPr lang="en-US" dirty="0"/>
         </a:p>
       </dgm:t>
     </dgm:pt>
@@ -3114,7 +3105,7 @@
           </a:pPr>
           <a:r>
             <a:rPr lang="en-US" sz="1700" kern="1200" dirty="0"/>
-            <a:t>When expanding business, we should keep in mind that west coast beers tend to be more bitter than East Coast beers. Therefore, the company may gain more profits by selling beers that more bitter on west coast.  </a:t>
+            <a:t>When expanding business, we should keep in mind that west coast beers may be more bitter than East Coast beers. Therefore, the company may gain more profits by selling beers that more bitter on west coast.  This will need further exploration.</a:t>
           </a:r>
         </a:p>
       </dsp:txBody>
@@ -3314,7 +3305,7 @@
           </a:pPr>
           <a:r>
             <a:rPr lang="en-US" sz="1700" kern="1200" dirty="0"/>
-            <a:t>When expanding business in Maine, we should keep in mind that it has the largest median IBU. In contrast, Wisconsin has the lowest median IBU. </a:t>
+            <a:t>When expanding business in Maine, we should keep in mind that it has the largest median IBU (the most bitter beer). In contrast, Wisconsin has the lowest median IBU. We should create custom beer flavors that follow these trends. We will need to explore whether increasing the alcohol content actually makes beers more bitter, as implied by our previous scatter plot.</a:t>
           </a:r>
         </a:p>
       </dsp:txBody>
@@ -3513,18 +3504,9 @@
             <a:buChar char="•"/>
           </a:pPr>
           <a:r>
-            <a:rPr lang="en-US" sz="1700" kern="1200"/>
-            <a:t>The </a:t>
+            <a:rPr lang="en-US" sz="1700" kern="1200" dirty="0"/>
+            <a:t>The company should keep in mind the median alcohol context is the highest in DC and Utah has the smallest. We should follow these trends when customizing beers for these states.</a:t>
           </a:r>
-          <a:r>
-            <a:rPr lang="en-US" sz="1700" kern="1200" dirty="0"/>
-            <a:t>company should keep in mind the median alcohol context is the highest in DC and Utah has </a:t>
-          </a:r>
-          <a:r>
-            <a:rPr lang="en-US" sz="1700" kern="1200"/>
-            <a:t>the smallest.</a:t>
-          </a:r>
-          <a:endParaRPr lang="en-US" sz="1700" kern="1200" dirty="0"/>
         </a:p>
       </dsp:txBody>
       <dsp:txXfrm>
@@ -14384,7 +14366,7 @@
           <a:p>
             <a:r>
               <a:rPr lang="en-US" dirty="0"/>
-              <a:t>Based on observation, we can see Oregon has the most bitter beer and Colorado has the strongest beer. West Coast beers tend to be more bitter than East Coast beers. </a:t>
+              <a:t>Based on observation, we can see Oregon has the most bitter beer and Colorado has the strongest beer. For future research, we will investigate if west coast beers tend to be more bitter than east coast beers. </a:t>
             </a:r>
           </a:p>
         </p:txBody>
@@ -14498,7 +14480,7 @@
         <p:spPr>
           <a:xfrm>
             <a:off x="2039454" y="1427135"/>
-            <a:ext cx="7884723" cy="646331"/>
+            <a:ext cx="7884723" cy="923330"/>
           </a:xfrm>
           <a:prstGeom prst="rect">
             <a:avLst/>
@@ -14512,7 +14494,7 @@
           <a:p>
             <a:r>
               <a:rPr lang="en-US" dirty="0"/>
-              <a:t>Here’s the nationwide summary statistics that provides the data of beer strengths.</a:t>
+              <a:t>Here’s the nationwide summary statistics that provides the data of beer alcohol content. In making new beers it would be smart to stay within the limits that already exist.</a:t>
             </a:r>
           </a:p>
         </p:txBody>
@@ -14539,7 +14521,7 @@
         </p:blipFill>
         <p:spPr>
           <a:xfrm>
-            <a:off x="1824037" y="2190750"/>
+            <a:off x="1813151" y="2744748"/>
             <a:ext cx="8543925" cy="2476500"/>
           </a:xfrm>
           <a:prstGeom prst="rect">
@@ -15354,7 +15336,7 @@
         <p:spPr>
           <a:xfrm>
             <a:off x="550878" y="3276190"/>
-            <a:ext cx="3814194" cy="1754326"/>
+            <a:ext cx="3814194" cy="2585323"/>
           </a:xfrm>
           <a:prstGeom prst="rect">
             <a:avLst/>
@@ -15368,7 +15350,7 @@
           <a:p>
             <a:r>
               <a:rPr lang="en-US" dirty="0"/>
-              <a:t>There is evidence to suggest a positive correlation IBU and ABV, meaning increasing the alcohol content results in more bitter beer. Using this data would help the company to create custom beer flavor for the customers. </a:t>
+              <a:t>There is evidence to suggest a positive correlation between IBU and ABV. Using this data would help the company create custom beer flavors for its customers. However, because this is an observational study for future research we will run an experiment to see if there is an actual causal relationship.</a:t>
             </a:r>
           </a:p>
         </p:txBody>
@@ -15452,7 +15434,7 @@
           <p:nvPr>
             <p:extLst>
               <p:ext uri="{D42A27DB-BD31-4B8C-83A1-F6EECF244321}">
-                <p14:modId xmlns:p14="http://schemas.microsoft.com/office/powerpoint/2010/main" val="310823584"/>
+                <p14:modId xmlns:p14="http://schemas.microsoft.com/office/powerpoint/2010/main" val="2818188995"/>
               </p:ext>
             </p:extLst>
           </p:nvPr>
@@ -16090,23 +16072,7 @@
             <a:pPr lvl="1"/>
             <a:r>
               <a:rPr lang="en-US" dirty="0"/>
-              <a:t>As an Oregon based brewery, the company “Oregon best beer” would like to understand </a:t>
-            </a:r>
-            <a:r>
-              <a:rPr lang="en-US" i="1" dirty="0"/>
-              <a:t>if there is an apparent </a:t>
-            </a:r>
-            <a:r>
-              <a:rPr lang="en-US" b="1" i="1" dirty="0"/>
-              <a:t>relationship</a:t>
-            </a:r>
-            <a:r>
-              <a:rPr lang="en-US" i="1" dirty="0"/>
-              <a:t> between </a:t>
-            </a:r>
-            <a:r>
-              <a:rPr lang="en-US" dirty="0"/>
-              <a:t>the bitterness of the beer and its alcoholic content. This would help company’s decision on explanation across the nation in U.S.</a:t>
+              <a:t>As an Oregon based brewery, the company “Oregon’s Best Beer” would like to understand the distribution and characteristics of beers and breweries across the nation so as to be successful in other states</a:t>
             </a:r>
           </a:p>
           <a:p>
@@ -16119,23 +16085,7 @@
             <a:pPr lvl="1"/>
             <a:r>
               <a:rPr lang="en-US" dirty="0"/>
-              <a:t>Use existing data to find out which state has </a:t>
-            </a:r>
-            <a:r>
-              <a:rPr lang="en-US" i="1" dirty="0"/>
-              <a:t>the maximum alcoholic (ABV) beer</a:t>
-            </a:r>
-            <a:r>
-              <a:rPr lang="en-US" dirty="0"/>
-              <a:t>, as well as which state has </a:t>
-            </a:r>
-            <a:r>
-              <a:rPr lang="en-US" i="1" dirty="0"/>
-              <a:t>the most bitter (IBU) beer</a:t>
-            </a:r>
-            <a:r>
-              <a:rPr lang="en-US" dirty="0"/>
-              <a:t>. We then analysis and study the correlation between the two. </a:t>
+              <a:t>Use existing data to find out which states have a small number of existing breweries. Also use the data to study how the alcohol  content and bitterness of beers differs by state so that the company can tailor its beers to those states’ tastes.</a:t>
             </a:r>
             <a:endParaRPr lang="en-US" b="1" dirty="0"/>
           </a:p>
@@ -16899,7 +16849,15 @@
           <a:p>
             <a:r>
               <a:rPr lang="en-US" dirty="0"/>
-              <a:t>Based on the data, DC, North Dakota, South Dakota and West Virginia all only have one brewery. Those may be the ideal location for “Oregon Best Beer” business expansion</a:t>
+              <a:t>Based on the data, DC, North Dakota, South Dakota and West Virginia all only have one brewery. Those may be the ideal location for </a:t>
+            </a:r>
+            <a:r>
+              <a:rPr lang="en-US"/>
+              <a:t>“Oregon’s </a:t>
+            </a:r>
+            <a:r>
+              <a:rPr lang="en-US" dirty="0"/>
+              <a:t>Best Beer” business expansion</a:t>
             </a:r>
           </a:p>
         </p:txBody>
@@ -17923,7 +17881,7 @@
           <a:p>
             <a:r>
               <a:rPr lang="en-US" dirty="0"/>
-              <a:t>We then merged the Beer dataset with the breweries dataset to help us further analysis and understand the data. The diagram on the left shows the first 6 row of the merged data, whereas the diagram on the left display the last 6 row of the merged data. </a:t>
+              <a:t>We then merged the Beer dataset with the Breweries dataset to help us further analyze and understand the data. The diagram on the left shows the first 6 row of the merged data, whereas the diagram on the right displays the last 6 rows of the merged data. </a:t>
             </a:r>
           </a:p>
         </p:txBody>
@@ -20095,6 +20053,41 @@
           </a:prstGeom>
         </p:spPr>
       </p:pic>
+      <p:sp>
+        <p:nvSpPr>
+          <p:cNvPr id="3" name="TextBox 2">
+            <a:extLst>
+              <a:ext uri="{FF2B5EF4-FFF2-40B4-BE49-F238E27FC236}">
+                <a16:creationId xmlns:a16="http://schemas.microsoft.com/office/drawing/2014/main" id="{0B054E03-25E5-D648-BE1B-21722DAEFFCE}"/>
+              </a:ext>
+            </a:extLst>
+          </p:cNvPr>
+          <p:cNvSpPr txBox="1"/>
+          <p:nvPr/>
+        </p:nvSpPr>
+        <p:spPr>
+          <a:xfrm>
+            <a:off x="689317" y="5105400"/>
+            <a:ext cx="4595304" cy="923330"/>
+          </a:xfrm>
+          <a:prstGeom prst="rect">
+            <a:avLst/>
+          </a:prstGeom>
+          <a:noFill/>
+        </p:spPr>
+        <p:txBody>
+          <a:bodyPr wrap="square" rtlCol="0">
+            <a:spAutoFit/>
+          </a:bodyPr>
+          <a:lstStyle/>
+          <a:p>
+            <a:r>
+              <a:rPr lang="en-US" dirty="0"/>
+              <a:t>As a side by side boxplot, this graph is not very informative because the units for alcohol content and bitterness (IBU) are so different</a:t>
+            </a:r>
+          </a:p>
+        </p:txBody>
+      </p:sp>
     </p:spTree>
     <p:extLst>
       <p:ext uri="{BB962C8B-B14F-4D97-AF65-F5344CB8AC3E}">
@@ -20140,7 +20133,7 @@
         <p:spPr>
           <a:xfrm>
             <a:off x="673914" y="442249"/>
-            <a:ext cx="11045505" cy="923330"/>
+            <a:ext cx="11045505" cy="1200329"/>
           </a:xfrm>
           <a:prstGeom prst="rect">
             <a:avLst/>
@@ -20154,7 +20147,7 @@
           <a:p>
             <a:r>
               <a:rPr lang="en-US" dirty="0"/>
-              <a:t>Because the units are very different, we decide it would be better to do 2 separate bar plots.  Here we can see the </a:t>
+              <a:t>To better visualize the data, we decided it would be better to do 2 separate bar plots.  Here we can see the </a:t>
             </a:r>
             <a:r>
               <a:rPr lang="en-US" b="1" dirty="0"/>
@@ -20182,7 +20175,7 @@
             </a:r>
             <a:r>
               <a:rPr lang="en-US" b="1" dirty="0"/>
-              <a:t>Wisconsin has the lowest median IBU.</a:t>
+              <a:t>Wisconsin has the lowest median IBU. South Dakota is missing information on its IBU, and this data should be collected.</a:t>
             </a:r>
             <a:endParaRPr lang="en-US" dirty="0"/>
           </a:p>

--- a/CaseStudy.pptx
+++ b/CaseStudy.pptx
@@ -15808,7 +15808,7 @@
               <a:rPr lang="en-US" spc="-100" dirty="0">
                 <a:cs typeface="Aldhabi" panose="020B0604020202020204" pitchFamily="2" charset="-78"/>
               </a:rPr>
-              <a:t>Overall Findings and Business suggestions</a:t>
+              <a:t>Overall findings and business suggestions</a:t>
             </a:r>
             <a:endParaRPr lang="en-US" dirty="0">
               <a:cs typeface="Aldhabi" panose="020B0604020202020204" pitchFamily="2" charset="-78"/>

--- a/CaseStudy.pptx
+++ b/CaseStudy.pptx
@@ -2798,8 +2798,8 @@
       </dsp:nvSpPr>
       <dsp:spPr>
         <a:xfrm>
-          <a:off x="0" y="3915255"/>
-          <a:ext cx="11402007" cy="0"/>
+          <a:off x="0" y="3804677"/>
+          <a:ext cx="11223396" cy="0"/>
         </a:xfrm>
         <a:prstGeom prst="line">
           <a:avLst/>
@@ -2839,8 +2839,8 @@
       </dsp:nvSpPr>
       <dsp:spPr>
         <a:xfrm>
-          <a:off x="0" y="2233591"/>
-          <a:ext cx="11402007" cy="0"/>
+          <a:off x="0" y="2170508"/>
+          <a:ext cx="11223396" cy="0"/>
         </a:xfrm>
         <a:prstGeom prst="line">
           <a:avLst/>
@@ -2880,8 +2880,8 @@
       </dsp:nvSpPr>
       <dsp:spPr>
         <a:xfrm>
-          <a:off x="0" y="551926"/>
-          <a:ext cx="11402007" cy="0"/>
+          <a:off x="0" y="536338"/>
+          <a:ext cx="11223396" cy="0"/>
         </a:xfrm>
         <a:prstGeom prst="line">
           <a:avLst/>
@@ -2921,8 +2921,8 @@
       </dsp:nvSpPr>
       <dsp:spPr>
         <a:xfrm>
-          <a:off x="2964522" y="615"/>
-          <a:ext cx="8437485" cy="551311"/>
+          <a:off x="2918082" y="598"/>
+          <a:ext cx="8305313" cy="535740"/>
         </a:xfrm>
         <a:prstGeom prst="rect">
           <a:avLst/>
@@ -2970,8 +2970,8 @@
         </a:p>
       </dsp:txBody>
       <dsp:txXfrm>
-        <a:off x="2964522" y="615"/>
-        <a:ext cx="8437485" cy="551311"/>
+        <a:off x="2918082" y="598"/>
+        <a:ext cx="8305313" cy="535740"/>
       </dsp:txXfrm>
     </dsp:sp>
     <dsp:sp modelId="{7FEF20EB-AAA6-41F2-A0A2-EA37782904D5}">
@@ -2981,8 +2981,8 @@
       </dsp:nvSpPr>
       <dsp:spPr>
         <a:xfrm>
-          <a:off x="0" y="615"/>
-          <a:ext cx="2964522" cy="551311"/>
+          <a:off x="0" y="598"/>
+          <a:ext cx="2918082" cy="535740"/>
         </a:xfrm>
         <a:prstGeom prst="round2SameRect">
           <a:avLst>
@@ -3050,8 +3050,8 @@
         </a:p>
       </dsp:txBody>
       <dsp:txXfrm>
-        <a:off x="26918" y="27533"/>
-        <a:ext cx="2910686" cy="524393"/>
+        <a:off x="26157" y="26755"/>
+        <a:ext cx="2865768" cy="509583"/>
       </dsp:txXfrm>
     </dsp:sp>
     <dsp:sp modelId="{F266476A-E978-4AD9-B43E-AC6DBF9E7BE3}">
@@ -3061,8 +3061,8 @@
       </dsp:nvSpPr>
       <dsp:spPr>
         <a:xfrm>
-          <a:off x="0" y="551926"/>
-          <a:ext cx="11402007" cy="1102787"/>
+          <a:off x="0" y="536338"/>
+          <a:ext cx="11223396" cy="1071642"/>
         </a:xfrm>
         <a:prstGeom prst="rect">
           <a:avLst/>
@@ -3110,8 +3110,8 @@
         </a:p>
       </dsp:txBody>
       <dsp:txXfrm>
-        <a:off x="0" y="551926"/>
-        <a:ext cx="11402007" cy="1102787"/>
+        <a:off x="0" y="536338"/>
+        <a:ext cx="11223396" cy="1071642"/>
       </dsp:txXfrm>
     </dsp:sp>
     <dsp:sp modelId="{F36B5141-35C6-43FC-A85A-B92D31435192}">
@@ -3121,8 +3121,8 @@
       </dsp:nvSpPr>
       <dsp:spPr>
         <a:xfrm>
-          <a:off x="2964522" y="1682279"/>
-          <a:ext cx="8437485" cy="551311"/>
+          <a:off x="2918082" y="1634767"/>
+          <a:ext cx="8305313" cy="535740"/>
         </a:xfrm>
         <a:prstGeom prst="rect">
           <a:avLst/>
@@ -3170,8 +3170,8 @@
         </a:p>
       </dsp:txBody>
       <dsp:txXfrm>
-        <a:off x="2964522" y="1682279"/>
-        <a:ext cx="8437485" cy="551311"/>
+        <a:off x="2918082" y="1634767"/>
+        <a:ext cx="8305313" cy="535740"/>
       </dsp:txXfrm>
     </dsp:sp>
     <dsp:sp modelId="{77F64C39-F217-4B3D-B90F-FB97B9D70244}">
@@ -3181,8 +3181,8 @@
       </dsp:nvSpPr>
       <dsp:spPr>
         <a:xfrm>
-          <a:off x="0" y="1682279"/>
-          <a:ext cx="2964522" cy="551311"/>
+          <a:off x="0" y="1634767"/>
+          <a:ext cx="2918082" cy="535740"/>
         </a:xfrm>
         <a:prstGeom prst="round2SameRect">
           <a:avLst>
@@ -3250,8 +3250,8 @@
         </a:p>
       </dsp:txBody>
       <dsp:txXfrm>
-        <a:off x="26918" y="1709197"/>
-        <a:ext cx="2910686" cy="524393"/>
+        <a:off x="26157" y="1660924"/>
+        <a:ext cx="2865768" cy="509583"/>
       </dsp:txXfrm>
     </dsp:sp>
     <dsp:sp modelId="{5DE0107C-2439-4A3F-B773-F82B8EBA6BF1}">
@@ -3261,8 +3261,8 @@
       </dsp:nvSpPr>
       <dsp:spPr>
         <a:xfrm>
-          <a:off x="0" y="2233591"/>
-          <a:ext cx="11402007" cy="1102787"/>
+          <a:off x="0" y="2170508"/>
+          <a:ext cx="11223396" cy="1071642"/>
         </a:xfrm>
         <a:prstGeom prst="rect">
           <a:avLst/>
@@ -3310,8 +3310,8 @@
         </a:p>
       </dsp:txBody>
       <dsp:txXfrm>
-        <a:off x="0" y="2233591"/>
-        <a:ext cx="11402007" cy="1102787"/>
+        <a:off x="0" y="2170508"/>
+        <a:ext cx="11223396" cy="1071642"/>
       </dsp:txXfrm>
     </dsp:sp>
     <dsp:sp modelId="{488D8BD9-DC1B-4D0C-BE0B-299C2F2A86FB}">
@@ -3321,8 +3321,8 @@
       </dsp:nvSpPr>
       <dsp:spPr>
         <a:xfrm>
-          <a:off x="2964522" y="3363944"/>
-          <a:ext cx="8437485" cy="551311"/>
+          <a:off x="2918082" y="3268937"/>
+          <a:ext cx="8305313" cy="535740"/>
         </a:xfrm>
         <a:prstGeom prst="rect">
           <a:avLst/>
@@ -3370,8 +3370,8 @@
         </a:p>
       </dsp:txBody>
       <dsp:txXfrm>
-        <a:off x="2964522" y="3363944"/>
-        <a:ext cx="8437485" cy="551311"/>
+        <a:off x="2918082" y="3268937"/>
+        <a:ext cx="8305313" cy="535740"/>
       </dsp:txXfrm>
     </dsp:sp>
     <dsp:sp modelId="{6DACA9A1-4A46-46A4-902E-4A02025DC976}">
@@ -3381,8 +3381,8 @@
       </dsp:nvSpPr>
       <dsp:spPr>
         <a:xfrm>
-          <a:off x="0" y="3363944"/>
-          <a:ext cx="2964522" cy="551311"/>
+          <a:off x="0" y="3268937"/>
+          <a:ext cx="2918082" cy="535740"/>
         </a:xfrm>
         <a:prstGeom prst="round2SameRect">
           <a:avLst>
@@ -3450,8 +3450,8 @@
         </a:p>
       </dsp:txBody>
       <dsp:txXfrm>
-        <a:off x="26918" y="3390862"/>
-        <a:ext cx="2910686" cy="524393"/>
+        <a:off x="26157" y="3295094"/>
+        <a:ext cx="2865768" cy="509583"/>
       </dsp:txXfrm>
     </dsp:sp>
     <dsp:sp modelId="{2E85F5F3-9A8A-4493-A16A-B1D8AB8A3FFA}">
@@ -3461,8 +3461,8 @@
       </dsp:nvSpPr>
       <dsp:spPr>
         <a:xfrm>
-          <a:off x="0" y="3915255"/>
-          <a:ext cx="11402007" cy="1102787"/>
+          <a:off x="0" y="3804677"/>
+          <a:ext cx="11223396" cy="1071642"/>
         </a:xfrm>
         <a:prstGeom prst="rect">
           <a:avLst/>
@@ -3510,8 +3510,8 @@
         </a:p>
       </dsp:txBody>
       <dsp:txXfrm>
-        <a:off x="0" y="3915255"/>
-        <a:ext cx="11402007" cy="1102787"/>
+        <a:off x="0" y="3804677"/>
+        <a:ext cx="11223396" cy="1071642"/>
       </dsp:txXfrm>
     </dsp:sp>
   </dsp:spTree>
@@ -14329,7 +14329,7 @@
           <a:p>
             <a:r>
               <a:rPr lang="en-US" sz="2400" b="1" dirty="0"/>
-              <a:t>Sate with most alcoholic (ABV) beer and most bitter beer</a:t>
+              <a:t>State with most alcoholic (ABV) beer and most bitter beer</a:t>
             </a:r>
           </a:p>
           <a:p>
@@ -15350,7 +15350,7 @@
           <a:p>
             <a:r>
               <a:rPr lang="en-US" dirty="0"/>
-              <a:t>There is evidence to suggest a positive correlation between IBU and ABV. Using this data would help the company create custom beer flavors for its customers. However, because this is an observational study for future research we will run an experiment to see if there is an actual causal relationship.</a:t>
+              <a:t>There is evidence to suggest a positive correlation between IBU and ABV. Using this data would help the company create custom beer flavors for its customers. However, because this is an observational study for future research, we will run an experiment to see if there is an actual causal relationship.</a:t>
             </a:r>
           </a:p>
         </p:txBody>
@@ -15415,7 +15415,7 @@
             <a:pPr algn="ctr"/>
             <a:r>
               <a:rPr lang="en-US" sz="4000" b="1" spc="-100" dirty="0"/>
-              <a:t>Overall Findings and Business suggestions</a:t>
+              <a:t>Overall findings and business suggestions</a:t>
             </a:r>
             <a:endParaRPr lang="en-US" sz="4000" dirty="0"/>
           </a:p>
@@ -15434,14 +15434,14 @@
           <p:nvPr>
             <p:extLst>
               <p:ext uri="{D42A27DB-BD31-4B8C-83A1-F6EECF244321}">
-                <p14:modId xmlns:p14="http://schemas.microsoft.com/office/powerpoint/2010/main" val="2818188995"/>
+                <p14:modId xmlns:p14="http://schemas.microsoft.com/office/powerpoint/2010/main" val="1305872409"/>
               </p:ext>
             </p:extLst>
           </p:nvPr>
         </p:nvGraphicFramePr>
         <p:xfrm>
-          <a:off x="560124" y="1934943"/>
-          <a:ext cx="11402008" cy="5018659"/>
+          <a:off x="537969" y="1582606"/>
+          <a:ext cx="11223396" cy="4876918"/>
         </p:xfrm>
         <a:graphic>
           <a:graphicData uri="http://schemas.openxmlformats.org/drawingml/2006/diagram">
